--- a/task1.pptx
+++ b/task1.pptx
@@ -1,46 +1,46 @@
 
 <file path=ppt/presentation.xml><?xml version="1.0" encoding="utf-8"?>
-<p:presentation xmlns:a="http://schemas.openxmlformats.org/drawingml/2006/main" xmlns:r="http://schemas.openxmlformats.org/officeDocument/2006/relationships" xmlns:mc="http://schemas.openxmlformats.org/markup-compatibility/2006" xmlns:mv="urn:schemas-microsoft-com:mac:vml" xmlns:p="http://schemas.openxmlformats.org/presentationml/2006/main" xmlns:c="http://schemas.openxmlformats.org/drawingml/2006/chart" xmlns:dgm="http://schemas.openxmlformats.org/drawingml/2006/diagram" xmlns:o="urn:schemas-microsoft-com:office:office" xmlns:v="urn:schemas-microsoft-com:vml" xmlns:pvml="urn:schemas-microsoft-com:office:powerpoint" xmlns:com="http://schemas.openxmlformats.org/drawingml/2006/compatibility" xmlns:p14="http://schemas.microsoft.com/office/powerpoint/2010/main" xmlns:p15="http://schemas.microsoft.com/office/powerpoint/2012/main" xmlns:ahyp="http://schemas.microsoft.com/office/drawing/2018/hyperlinkcolor" autoCompressPictures="0" embedTrueTypeFonts="1" strictFirstAndLastChars="0" saveSubsetFonts="1">
+<p:presentation xmlns:a="http://schemas.openxmlformats.org/drawingml/2006/main" xmlns:r="http://schemas.openxmlformats.org/officeDocument/2006/relationships" xmlns:p="http://schemas.openxmlformats.org/presentationml/2006/main" strictFirstAndLastChars="0" embedTrueTypeFonts="1" saveSubsetFonts="1" autoCompressPictures="0">
   <p:sldMasterIdLst>
-    <p:sldMasterId id="2147483659" r:id="rId4"/>
+    <p:sldMasterId id="2147483659" r:id="rId1"/>
   </p:sldMasterIdLst>
   <p:notesMasterIdLst>
-    <p:notesMasterId r:id="rId5"/>
+    <p:notesMasterId r:id="rId14"/>
   </p:notesMasterIdLst>
   <p:sldIdLst>
-    <p:sldId id="256" r:id="rId6"/>
-    <p:sldId id="257" r:id="rId7"/>
-    <p:sldId id="258" r:id="rId8"/>
-    <p:sldId id="259" r:id="rId9"/>
-    <p:sldId id="260" r:id="rId10"/>
-    <p:sldId id="261" r:id="rId11"/>
-    <p:sldId id="262" r:id="rId12"/>
-    <p:sldId id="263" r:id="rId13"/>
-    <p:sldId id="264" r:id="rId14"/>
-    <p:sldId id="265" r:id="rId15"/>
-    <p:sldId id="266" r:id="rId16"/>
-    <p:sldId id="267" r:id="rId17"/>
+    <p:sldId id="256" r:id="rId2"/>
+    <p:sldId id="257" r:id="rId3"/>
+    <p:sldId id="258" r:id="rId4"/>
+    <p:sldId id="259" r:id="rId5"/>
+    <p:sldId id="260" r:id="rId6"/>
+    <p:sldId id="261" r:id="rId7"/>
+    <p:sldId id="262" r:id="rId8"/>
+    <p:sldId id="263" r:id="rId9"/>
+    <p:sldId id="264" r:id="rId10"/>
+    <p:sldId id="265" r:id="rId11"/>
+    <p:sldId id="266" r:id="rId12"/>
+    <p:sldId id="267" r:id="rId13"/>
   </p:sldIdLst>
-  <p:sldSz cy="5143500" cx="9144000"/>
+  <p:sldSz cx="9144000" cy="5143500" type="screen16x9"/>
   <p:notesSz cx="6858000" cy="9144000"/>
   <p:embeddedFontLst>
     <p:embeddedFont>
-      <p:font typeface="Roboto"/>
-      <p:regular r:id="rId18"/>
-      <p:bold r:id="rId19"/>
-      <p:italic r:id="rId20"/>
-      <p:boldItalic r:id="rId21"/>
+      <p:font typeface="Merriweather" panose="020F0502020204030204" pitchFamily="2" charset="-18"/>
+      <p:regular r:id="rId15"/>
+      <p:bold r:id="rId16"/>
+      <p:italic r:id="rId17"/>
+      <p:boldItalic r:id="rId18"/>
     </p:embeddedFont>
     <p:embeddedFont>
-      <p:font typeface="Merriweather"/>
-      <p:regular r:id="rId22"/>
-      <p:bold r:id="rId23"/>
-      <p:italic r:id="rId24"/>
-      <p:boldItalic r:id="rId25"/>
+      <p:font typeface="Roboto" panose="02000000000000000000" pitchFamily="2" charset="0"/>
+      <p:regular r:id="rId19"/>
+      <p:bold r:id="rId20"/>
+      <p:italic r:id="rId21"/>
+      <p:boldItalic r:id="rId22"/>
     </p:embeddedFont>
   </p:embeddedFontLst>
   <p:defaultTextStyle>
-    <a:defPPr lvl="0" marR="0" rtl="0" algn="l">
+    <a:defPPr marR="0" lvl="0" algn="l" rtl="0">
       <a:lnSpc>
         <a:spcPct val="100000"/>
       </a:lnSpc>
@@ -51,7 +51,7 @@
         <a:spcPts val="0"/>
       </a:spcAft>
     </a:defPPr>
-    <a:lvl1pPr lvl="0" marR="0" rtl="0" algn="l">
+    <a:lvl1pPr marR="0" lvl="0" algn="l" rtl="0">
       <a:lnSpc>
         <a:spcPct val="100000"/>
       </a:lnSpc>
@@ -65,7 +65,7 @@
         <a:srgbClr val="000000"/>
       </a:buClr>
       <a:buFont typeface="Arial"/>
-      <a:defRPr b="0" i="0" sz="1400" u="none" cap="none" strike="noStrike">
+      <a:defRPr sz="1400" b="0" i="0" u="none" strike="noStrike" cap="none">
         <a:solidFill>
           <a:srgbClr val="000000"/>
         </a:solidFill>
@@ -75,7 +75,7 @@
         <a:sym typeface="Arial"/>
       </a:defRPr>
     </a:lvl1pPr>
-    <a:lvl2pPr lvl="1" marR="0" rtl="0" algn="l">
+    <a:lvl2pPr marR="0" lvl="1" algn="l" rtl="0">
       <a:lnSpc>
         <a:spcPct val="100000"/>
       </a:lnSpc>
@@ -89,7 +89,7 @@
         <a:srgbClr val="000000"/>
       </a:buClr>
       <a:buFont typeface="Arial"/>
-      <a:defRPr b="0" i="0" sz="1400" u="none" cap="none" strike="noStrike">
+      <a:defRPr sz="1400" b="0" i="0" u="none" strike="noStrike" cap="none">
         <a:solidFill>
           <a:srgbClr val="000000"/>
         </a:solidFill>
@@ -99,7 +99,7 @@
         <a:sym typeface="Arial"/>
       </a:defRPr>
     </a:lvl2pPr>
-    <a:lvl3pPr lvl="2" marR="0" rtl="0" algn="l">
+    <a:lvl3pPr marR="0" lvl="2" algn="l" rtl="0">
       <a:lnSpc>
         <a:spcPct val="100000"/>
       </a:lnSpc>
@@ -113,7 +113,7 @@
         <a:srgbClr val="000000"/>
       </a:buClr>
       <a:buFont typeface="Arial"/>
-      <a:defRPr b="0" i="0" sz="1400" u="none" cap="none" strike="noStrike">
+      <a:defRPr sz="1400" b="0" i="0" u="none" strike="noStrike" cap="none">
         <a:solidFill>
           <a:srgbClr val="000000"/>
         </a:solidFill>
@@ -123,7 +123,7 @@
         <a:sym typeface="Arial"/>
       </a:defRPr>
     </a:lvl3pPr>
-    <a:lvl4pPr lvl="3" marR="0" rtl="0" algn="l">
+    <a:lvl4pPr marR="0" lvl="3" algn="l" rtl="0">
       <a:lnSpc>
         <a:spcPct val="100000"/>
       </a:lnSpc>
@@ -137,7 +137,7 @@
         <a:srgbClr val="000000"/>
       </a:buClr>
       <a:buFont typeface="Arial"/>
-      <a:defRPr b="0" i="0" sz="1400" u="none" cap="none" strike="noStrike">
+      <a:defRPr sz="1400" b="0" i="0" u="none" strike="noStrike" cap="none">
         <a:solidFill>
           <a:srgbClr val="000000"/>
         </a:solidFill>
@@ -147,7 +147,7 @@
         <a:sym typeface="Arial"/>
       </a:defRPr>
     </a:lvl4pPr>
-    <a:lvl5pPr lvl="4" marR="0" rtl="0" algn="l">
+    <a:lvl5pPr marR="0" lvl="4" algn="l" rtl="0">
       <a:lnSpc>
         <a:spcPct val="100000"/>
       </a:lnSpc>
@@ -161,7 +161,7 @@
         <a:srgbClr val="000000"/>
       </a:buClr>
       <a:buFont typeface="Arial"/>
-      <a:defRPr b="0" i="0" sz="1400" u="none" cap="none" strike="noStrike">
+      <a:defRPr sz="1400" b="0" i="0" u="none" strike="noStrike" cap="none">
         <a:solidFill>
           <a:srgbClr val="000000"/>
         </a:solidFill>
@@ -171,7 +171,7 @@
         <a:sym typeface="Arial"/>
       </a:defRPr>
     </a:lvl5pPr>
-    <a:lvl6pPr lvl="5" marR="0" rtl="0" algn="l">
+    <a:lvl6pPr marR="0" lvl="5" algn="l" rtl="0">
       <a:lnSpc>
         <a:spcPct val="100000"/>
       </a:lnSpc>
@@ -185,7 +185,7 @@
         <a:srgbClr val="000000"/>
       </a:buClr>
       <a:buFont typeface="Arial"/>
-      <a:defRPr b="0" i="0" sz="1400" u="none" cap="none" strike="noStrike">
+      <a:defRPr sz="1400" b="0" i="0" u="none" strike="noStrike" cap="none">
         <a:solidFill>
           <a:srgbClr val="000000"/>
         </a:solidFill>
@@ -195,7 +195,7 @@
         <a:sym typeface="Arial"/>
       </a:defRPr>
     </a:lvl6pPr>
-    <a:lvl7pPr lvl="6" marR="0" rtl="0" algn="l">
+    <a:lvl7pPr marR="0" lvl="6" algn="l" rtl="0">
       <a:lnSpc>
         <a:spcPct val="100000"/>
       </a:lnSpc>
@@ -209,7 +209,7 @@
         <a:srgbClr val="000000"/>
       </a:buClr>
       <a:buFont typeface="Arial"/>
-      <a:defRPr b="0" i="0" sz="1400" u="none" cap="none" strike="noStrike">
+      <a:defRPr sz="1400" b="0" i="0" u="none" strike="noStrike" cap="none">
         <a:solidFill>
           <a:srgbClr val="000000"/>
         </a:solidFill>
@@ -219,7 +219,7 @@
         <a:sym typeface="Arial"/>
       </a:defRPr>
     </a:lvl7pPr>
-    <a:lvl8pPr lvl="7" marR="0" rtl="0" algn="l">
+    <a:lvl8pPr marR="0" lvl="7" algn="l" rtl="0">
       <a:lnSpc>
         <a:spcPct val="100000"/>
       </a:lnSpc>
@@ -233,7 +233,7 @@
         <a:srgbClr val="000000"/>
       </a:buClr>
       <a:buFont typeface="Arial"/>
-      <a:defRPr b="0" i="0" sz="1400" u="none" cap="none" strike="noStrike">
+      <a:defRPr sz="1400" b="0" i="0" u="none" strike="noStrike" cap="none">
         <a:solidFill>
           <a:srgbClr val="000000"/>
         </a:solidFill>
@@ -243,7 +243,7 @@
         <a:sym typeface="Arial"/>
       </a:defRPr>
     </a:lvl8pPr>
-    <a:lvl9pPr lvl="8" marR="0" rtl="0" algn="l">
+    <a:lvl9pPr marR="0" lvl="8" algn="l" rtl="0">
       <a:lnSpc>
         <a:spcPct val="100000"/>
       </a:lnSpc>
@@ -257,7 +257,7 @@
         <a:srgbClr val="000000"/>
       </a:buClr>
       <a:buFont typeface="Arial"/>
-      <a:defRPr b="0" i="0" sz="1400" u="none" cap="none" strike="noStrike">
+      <a:defRPr sz="1400" b="0" i="0" u="none" strike="noStrike" cap="none">
         <a:solidFill>
           <a:srgbClr val="000000"/>
         </a:solidFill>
@@ -270,7 +270,7 @@
   </p:defaultTextStyle>
   <p:extLst>
     <p:ext uri="{EFAFB233-063F-42B5-8137-9DF3F51BA10A}">
-      <p15:sldGuideLst>
+      <p15:sldGuideLst xmlns:p15="http://schemas.microsoft.com/office/powerpoint/2012/main">
         <p15:guide id="1" orient="horz" pos="1620">
           <p15:clr>
             <a:srgbClr val="747775"/>
@@ -288,11 +288,16 @@
 </file>
 
 <file path=ppt/notesMasters/notesMaster1.xml><?xml version="1.0" encoding="utf-8"?>
-<p:notesMaster xmlns:a="http://schemas.openxmlformats.org/drawingml/2006/main" xmlns:r="http://schemas.openxmlformats.org/officeDocument/2006/relationships" xmlns:mc="http://schemas.openxmlformats.org/markup-compatibility/2006" xmlns:mv="urn:schemas-microsoft-com:mac:vml" xmlns:p="http://schemas.openxmlformats.org/presentationml/2006/main" xmlns:c="http://schemas.openxmlformats.org/drawingml/2006/chart" xmlns:dgm="http://schemas.openxmlformats.org/drawingml/2006/diagram" xmlns:o="urn:schemas-microsoft-com:office:office" xmlns:v="urn:schemas-microsoft-com:vml" xmlns:pvml="urn:schemas-microsoft-com:office:powerpoint" xmlns:com="http://schemas.openxmlformats.org/drawingml/2006/compatibility" xmlns:p14="http://schemas.microsoft.com/office/powerpoint/2010/main" xmlns:p15="http://schemas.microsoft.com/office/powerpoint/2012/main" xmlns:ahyp="http://schemas.microsoft.com/office/drawing/2018/hyperlinkcolor">
+<p:notesMaster xmlns:a="http://schemas.openxmlformats.org/drawingml/2006/main" xmlns:r="http://schemas.openxmlformats.org/officeDocument/2006/relationships" xmlns:p="http://schemas.openxmlformats.org/presentationml/2006/main">
   <p:cSld>
+    <p:bg>
+      <p:bgRef idx="1001">
+        <a:schemeClr val="bg1"/>
+      </p:bgRef>
+    </p:bg>
     <p:spTree>
       <p:nvGrpSpPr>
-        <p:cNvPr id="2" name="Shape 2"/>
+        <p:cNvPr id="1" name="Shape 2"/>
         <p:cNvGrpSpPr/>
         <p:nvPr/>
       </p:nvGrpSpPr>
@@ -307,9 +312,11 @@
       <p:sp>
         <p:nvSpPr>
           <p:cNvPr id="3" name="Google Shape;3;n"/>
-          <p:cNvSpPr/>
+          <p:cNvSpPr>
+            <a:spLocks noGrp="1" noRot="1" noChangeAspect="1"/>
+          </p:cNvSpPr>
           <p:nvPr>
-            <p:ph idx="2" type="sldImg"/>
+            <p:ph type="sldImg" idx="2"/>
           </p:nvPr>
         </p:nvSpPr>
         <p:spPr>
@@ -318,9 +325,13 @@
             <a:ext cx="6096075" cy="3429000"/>
           </a:xfrm>
           <a:custGeom>
-            <a:rect b="b" l="l" r="r" t="t"/>
+            <a:avLst/>
+            <a:gdLst/>
+            <a:ahLst/>
+            <a:cxnLst/>
+            <a:rect l="l" t="t" r="r" b="b"/>
             <a:pathLst>
-              <a:path extrusionOk="0" h="120000" w="120000">
+              <a:path w="120000" h="120000" extrusionOk="0">
                 <a:moveTo>
                   <a:pt x="0" y="0"/>
                 </a:moveTo>
@@ -338,23 +349,25 @@
             </a:pathLst>
           </a:custGeom>
           <a:noFill/>
-          <a:ln cap="flat" cmpd="sng" w="9525">
+          <a:ln w="9525" cap="flat" cmpd="sng">
             <a:solidFill>
               <a:srgbClr val="000000"/>
             </a:solidFill>
             <a:prstDash val="solid"/>
             <a:round/>
-            <a:headEnd len="sm" w="sm" type="none"/>
-            <a:tailEnd len="sm" w="sm" type="none"/>
+            <a:headEnd type="none" w="sm" len="sm"/>
+            <a:tailEnd type="none" w="sm" len="sm"/>
           </a:ln>
         </p:spPr>
       </p:sp>
       <p:sp>
         <p:nvSpPr>
           <p:cNvPr id="4" name="Google Shape;4;n"/>
-          <p:cNvSpPr txBox="1"/>
+          <p:cNvSpPr txBox="1">
+            <a:spLocks noGrp="1"/>
+          </p:cNvSpPr>
           <p:nvPr>
-            <p:ph idx="1" type="body"/>
+            <p:ph type="body" idx="1"/>
           </p:nvPr>
         </p:nvSpPr>
         <p:spPr>
@@ -371,11 +384,11 @@
           </a:ln>
         </p:spPr>
         <p:txBody>
-          <a:bodyPr anchorCtr="0" anchor="t" bIns="91425" lIns="91425" spcFirstLastPara="1" rIns="91425" wrap="square" tIns="91425">
+          <a:bodyPr spcFirstLastPara="1" wrap="square" lIns="91425" tIns="91425" rIns="91425" bIns="91425" anchor="t" anchorCtr="0">
             <a:noAutofit/>
           </a:bodyPr>
           <a:lstStyle>
-            <a:lvl1pPr indent="-298450" lvl="0" marL="457200">
+            <a:lvl1pPr marL="457200" lvl="0" indent="-298450">
               <a:spcBef>
                 <a:spcPts val="0"/>
               </a:spcBef>
@@ -386,7 +399,7 @@
               <a:buChar char="●"/>
               <a:defRPr sz="1100"/>
             </a:lvl1pPr>
-            <a:lvl2pPr indent="-298450" lvl="1" marL="914400">
+            <a:lvl2pPr marL="914400" lvl="1" indent="-298450">
               <a:spcBef>
                 <a:spcPts val="0"/>
               </a:spcBef>
@@ -397,7 +410,7 @@
               <a:buChar char="○"/>
               <a:defRPr sz="1100"/>
             </a:lvl2pPr>
-            <a:lvl3pPr indent="-298450" lvl="2" marL="1371600">
+            <a:lvl3pPr marL="1371600" lvl="2" indent="-298450">
               <a:spcBef>
                 <a:spcPts val="0"/>
               </a:spcBef>
@@ -408,7 +421,7 @@
               <a:buChar char="■"/>
               <a:defRPr sz="1100"/>
             </a:lvl3pPr>
-            <a:lvl4pPr indent="-298450" lvl="3" marL="1828800">
+            <a:lvl4pPr marL="1828800" lvl="3" indent="-298450">
               <a:spcBef>
                 <a:spcPts val="0"/>
               </a:spcBef>
@@ -419,7 +432,7 @@
               <a:buChar char="●"/>
               <a:defRPr sz="1100"/>
             </a:lvl4pPr>
-            <a:lvl5pPr indent="-298450" lvl="4" marL="2286000">
+            <a:lvl5pPr marL="2286000" lvl="4" indent="-298450">
               <a:spcBef>
                 <a:spcPts val="0"/>
               </a:spcBef>
@@ -430,7 +443,7 @@
               <a:buChar char="○"/>
               <a:defRPr sz="1100"/>
             </a:lvl5pPr>
-            <a:lvl6pPr indent="-298450" lvl="5" marL="2743200">
+            <a:lvl6pPr marL="2743200" lvl="5" indent="-298450">
               <a:spcBef>
                 <a:spcPts val="0"/>
               </a:spcBef>
@@ -441,7 +454,7 @@
               <a:buChar char="■"/>
               <a:defRPr sz="1100"/>
             </a:lvl6pPr>
-            <a:lvl7pPr indent="-298450" lvl="6" marL="3200400">
+            <a:lvl7pPr marL="3200400" lvl="6" indent="-298450">
               <a:spcBef>
                 <a:spcPts val="0"/>
               </a:spcBef>
@@ -452,7 +465,7 @@
               <a:buChar char="●"/>
               <a:defRPr sz="1100"/>
             </a:lvl7pPr>
-            <a:lvl8pPr indent="-298450" lvl="7" marL="3657600">
+            <a:lvl8pPr marL="3657600" lvl="7" indent="-298450">
               <a:spcBef>
                 <a:spcPts val="0"/>
               </a:spcBef>
@@ -463,7 +476,7 @@
               <a:buChar char="○"/>
               <a:defRPr sz="1100"/>
             </a:lvl8pPr>
-            <a:lvl9pPr indent="-298450" lvl="8" marL="4114800">
+            <a:lvl9pPr marL="4114800" lvl="8" indent="-298450">
               <a:spcBef>
                 <a:spcPts val="0"/>
               </a:spcBef>
@@ -475,14 +488,16 @@
               <a:defRPr sz="1100"/>
             </a:lvl9pPr>
           </a:lstStyle>
-          <a:p/>
+          <a:p>
+            <a:endParaRPr/>
+          </a:p>
         </p:txBody>
       </p:sp>
     </p:spTree>
   </p:cSld>
-  <p:clrMap accent1="accent1" accent2="accent2" accent3="accent3" accent4="accent4" accent5="accent5" accent6="accent6" bg1="lt1" bg2="dk2" tx1="dk1" tx2="lt2" folHlink="folHlink" hlink="hlink"/>
+  <p:clrMap bg1="lt1" tx1="dk1" bg2="dk2" tx2="lt2" accent1="accent1" accent2="accent2" accent3="accent3" accent4="accent4" accent5="accent5" accent6="accent6" hlink="hlink" folHlink="folHlink"/>
   <p:notesStyle>
-    <a:defPPr lvl="0" marR="0" rtl="0" algn="l">
+    <a:defPPr marR="0" lvl="0" algn="l" rtl="0">
       <a:lnSpc>
         <a:spcPct val="100000"/>
       </a:lnSpc>
@@ -493,7 +508,7 @@
         <a:spcPts val="0"/>
       </a:spcAft>
     </a:defPPr>
-    <a:lvl1pPr lvl="0" marR="0" rtl="0" algn="l">
+    <a:lvl1pPr marR="0" lvl="0" algn="l" rtl="0">
       <a:lnSpc>
         <a:spcPct val="100000"/>
       </a:lnSpc>
@@ -507,7 +522,7 @@
         <a:srgbClr val="000000"/>
       </a:buClr>
       <a:buFont typeface="Arial"/>
-      <a:defRPr b="0" i="0" sz="1400" u="none" cap="none" strike="noStrike">
+      <a:defRPr sz="1400" b="0" i="0" u="none" strike="noStrike" cap="none">
         <a:solidFill>
           <a:srgbClr val="000000"/>
         </a:solidFill>
@@ -517,7 +532,7 @@
         <a:sym typeface="Arial"/>
       </a:defRPr>
     </a:lvl1pPr>
-    <a:lvl2pPr lvl="1" marR="0" rtl="0" algn="l">
+    <a:lvl2pPr marR="0" lvl="1" algn="l" rtl="0">
       <a:lnSpc>
         <a:spcPct val="100000"/>
       </a:lnSpc>
@@ -531,7 +546,7 @@
         <a:srgbClr val="000000"/>
       </a:buClr>
       <a:buFont typeface="Arial"/>
-      <a:defRPr b="0" i="0" sz="1400" u="none" cap="none" strike="noStrike">
+      <a:defRPr sz="1400" b="0" i="0" u="none" strike="noStrike" cap="none">
         <a:solidFill>
           <a:srgbClr val="000000"/>
         </a:solidFill>
@@ -541,7 +556,7 @@
         <a:sym typeface="Arial"/>
       </a:defRPr>
     </a:lvl2pPr>
-    <a:lvl3pPr lvl="2" marR="0" rtl="0" algn="l">
+    <a:lvl3pPr marR="0" lvl="2" algn="l" rtl="0">
       <a:lnSpc>
         <a:spcPct val="100000"/>
       </a:lnSpc>
@@ -555,7 +570,7 @@
         <a:srgbClr val="000000"/>
       </a:buClr>
       <a:buFont typeface="Arial"/>
-      <a:defRPr b="0" i="0" sz="1400" u="none" cap="none" strike="noStrike">
+      <a:defRPr sz="1400" b="0" i="0" u="none" strike="noStrike" cap="none">
         <a:solidFill>
           <a:srgbClr val="000000"/>
         </a:solidFill>
@@ -565,7 +580,7 @@
         <a:sym typeface="Arial"/>
       </a:defRPr>
     </a:lvl3pPr>
-    <a:lvl4pPr lvl="3" marR="0" rtl="0" algn="l">
+    <a:lvl4pPr marR="0" lvl="3" algn="l" rtl="0">
       <a:lnSpc>
         <a:spcPct val="100000"/>
       </a:lnSpc>
@@ -579,7 +594,7 @@
         <a:srgbClr val="000000"/>
       </a:buClr>
       <a:buFont typeface="Arial"/>
-      <a:defRPr b="0" i="0" sz="1400" u="none" cap="none" strike="noStrike">
+      <a:defRPr sz="1400" b="0" i="0" u="none" strike="noStrike" cap="none">
         <a:solidFill>
           <a:srgbClr val="000000"/>
         </a:solidFill>
@@ -589,7 +604,7 @@
         <a:sym typeface="Arial"/>
       </a:defRPr>
     </a:lvl4pPr>
-    <a:lvl5pPr lvl="4" marR="0" rtl="0" algn="l">
+    <a:lvl5pPr marR="0" lvl="4" algn="l" rtl="0">
       <a:lnSpc>
         <a:spcPct val="100000"/>
       </a:lnSpc>
@@ -603,7 +618,7 @@
         <a:srgbClr val="000000"/>
       </a:buClr>
       <a:buFont typeface="Arial"/>
-      <a:defRPr b="0" i="0" sz="1400" u="none" cap="none" strike="noStrike">
+      <a:defRPr sz="1400" b="0" i="0" u="none" strike="noStrike" cap="none">
         <a:solidFill>
           <a:srgbClr val="000000"/>
         </a:solidFill>
@@ -613,7 +628,7 @@
         <a:sym typeface="Arial"/>
       </a:defRPr>
     </a:lvl5pPr>
-    <a:lvl6pPr lvl="5" marR="0" rtl="0" algn="l">
+    <a:lvl6pPr marR="0" lvl="5" algn="l" rtl="0">
       <a:lnSpc>
         <a:spcPct val="100000"/>
       </a:lnSpc>
@@ -627,7 +642,7 @@
         <a:srgbClr val="000000"/>
       </a:buClr>
       <a:buFont typeface="Arial"/>
-      <a:defRPr b="0" i="0" sz="1400" u="none" cap="none" strike="noStrike">
+      <a:defRPr sz="1400" b="0" i="0" u="none" strike="noStrike" cap="none">
         <a:solidFill>
           <a:srgbClr val="000000"/>
         </a:solidFill>
@@ -637,7 +652,7 @@
         <a:sym typeface="Arial"/>
       </a:defRPr>
     </a:lvl6pPr>
-    <a:lvl7pPr lvl="6" marR="0" rtl="0" algn="l">
+    <a:lvl7pPr marR="0" lvl="6" algn="l" rtl="0">
       <a:lnSpc>
         <a:spcPct val="100000"/>
       </a:lnSpc>
@@ -651,7 +666,7 @@
         <a:srgbClr val="000000"/>
       </a:buClr>
       <a:buFont typeface="Arial"/>
-      <a:defRPr b="0" i="0" sz="1400" u="none" cap="none" strike="noStrike">
+      <a:defRPr sz="1400" b="0" i="0" u="none" strike="noStrike" cap="none">
         <a:solidFill>
           <a:srgbClr val="000000"/>
         </a:solidFill>
@@ -661,7 +676,7 @@
         <a:sym typeface="Arial"/>
       </a:defRPr>
     </a:lvl7pPr>
-    <a:lvl8pPr lvl="7" marR="0" rtl="0" algn="l">
+    <a:lvl8pPr marR="0" lvl="7" algn="l" rtl="0">
       <a:lnSpc>
         <a:spcPct val="100000"/>
       </a:lnSpc>
@@ -675,7 +690,7 @@
         <a:srgbClr val="000000"/>
       </a:buClr>
       <a:buFont typeface="Arial"/>
-      <a:defRPr b="0" i="0" sz="1400" u="none" cap="none" strike="noStrike">
+      <a:defRPr sz="1400" b="0" i="0" u="none" strike="noStrike" cap="none">
         <a:solidFill>
           <a:srgbClr val="000000"/>
         </a:solidFill>
@@ -685,7 +700,7 @@
         <a:sym typeface="Arial"/>
       </a:defRPr>
     </a:lvl8pPr>
-    <a:lvl9pPr lvl="8" marR="0" rtl="0" algn="l">
+    <a:lvl9pPr marR="0" lvl="8" algn="l" rtl="0">
       <a:lnSpc>
         <a:spcPct val="100000"/>
       </a:lnSpc>
@@ -699,7 +714,7 @@
         <a:srgbClr val="000000"/>
       </a:buClr>
       <a:buFont typeface="Arial"/>
-      <a:defRPr b="0" i="0" sz="1400" u="none" cap="none" strike="noStrike">
+      <a:defRPr sz="1400" b="0" i="0" u="none" strike="noStrike" cap="none">
         <a:solidFill>
           <a:srgbClr val="000000"/>
         </a:solidFill>
@@ -714,11 +729,11 @@
 </file>
 
 <file path=ppt/notesSlides/notesSlide1.xml><?xml version="1.0" encoding="utf-8"?>
-<p:notes xmlns:a="http://schemas.openxmlformats.org/drawingml/2006/main" xmlns:r="http://schemas.openxmlformats.org/officeDocument/2006/relationships" xmlns:mc="http://schemas.openxmlformats.org/markup-compatibility/2006" xmlns:mv="urn:schemas-microsoft-com:mac:vml" xmlns:p="http://schemas.openxmlformats.org/presentationml/2006/main" xmlns:c="http://schemas.openxmlformats.org/drawingml/2006/chart" xmlns:dgm="http://schemas.openxmlformats.org/drawingml/2006/diagram" xmlns:o="urn:schemas-microsoft-com:office:office" xmlns:v="urn:schemas-microsoft-com:vml" xmlns:pvml="urn:schemas-microsoft-com:office:powerpoint" xmlns:com="http://schemas.openxmlformats.org/drawingml/2006/compatibility" xmlns:p14="http://schemas.microsoft.com/office/powerpoint/2010/main" xmlns:p15="http://schemas.microsoft.com/office/powerpoint/2012/main" xmlns:ahyp="http://schemas.microsoft.com/office/drawing/2018/hyperlinkcolor" showMasterPhAnim="0" showMasterSp="0">
+<p:notes xmlns:a="http://schemas.openxmlformats.org/drawingml/2006/main" xmlns:r="http://schemas.openxmlformats.org/officeDocument/2006/relationships" xmlns:p="http://schemas.openxmlformats.org/presentationml/2006/main" showMasterSp="0" showMasterPhAnim="0">
   <p:cSld>
     <p:spTree>
       <p:nvGrpSpPr>
-        <p:cNvPr id="60" name="Shape 60"/>
+        <p:cNvPr id="1" name="Shape 60"/>
         <p:cNvGrpSpPr/>
         <p:nvPr/>
       </p:nvGrpSpPr>
@@ -733,9 +748,11 @@
       <p:sp>
         <p:nvSpPr>
           <p:cNvPr id="61" name="Google Shape;61;p:notes"/>
-          <p:cNvSpPr/>
+          <p:cNvSpPr>
+            <a:spLocks noGrp="1" noRot="1" noChangeAspect="1"/>
+          </p:cNvSpPr>
           <p:nvPr>
-            <p:ph idx="2" type="sldImg"/>
+            <p:ph type="sldImg" idx="2"/>
           </p:nvPr>
         </p:nvSpPr>
         <p:spPr>
@@ -744,9 +761,13 @@
             <a:ext cx="6096075" cy="3429000"/>
           </a:xfrm>
           <a:custGeom>
-            <a:rect b="b" l="l" r="r" t="t"/>
+            <a:avLst/>
+            <a:gdLst/>
+            <a:ahLst/>
+            <a:cxnLst/>
+            <a:rect l="l" t="t" r="r" b="b"/>
             <a:pathLst>
-              <a:path extrusionOk="0" h="120000" w="120000">
+              <a:path w="120000" h="120000" extrusionOk="0">
                 <a:moveTo>
                   <a:pt x="0" y="0"/>
                 </a:moveTo>
@@ -768,9 +789,11 @@
       <p:sp>
         <p:nvSpPr>
           <p:cNvPr id="62" name="Google Shape;62;p:notes"/>
-          <p:cNvSpPr txBox="1"/>
+          <p:cNvSpPr txBox="1">
+            <a:spLocks noGrp="1"/>
+          </p:cNvSpPr>
           <p:nvPr>
-            <p:ph idx="1" type="body"/>
+            <p:ph type="body" idx="1"/>
           </p:nvPr>
         </p:nvSpPr>
         <p:spPr>
@@ -783,12 +806,12 @@
           </a:prstGeom>
         </p:spPr>
         <p:txBody>
-          <a:bodyPr anchorCtr="0" anchor="t" bIns="91425" lIns="91425" spcFirstLastPara="1" rIns="91425" wrap="square" tIns="91425">
+          <a:bodyPr spcFirstLastPara="1" wrap="square" lIns="91425" tIns="91425" rIns="91425" bIns="91425" anchor="t" anchorCtr="0">
             <a:noAutofit/>
           </a:bodyPr>
           <a:lstStyle/>
           <a:p>
-            <a:pPr indent="0" lvl="0" marL="0" rtl="0" algn="l">
+            <a:pPr marL="0" lvl="0" indent="0" algn="l" rtl="0">
               <a:spcBef>
                 <a:spcPts val="0"/>
               </a:spcBef>
@@ -797,9 +820,6 @@
               </a:spcAft>
               <a:buNone/>
             </a:pPr>
-            <a:r>
-              <a:t/>
-            </a:r>
             <a:endParaRPr/>
           </a:p>
         </p:txBody>
@@ -813,11 +833,11 @@
 </file>
 
 <file path=ppt/notesSlides/notesSlide10.xml><?xml version="1.0" encoding="utf-8"?>
-<p:notes xmlns:a="http://schemas.openxmlformats.org/drawingml/2006/main" xmlns:r="http://schemas.openxmlformats.org/officeDocument/2006/relationships" xmlns:mc="http://schemas.openxmlformats.org/markup-compatibility/2006" xmlns:mv="urn:schemas-microsoft-com:mac:vml" xmlns:p="http://schemas.openxmlformats.org/presentationml/2006/main" xmlns:c="http://schemas.openxmlformats.org/drawingml/2006/chart" xmlns:dgm="http://schemas.openxmlformats.org/drawingml/2006/diagram" xmlns:o="urn:schemas-microsoft-com:office:office" xmlns:v="urn:schemas-microsoft-com:vml" xmlns:pvml="urn:schemas-microsoft-com:office:powerpoint" xmlns:com="http://schemas.openxmlformats.org/drawingml/2006/compatibility" xmlns:p14="http://schemas.microsoft.com/office/powerpoint/2010/main" xmlns:p15="http://schemas.microsoft.com/office/powerpoint/2012/main" xmlns:ahyp="http://schemas.microsoft.com/office/drawing/2018/hyperlinkcolor" showMasterPhAnim="0" showMasterSp="0">
+<p:notes xmlns:a="http://schemas.openxmlformats.org/drawingml/2006/main" xmlns:r="http://schemas.openxmlformats.org/officeDocument/2006/relationships" xmlns:p="http://schemas.openxmlformats.org/presentationml/2006/main" showMasterSp="0" showMasterPhAnim="0">
   <p:cSld>
     <p:spTree>
       <p:nvGrpSpPr>
-        <p:cNvPr id="121" name="Shape 121"/>
+        <p:cNvPr id="1" name="Shape 121"/>
         <p:cNvGrpSpPr/>
         <p:nvPr/>
       </p:nvGrpSpPr>
@@ -832,9 +852,11 @@
       <p:sp>
         <p:nvSpPr>
           <p:cNvPr id="122" name="Google Shape;122;g33638b401fe_0_23:notes"/>
-          <p:cNvSpPr/>
+          <p:cNvSpPr>
+            <a:spLocks noGrp="1" noRot="1" noChangeAspect="1"/>
+          </p:cNvSpPr>
           <p:nvPr>
-            <p:ph idx="2" type="sldImg"/>
+            <p:ph type="sldImg" idx="2"/>
           </p:nvPr>
         </p:nvSpPr>
         <p:spPr>
@@ -843,9 +865,13 @@
             <a:ext cx="6096000" cy="3429000"/>
           </a:xfrm>
           <a:custGeom>
-            <a:rect b="b" l="l" r="r" t="t"/>
+            <a:avLst/>
+            <a:gdLst/>
+            <a:ahLst/>
+            <a:cxnLst/>
+            <a:rect l="l" t="t" r="r" b="b"/>
             <a:pathLst>
-              <a:path extrusionOk="0" h="120000" w="120000">
+              <a:path w="120000" h="120000" extrusionOk="0">
                 <a:moveTo>
                   <a:pt x="0" y="0"/>
                 </a:moveTo>
@@ -867,9 +893,11 @@
       <p:sp>
         <p:nvSpPr>
           <p:cNvPr id="123" name="Google Shape;123;g33638b401fe_0_23:notes"/>
-          <p:cNvSpPr txBox="1"/>
+          <p:cNvSpPr txBox="1">
+            <a:spLocks noGrp="1"/>
+          </p:cNvSpPr>
           <p:nvPr>
-            <p:ph idx="1" type="body"/>
+            <p:ph type="body" idx="1"/>
           </p:nvPr>
         </p:nvSpPr>
         <p:spPr>
@@ -882,12 +910,12 @@
           </a:prstGeom>
         </p:spPr>
         <p:txBody>
-          <a:bodyPr anchorCtr="0" anchor="t" bIns="91425" lIns="91425" spcFirstLastPara="1" rIns="91425" wrap="square" tIns="91425">
+          <a:bodyPr spcFirstLastPara="1" wrap="square" lIns="91425" tIns="91425" rIns="91425" bIns="91425" anchor="t" anchorCtr="0">
             <a:noAutofit/>
           </a:bodyPr>
           <a:lstStyle/>
           <a:p>
-            <a:pPr indent="0" lvl="0" marL="0" rtl="0" algn="l">
+            <a:pPr marL="0" lvl="0" indent="0" algn="l" rtl="0">
               <a:spcBef>
                 <a:spcPts val="0"/>
               </a:spcBef>
@@ -896,9 +924,6 @@
               </a:spcAft>
               <a:buNone/>
             </a:pPr>
-            <a:r>
-              <a:t/>
-            </a:r>
             <a:endParaRPr/>
           </a:p>
         </p:txBody>
@@ -912,11 +937,11 @@
 </file>
 
 <file path=ppt/notesSlides/notesSlide11.xml><?xml version="1.0" encoding="utf-8"?>
-<p:notes xmlns:a="http://schemas.openxmlformats.org/drawingml/2006/main" xmlns:r="http://schemas.openxmlformats.org/officeDocument/2006/relationships" xmlns:mc="http://schemas.openxmlformats.org/markup-compatibility/2006" xmlns:mv="urn:schemas-microsoft-com:mac:vml" xmlns:p="http://schemas.openxmlformats.org/presentationml/2006/main" xmlns:c="http://schemas.openxmlformats.org/drawingml/2006/chart" xmlns:dgm="http://schemas.openxmlformats.org/drawingml/2006/diagram" xmlns:o="urn:schemas-microsoft-com:office:office" xmlns:v="urn:schemas-microsoft-com:vml" xmlns:pvml="urn:schemas-microsoft-com:office:powerpoint" xmlns:com="http://schemas.openxmlformats.org/drawingml/2006/compatibility" xmlns:p14="http://schemas.microsoft.com/office/powerpoint/2010/main" xmlns:p15="http://schemas.microsoft.com/office/powerpoint/2012/main" xmlns:ahyp="http://schemas.microsoft.com/office/drawing/2018/hyperlinkcolor" showMasterPhAnim="0" showMasterSp="0">
+<p:notes xmlns:a="http://schemas.openxmlformats.org/drawingml/2006/main" xmlns:r="http://schemas.openxmlformats.org/officeDocument/2006/relationships" xmlns:p="http://schemas.openxmlformats.org/presentationml/2006/main" showMasterSp="0" showMasterPhAnim="0">
   <p:cSld>
     <p:spTree>
       <p:nvGrpSpPr>
-        <p:cNvPr id="128" name="Shape 128"/>
+        <p:cNvPr id="1" name="Shape 128"/>
         <p:cNvGrpSpPr/>
         <p:nvPr/>
       </p:nvGrpSpPr>
@@ -931,9 +956,11 @@
       <p:sp>
         <p:nvSpPr>
           <p:cNvPr id="129" name="Google Shape;129;g35b21b838e3_0_99:notes"/>
-          <p:cNvSpPr/>
+          <p:cNvSpPr>
+            <a:spLocks noGrp="1" noRot="1" noChangeAspect="1"/>
+          </p:cNvSpPr>
           <p:nvPr>
-            <p:ph idx="2" type="sldImg"/>
+            <p:ph type="sldImg" idx="2"/>
           </p:nvPr>
         </p:nvSpPr>
         <p:spPr>
@@ -942,9 +969,13 @@
             <a:ext cx="6096000" cy="3429000"/>
           </a:xfrm>
           <a:custGeom>
-            <a:rect b="b" l="l" r="r" t="t"/>
+            <a:avLst/>
+            <a:gdLst/>
+            <a:ahLst/>
+            <a:cxnLst/>
+            <a:rect l="l" t="t" r="r" b="b"/>
             <a:pathLst>
-              <a:path extrusionOk="0" h="120000" w="120000">
+              <a:path w="120000" h="120000" extrusionOk="0">
                 <a:moveTo>
                   <a:pt x="0" y="0"/>
                 </a:moveTo>
@@ -966,9 +997,11 @@
       <p:sp>
         <p:nvSpPr>
           <p:cNvPr id="130" name="Google Shape;130;g35b21b838e3_0_99:notes"/>
-          <p:cNvSpPr txBox="1"/>
+          <p:cNvSpPr txBox="1">
+            <a:spLocks noGrp="1"/>
+          </p:cNvSpPr>
           <p:nvPr>
-            <p:ph idx="1" type="body"/>
+            <p:ph type="body" idx="1"/>
           </p:nvPr>
         </p:nvSpPr>
         <p:spPr>
@@ -981,12 +1014,12 @@
           </a:prstGeom>
         </p:spPr>
         <p:txBody>
-          <a:bodyPr anchorCtr="0" anchor="t" bIns="91425" lIns="91425" spcFirstLastPara="1" rIns="91425" wrap="square" tIns="91425">
+          <a:bodyPr spcFirstLastPara="1" wrap="square" lIns="91425" tIns="91425" rIns="91425" bIns="91425" anchor="t" anchorCtr="0">
             <a:noAutofit/>
           </a:bodyPr>
           <a:lstStyle/>
           <a:p>
-            <a:pPr indent="0" lvl="0" marL="0" rtl="0" algn="l">
+            <a:pPr marL="0" lvl="0" indent="0" algn="l" rtl="0">
               <a:spcBef>
                 <a:spcPts val="0"/>
               </a:spcBef>
@@ -995,9 +1028,6 @@
               </a:spcAft>
               <a:buNone/>
             </a:pPr>
-            <a:r>
-              <a:t/>
-            </a:r>
             <a:endParaRPr/>
           </a:p>
         </p:txBody>
@@ -1011,11 +1041,11 @@
 </file>
 
 <file path=ppt/notesSlides/notesSlide12.xml><?xml version="1.0" encoding="utf-8"?>
-<p:notes xmlns:a="http://schemas.openxmlformats.org/drawingml/2006/main" xmlns:r="http://schemas.openxmlformats.org/officeDocument/2006/relationships" xmlns:mc="http://schemas.openxmlformats.org/markup-compatibility/2006" xmlns:mv="urn:schemas-microsoft-com:mac:vml" xmlns:p="http://schemas.openxmlformats.org/presentationml/2006/main" xmlns:c="http://schemas.openxmlformats.org/drawingml/2006/chart" xmlns:dgm="http://schemas.openxmlformats.org/drawingml/2006/diagram" xmlns:o="urn:schemas-microsoft-com:office:office" xmlns:v="urn:schemas-microsoft-com:vml" xmlns:pvml="urn:schemas-microsoft-com:office:powerpoint" xmlns:com="http://schemas.openxmlformats.org/drawingml/2006/compatibility" xmlns:p14="http://schemas.microsoft.com/office/powerpoint/2010/main" xmlns:p15="http://schemas.microsoft.com/office/powerpoint/2012/main" xmlns:ahyp="http://schemas.microsoft.com/office/drawing/2018/hyperlinkcolor" showMasterPhAnim="0" showMasterSp="0">
+<p:notes xmlns:a="http://schemas.openxmlformats.org/drawingml/2006/main" xmlns:r="http://schemas.openxmlformats.org/officeDocument/2006/relationships" xmlns:p="http://schemas.openxmlformats.org/presentationml/2006/main" showMasterSp="0" showMasterPhAnim="0">
   <p:cSld>
     <p:spTree>
       <p:nvGrpSpPr>
-        <p:cNvPr id="135" name="Shape 135"/>
+        <p:cNvPr id="1" name="Shape 135"/>
         <p:cNvGrpSpPr/>
         <p:nvPr/>
       </p:nvGrpSpPr>
@@ -1030,9 +1060,11 @@
       <p:sp>
         <p:nvSpPr>
           <p:cNvPr id="136" name="Google Shape;136;g33638e61096_0_0:notes"/>
-          <p:cNvSpPr/>
+          <p:cNvSpPr>
+            <a:spLocks noGrp="1" noRot="1" noChangeAspect="1"/>
+          </p:cNvSpPr>
           <p:nvPr>
-            <p:ph idx="2" type="sldImg"/>
+            <p:ph type="sldImg" idx="2"/>
           </p:nvPr>
         </p:nvSpPr>
         <p:spPr>
@@ -1041,9 +1073,13 @@
             <a:ext cx="6096000" cy="3429000"/>
           </a:xfrm>
           <a:custGeom>
-            <a:rect b="b" l="l" r="r" t="t"/>
+            <a:avLst/>
+            <a:gdLst/>
+            <a:ahLst/>
+            <a:cxnLst/>
+            <a:rect l="l" t="t" r="r" b="b"/>
             <a:pathLst>
-              <a:path extrusionOk="0" h="120000" w="120000">
+              <a:path w="120000" h="120000" extrusionOk="0">
                 <a:moveTo>
                   <a:pt x="0" y="0"/>
                 </a:moveTo>
@@ -1065,9 +1101,11 @@
       <p:sp>
         <p:nvSpPr>
           <p:cNvPr id="137" name="Google Shape;137;g33638e61096_0_0:notes"/>
-          <p:cNvSpPr txBox="1"/>
+          <p:cNvSpPr txBox="1">
+            <a:spLocks noGrp="1"/>
+          </p:cNvSpPr>
           <p:nvPr>
-            <p:ph idx="1" type="body"/>
+            <p:ph type="body" idx="1"/>
           </p:nvPr>
         </p:nvSpPr>
         <p:spPr>
@@ -1080,12 +1118,12 @@
           </a:prstGeom>
         </p:spPr>
         <p:txBody>
-          <a:bodyPr anchorCtr="0" anchor="t" bIns="91425" lIns="91425" spcFirstLastPara="1" rIns="91425" wrap="square" tIns="91425">
+          <a:bodyPr spcFirstLastPara="1" wrap="square" lIns="91425" tIns="91425" rIns="91425" bIns="91425" anchor="t" anchorCtr="0">
             <a:noAutofit/>
           </a:bodyPr>
           <a:lstStyle/>
           <a:p>
-            <a:pPr indent="0" lvl="0" marL="0" rtl="0" algn="l">
+            <a:pPr marL="0" lvl="0" indent="0" algn="l" rtl="0">
               <a:spcBef>
                 <a:spcPts val="0"/>
               </a:spcBef>
@@ -1094,9 +1132,6 @@
               </a:spcAft>
               <a:buNone/>
             </a:pPr>
-            <a:r>
-              <a:t/>
-            </a:r>
             <a:endParaRPr/>
           </a:p>
         </p:txBody>
@@ -1110,11 +1145,11 @@
 </file>
 
 <file path=ppt/notesSlides/notesSlide2.xml><?xml version="1.0" encoding="utf-8"?>
-<p:notes xmlns:a="http://schemas.openxmlformats.org/drawingml/2006/main" xmlns:r="http://schemas.openxmlformats.org/officeDocument/2006/relationships" xmlns:mc="http://schemas.openxmlformats.org/markup-compatibility/2006" xmlns:mv="urn:schemas-microsoft-com:mac:vml" xmlns:p="http://schemas.openxmlformats.org/presentationml/2006/main" xmlns:c="http://schemas.openxmlformats.org/drawingml/2006/chart" xmlns:dgm="http://schemas.openxmlformats.org/drawingml/2006/diagram" xmlns:o="urn:schemas-microsoft-com:office:office" xmlns:v="urn:schemas-microsoft-com:vml" xmlns:pvml="urn:schemas-microsoft-com:office:powerpoint" xmlns:com="http://schemas.openxmlformats.org/drawingml/2006/compatibility" xmlns:p14="http://schemas.microsoft.com/office/powerpoint/2010/main" xmlns:p15="http://schemas.microsoft.com/office/powerpoint/2012/main" xmlns:ahyp="http://schemas.microsoft.com/office/drawing/2018/hyperlinkcolor" showMasterPhAnim="0" showMasterSp="0">
+<p:notes xmlns:a="http://schemas.openxmlformats.org/drawingml/2006/main" xmlns:r="http://schemas.openxmlformats.org/officeDocument/2006/relationships" xmlns:p="http://schemas.openxmlformats.org/presentationml/2006/main" showMasterSp="0" showMasterPhAnim="0">
   <p:cSld>
     <p:spTree>
       <p:nvGrpSpPr>
-        <p:cNvPr id="66" name="Shape 66"/>
+        <p:cNvPr id="1" name="Shape 66"/>
         <p:cNvGrpSpPr/>
         <p:nvPr/>
       </p:nvGrpSpPr>
@@ -1129,9 +1164,11 @@
       <p:sp>
         <p:nvSpPr>
           <p:cNvPr id="67" name="Google Shape;67;g35b21b838e3_0_55:notes"/>
-          <p:cNvSpPr/>
+          <p:cNvSpPr>
+            <a:spLocks noGrp="1" noRot="1" noChangeAspect="1"/>
+          </p:cNvSpPr>
           <p:nvPr>
-            <p:ph idx="2" type="sldImg"/>
+            <p:ph type="sldImg" idx="2"/>
           </p:nvPr>
         </p:nvSpPr>
         <p:spPr>
@@ -1140,9 +1177,13 @@
             <a:ext cx="6096000" cy="3429000"/>
           </a:xfrm>
           <a:custGeom>
-            <a:rect b="b" l="l" r="r" t="t"/>
+            <a:avLst/>
+            <a:gdLst/>
+            <a:ahLst/>
+            <a:cxnLst/>
+            <a:rect l="l" t="t" r="r" b="b"/>
             <a:pathLst>
-              <a:path extrusionOk="0" h="120000" w="120000">
+              <a:path w="120000" h="120000" extrusionOk="0">
                 <a:moveTo>
                   <a:pt x="0" y="0"/>
                 </a:moveTo>
@@ -1164,9 +1205,11 @@
       <p:sp>
         <p:nvSpPr>
           <p:cNvPr id="68" name="Google Shape;68;g35b21b838e3_0_55:notes"/>
-          <p:cNvSpPr txBox="1"/>
+          <p:cNvSpPr txBox="1">
+            <a:spLocks noGrp="1"/>
+          </p:cNvSpPr>
           <p:nvPr>
-            <p:ph idx="1" type="body"/>
+            <p:ph type="body" idx="1"/>
           </p:nvPr>
         </p:nvSpPr>
         <p:spPr>
@@ -1179,12 +1222,12 @@
           </a:prstGeom>
         </p:spPr>
         <p:txBody>
-          <a:bodyPr anchorCtr="0" anchor="t" bIns="91425" lIns="91425" spcFirstLastPara="1" rIns="91425" wrap="square" tIns="91425">
+          <a:bodyPr spcFirstLastPara="1" wrap="square" lIns="91425" tIns="91425" rIns="91425" bIns="91425" anchor="t" anchorCtr="0">
             <a:noAutofit/>
           </a:bodyPr>
           <a:lstStyle/>
           <a:p>
-            <a:pPr indent="0" lvl="0" marL="0" rtl="0" algn="l">
+            <a:pPr marL="0" lvl="0" indent="0" algn="l" rtl="0">
               <a:spcBef>
                 <a:spcPts val="0"/>
               </a:spcBef>
@@ -1193,9 +1236,6 @@
               </a:spcAft>
               <a:buNone/>
             </a:pPr>
-            <a:r>
-              <a:t/>
-            </a:r>
             <a:endParaRPr/>
           </a:p>
         </p:txBody>
@@ -1209,11 +1249,11 @@
 </file>
 
 <file path=ppt/notesSlides/notesSlide3.xml><?xml version="1.0" encoding="utf-8"?>
-<p:notes xmlns:a="http://schemas.openxmlformats.org/drawingml/2006/main" xmlns:r="http://schemas.openxmlformats.org/officeDocument/2006/relationships" xmlns:mc="http://schemas.openxmlformats.org/markup-compatibility/2006" xmlns:mv="urn:schemas-microsoft-com:mac:vml" xmlns:p="http://schemas.openxmlformats.org/presentationml/2006/main" xmlns:c="http://schemas.openxmlformats.org/drawingml/2006/chart" xmlns:dgm="http://schemas.openxmlformats.org/drawingml/2006/diagram" xmlns:o="urn:schemas-microsoft-com:office:office" xmlns:v="urn:schemas-microsoft-com:vml" xmlns:pvml="urn:schemas-microsoft-com:office:powerpoint" xmlns:com="http://schemas.openxmlformats.org/drawingml/2006/compatibility" xmlns:p14="http://schemas.microsoft.com/office/powerpoint/2010/main" xmlns:p15="http://schemas.microsoft.com/office/powerpoint/2012/main" xmlns:ahyp="http://schemas.microsoft.com/office/drawing/2018/hyperlinkcolor" showMasterPhAnim="0" showMasterSp="0">
+<p:notes xmlns:a="http://schemas.openxmlformats.org/drawingml/2006/main" xmlns:r="http://schemas.openxmlformats.org/officeDocument/2006/relationships" xmlns:p="http://schemas.openxmlformats.org/presentationml/2006/main" showMasterSp="0" showMasterPhAnim="0">
   <p:cSld>
     <p:spTree>
       <p:nvGrpSpPr>
-        <p:cNvPr id="75" name="Shape 75"/>
+        <p:cNvPr id="1" name="Shape 75"/>
         <p:cNvGrpSpPr/>
         <p:nvPr/>
       </p:nvGrpSpPr>
@@ -1228,9 +1268,11 @@
       <p:sp>
         <p:nvSpPr>
           <p:cNvPr id="76" name="Google Shape;76;g35b21b838e3_0_119:notes"/>
-          <p:cNvSpPr/>
+          <p:cNvSpPr>
+            <a:spLocks noGrp="1" noRot="1" noChangeAspect="1"/>
+          </p:cNvSpPr>
           <p:nvPr>
-            <p:ph idx="2" type="sldImg"/>
+            <p:ph type="sldImg" idx="2"/>
           </p:nvPr>
         </p:nvSpPr>
         <p:spPr>
@@ -1239,9 +1281,13 @@
             <a:ext cx="6096000" cy="3429000"/>
           </a:xfrm>
           <a:custGeom>
-            <a:rect b="b" l="l" r="r" t="t"/>
+            <a:avLst/>
+            <a:gdLst/>
+            <a:ahLst/>
+            <a:cxnLst/>
+            <a:rect l="l" t="t" r="r" b="b"/>
             <a:pathLst>
-              <a:path extrusionOk="0" h="120000" w="120000">
+              <a:path w="120000" h="120000" extrusionOk="0">
                 <a:moveTo>
                   <a:pt x="0" y="0"/>
                 </a:moveTo>
@@ -1263,9 +1309,11 @@
       <p:sp>
         <p:nvSpPr>
           <p:cNvPr id="77" name="Google Shape;77;g35b21b838e3_0_119:notes"/>
-          <p:cNvSpPr txBox="1"/>
+          <p:cNvSpPr txBox="1">
+            <a:spLocks noGrp="1"/>
+          </p:cNvSpPr>
           <p:nvPr>
-            <p:ph idx="1" type="body"/>
+            <p:ph type="body" idx="1"/>
           </p:nvPr>
         </p:nvSpPr>
         <p:spPr>
@@ -1278,12 +1326,12 @@
           </a:prstGeom>
         </p:spPr>
         <p:txBody>
-          <a:bodyPr anchorCtr="0" anchor="t" bIns="91425" lIns="91425" spcFirstLastPara="1" rIns="91425" wrap="square" tIns="91425">
+          <a:bodyPr spcFirstLastPara="1" wrap="square" lIns="91425" tIns="91425" rIns="91425" bIns="91425" anchor="t" anchorCtr="0">
             <a:noAutofit/>
           </a:bodyPr>
           <a:lstStyle/>
           <a:p>
-            <a:pPr indent="0" lvl="0" marL="0" rtl="0" algn="l">
+            <a:pPr marL="0" lvl="0" indent="0" algn="l" rtl="0">
               <a:spcBef>
                 <a:spcPts val="0"/>
               </a:spcBef>
@@ -1292,9 +1340,6 @@
               </a:spcAft>
               <a:buNone/>
             </a:pPr>
-            <a:r>
-              <a:t/>
-            </a:r>
             <a:endParaRPr/>
           </a:p>
         </p:txBody>
@@ -1308,11 +1353,11 @@
 </file>
 
 <file path=ppt/notesSlides/notesSlide4.xml><?xml version="1.0" encoding="utf-8"?>
-<p:notes xmlns:a="http://schemas.openxmlformats.org/drawingml/2006/main" xmlns:r="http://schemas.openxmlformats.org/officeDocument/2006/relationships" xmlns:mc="http://schemas.openxmlformats.org/markup-compatibility/2006" xmlns:mv="urn:schemas-microsoft-com:mac:vml" xmlns:p="http://schemas.openxmlformats.org/presentationml/2006/main" xmlns:c="http://schemas.openxmlformats.org/drawingml/2006/chart" xmlns:dgm="http://schemas.openxmlformats.org/drawingml/2006/diagram" xmlns:o="urn:schemas-microsoft-com:office:office" xmlns:v="urn:schemas-microsoft-com:vml" xmlns:pvml="urn:schemas-microsoft-com:office:powerpoint" xmlns:com="http://schemas.openxmlformats.org/drawingml/2006/compatibility" xmlns:p14="http://schemas.microsoft.com/office/powerpoint/2010/main" xmlns:p15="http://schemas.microsoft.com/office/powerpoint/2012/main" xmlns:ahyp="http://schemas.microsoft.com/office/drawing/2018/hyperlinkcolor" showMasterPhAnim="0" showMasterSp="0">
+<p:notes xmlns:a="http://schemas.openxmlformats.org/drawingml/2006/main" xmlns:r="http://schemas.openxmlformats.org/officeDocument/2006/relationships" xmlns:p="http://schemas.openxmlformats.org/presentationml/2006/main" showMasterSp="0" showMasterPhAnim="0">
   <p:cSld>
     <p:spTree>
       <p:nvGrpSpPr>
-        <p:cNvPr id="83" name="Shape 83"/>
+        <p:cNvPr id="1" name="Shape 83"/>
         <p:cNvGrpSpPr/>
         <p:nvPr/>
       </p:nvGrpSpPr>
@@ -1327,9 +1372,11 @@
       <p:sp>
         <p:nvSpPr>
           <p:cNvPr id="84" name="Google Shape;84;g35b21b838e3_0_108:notes"/>
-          <p:cNvSpPr/>
+          <p:cNvSpPr>
+            <a:spLocks noGrp="1" noRot="1" noChangeAspect="1"/>
+          </p:cNvSpPr>
           <p:nvPr>
-            <p:ph idx="2" type="sldImg"/>
+            <p:ph type="sldImg" idx="2"/>
           </p:nvPr>
         </p:nvSpPr>
         <p:spPr>
@@ -1338,9 +1385,13 @@
             <a:ext cx="6096000" cy="3429000"/>
           </a:xfrm>
           <a:custGeom>
-            <a:rect b="b" l="l" r="r" t="t"/>
+            <a:avLst/>
+            <a:gdLst/>
+            <a:ahLst/>
+            <a:cxnLst/>
+            <a:rect l="l" t="t" r="r" b="b"/>
             <a:pathLst>
-              <a:path extrusionOk="0" h="120000" w="120000">
+              <a:path w="120000" h="120000" extrusionOk="0">
                 <a:moveTo>
                   <a:pt x="0" y="0"/>
                 </a:moveTo>
@@ -1362,9 +1413,11 @@
       <p:sp>
         <p:nvSpPr>
           <p:cNvPr id="85" name="Google Shape;85;g35b21b838e3_0_108:notes"/>
-          <p:cNvSpPr txBox="1"/>
+          <p:cNvSpPr txBox="1">
+            <a:spLocks noGrp="1"/>
+          </p:cNvSpPr>
           <p:nvPr>
-            <p:ph idx="1" type="body"/>
+            <p:ph type="body" idx="1"/>
           </p:nvPr>
         </p:nvSpPr>
         <p:spPr>
@@ -1377,12 +1430,12 @@
           </a:prstGeom>
         </p:spPr>
         <p:txBody>
-          <a:bodyPr anchorCtr="0" anchor="t" bIns="91425" lIns="91425" spcFirstLastPara="1" rIns="91425" wrap="square" tIns="91425">
+          <a:bodyPr spcFirstLastPara="1" wrap="square" lIns="91425" tIns="91425" rIns="91425" bIns="91425" anchor="t" anchorCtr="0">
             <a:noAutofit/>
           </a:bodyPr>
           <a:lstStyle/>
           <a:p>
-            <a:pPr indent="0" lvl="0" marL="0" rtl="0" algn="l">
+            <a:pPr marL="0" lvl="0" indent="0" algn="l" rtl="0">
               <a:spcBef>
                 <a:spcPts val="0"/>
               </a:spcBef>
@@ -1391,9 +1444,6 @@
               </a:spcAft>
               <a:buNone/>
             </a:pPr>
-            <a:r>
-              <a:t/>
-            </a:r>
             <a:endParaRPr/>
           </a:p>
         </p:txBody>
@@ -1407,11 +1457,11 @@
 </file>
 
 <file path=ppt/notesSlides/notesSlide5.xml><?xml version="1.0" encoding="utf-8"?>
-<p:notes xmlns:a="http://schemas.openxmlformats.org/drawingml/2006/main" xmlns:r="http://schemas.openxmlformats.org/officeDocument/2006/relationships" xmlns:mc="http://schemas.openxmlformats.org/markup-compatibility/2006" xmlns:mv="urn:schemas-microsoft-com:mac:vml" xmlns:p="http://schemas.openxmlformats.org/presentationml/2006/main" xmlns:c="http://schemas.openxmlformats.org/drawingml/2006/chart" xmlns:dgm="http://schemas.openxmlformats.org/drawingml/2006/diagram" xmlns:o="urn:schemas-microsoft-com:office:office" xmlns:v="urn:schemas-microsoft-com:vml" xmlns:pvml="urn:schemas-microsoft-com:office:powerpoint" xmlns:com="http://schemas.openxmlformats.org/drawingml/2006/compatibility" xmlns:p14="http://schemas.microsoft.com/office/powerpoint/2010/main" xmlns:p15="http://schemas.microsoft.com/office/powerpoint/2012/main" xmlns:ahyp="http://schemas.microsoft.com/office/drawing/2018/hyperlinkcolor" showMasterPhAnim="0" showMasterSp="0">
+<p:notes xmlns:a="http://schemas.openxmlformats.org/drawingml/2006/main" xmlns:r="http://schemas.openxmlformats.org/officeDocument/2006/relationships" xmlns:p="http://schemas.openxmlformats.org/presentationml/2006/main" showMasterSp="0" showMasterPhAnim="0">
   <p:cSld>
     <p:spTree>
       <p:nvGrpSpPr>
-        <p:cNvPr id="89" name="Shape 89"/>
+        <p:cNvPr id="1" name="Shape 89"/>
         <p:cNvGrpSpPr/>
         <p:nvPr/>
       </p:nvGrpSpPr>
@@ -1426,9 +1476,11 @@
       <p:sp>
         <p:nvSpPr>
           <p:cNvPr id="90" name="Google Shape;90;g35b6da3c33d_0_0:notes"/>
-          <p:cNvSpPr/>
+          <p:cNvSpPr>
+            <a:spLocks noGrp="1" noRot="1" noChangeAspect="1"/>
+          </p:cNvSpPr>
           <p:nvPr>
-            <p:ph idx="2" type="sldImg"/>
+            <p:ph type="sldImg" idx="2"/>
           </p:nvPr>
         </p:nvSpPr>
         <p:spPr>
@@ -1437,9 +1489,13 @@
             <a:ext cx="6096000" cy="3429000"/>
           </a:xfrm>
           <a:custGeom>
-            <a:rect b="b" l="l" r="r" t="t"/>
+            <a:avLst/>
+            <a:gdLst/>
+            <a:ahLst/>
+            <a:cxnLst/>
+            <a:rect l="l" t="t" r="r" b="b"/>
             <a:pathLst>
-              <a:path extrusionOk="0" h="120000" w="120000">
+              <a:path w="120000" h="120000" extrusionOk="0">
                 <a:moveTo>
                   <a:pt x="0" y="0"/>
                 </a:moveTo>
@@ -1461,9 +1517,11 @@
       <p:sp>
         <p:nvSpPr>
           <p:cNvPr id="91" name="Google Shape;91;g35b6da3c33d_0_0:notes"/>
-          <p:cNvSpPr txBox="1"/>
+          <p:cNvSpPr txBox="1">
+            <a:spLocks noGrp="1"/>
+          </p:cNvSpPr>
           <p:nvPr>
-            <p:ph idx="1" type="body"/>
+            <p:ph type="body" idx="1"/>
           </p:nvPr>
         </p:nvSpPr>
         <p:spPr>
@@ -1476,12 +1534,12 @@
           </a:prstGeom>
         </p:spPr>
         <p:txBody>
-          <a:bodyPr anchorCtr="0" anchor="t" bIns="91425" lIns="91425" spcFirstLastPara="1" rIns="91425" wrap="square" tIns="91425">
+          <a:bodyPr spcFirstLastPara="1" wrap="square" lIns="91425" tIns="91425" rIns="91425" bIns="91425" anchor="t" anchorCtr="0">
             <a:noAutofit/>
           </a:bodyPr>
           <a:lstStyle/>
           <a:p>
-            <a:pPr indent="0" lvl="0" marL="0" rtl="0" algn="l">
+            <a:pPr marL="0" lvl="0" indent="0" algn="l" rtl="0">
               <a:spcBef>
                 <a:spcPts val="0"/>
               </a:spcBef>
@@ -1490,9 +1548,6 @@
               </a:spcAft>
               <a:buNone/>
             </a:pPr>
-            <a:r>
-              <a:t/>
-            </a:r>
             <a:endParaRPr/>
           </a:p>
         </p:txBody>
@@ -1506,11 +1561,11 @@
 </file>
 
 <file path=ppt/notesSlides/notesSlide6.xml><?xml version="1.0" encoding="utf-8"?>
-<p:notes xmlns:a="http://schemas.openxmlformats.org/drawingml/2006/main" xmlns:r="http://schemas.openxmlformats.org/officeDocument/2006/relationships" xmlns:mc="http://schemas.openxmlformats.org/markup-compatibility/2006" xmlns:mv="urn:schemas-microsoft-com:mac:vml" xmlns:p="http://schemas.openxmlformats.org/presentationml/2006/main" xmlns:c="http://schemas.openxmlformats.org/drawingml/2006/chart" xmlns:dgm="http://schemas.openxmlformats.org/drawingml/2006/diagram" xmlns:o="urn:schemas-microsoft-com:office:office" xmlns:v="urn:schemas-microsoft-com:vml" xmlns:pvml="urn:schemas-microsoft-com:office:powerpoint" xmlns:com="http://schemas.openxmlformats.org/drawingml/2006/compatibility" xmlns:p14="http://schemas.microsoft.com/office/powerpoint/2010/main" xmlns:p15="http://schemas.microsoft.com/office/powerpoint/2012/main" xmlns:ahyp="http://schemas.microsoft.com/office/drawing/2018/hyperlinkcolor" showMasterPhAnim="0" showMasterSp="0">
+<p:notes xmlns:a="http://schemas.openxmlformats.org/drawingml/2006/main" xmlns:r="http://schemas.openxmlformats.org/officeDocument/2006/relationships" xmlns:p="http://schemas.openxmlformats.org/presentationml/2006/main" showMasterSp="0" showMasterPhAnim="0">
   <p:cSld>
     <p:spTree>
       <p:nvGrpSpPr>
-        <p:cNvPr id="95" name="Shape 95"/>
+        <p:cNvPr id="1" name="Shape 95"/>
         <p:cNvGrpSpPr/>
         <p:nvPr/>
       </p:nvGrpSpPr>
@@ -1525,9 +1580,11 @@
       <p:sp>
         <p:nvSpPr>
           <p:cNvPr id="96" name="Google Shape;96;g35b21b838e3_0_113:notes"/>
-          <p:cNvSpPr/>
+          <p:cNvSpPr>
+            <a:spLocks noGrp="1" noRot="1" noChangeAspect="1"/>
+          </p:cNvSpPr>
           <p:nvPr>
-            <p:ph idx="2" type="sldImg"/>
+            <p:ph type="sldImg" idx="2"/>
           </p:nvPr>
         </p:nvSpPr>
         <p:spPr>
@@ -1536,9 +1593,13 @@
             <a:ext cx="6096000" cy="3429000"/>
           </a:xfrm>
           <a:custGeom>
-            <a:rect b="b" l="l" r="r" t="t"/>
+            <a:avLst/>
+            <a:gdLst/>
+            <a:ahLst/>
+            <a:cxnLst/>
+            <a:rect l="l" t="t" r="r" b="b"/>
             <a:pathLst>
-              <a:path extrusionOk="0" h="120000" w="120000">
+              <a:path w="120000" h="120000" extrusionOk="0">
                 <a:moveTo>
                   <a:pt x="0" y="0"/>
                 </a:moveTo>
@@ -1560,9 +1621,11 @@
       <p:sp>
         <p:nvSpPr>
           <p:cNvPr id="97" name="Google Shape;97;g35b21b838e3_0_113:notes"/>
-          <p:cNvSpPr txBox="1"/>
+          <p:cNvSpPr txBox="1">
+            <a:spLocks noGrp="1"/>
+          </p:cNvSpPr>
           <p:nvPr>
-            <p:ph idx="1" type="body"/>
+            <p:ph type="body" idx="1"/>
           </p:nvPr>
         </p:nvSpPr>
         <p:spPr>
@@ -1575,12 +1638,12 @@
           </a:prstGeom>
         </p:spPr>
         <p:txBody>
-          <a:bodyPr anchorCtr="0" anchor="t" bIns="91425" lIns="91425" spcFirstLastPara="1" rIns="91425" wrap="square" tIns="91425">
+          <a:bodyPr spcFirstLastPara="1" wrap="square" lIns="91425" tIns="91425" rIns="91425" bIns="91425" anchor="t" anchorCtr="0">
             <a:noAutofit/>
           </a:bodyPr>
           <a:lstStyle/>
           <a:p>
-            <a:pPr indent="0" lvl="0" marL="0" rtl="0" algn="l">
+            <a:pPr marL="0" lvl="0" indent="0" algn="l" rtl="0">
               <a:spcBef>
                 <a:spcPts val="0"/>
               </a:spcBef>
@@ -1589,9 +1652,6 @@
               </a:spcAft>
               <a:buNone/>
             </a:pPr>
-            <a:r>
-              <a:t/>
-            </a:r>
             <a:endParaRPr/>
           </a:p>
         </p:txBody>
@@ -1605,11 +1665,11 @@
 </file>
 
 <file path=ppt/notesSlides/notesSlide7.xml><?xml version="1.0" encoding="utf-8"?>
-<p:notes xmlns:a="http://schemas.openxmlformats.org/drawingml/2006/main" xmlns:r="http://schemas.openxmlformats.org/officeDocument/2006/relationships" xmlns:mc="http://schemas.openxmlformats.org/markup-compatibility/2006" xmlns:mv="urn:schemas-microsoft-com:mac:vml" xmlns:p="http://schemas.openxmlformats.org/presentationml/2006/main" xmlns:c="http://schemas.openxmlformats.org/drawingml/2006/chart" xmlns:dgm="http://schemas.openxmlformats.org/drawingml/2006/diagram" xmlns:o="urn:schemas-microsoft-com:office:office" xmlns:v="urn:schemas-microsoft-com:vml" xmlns:pvml="urn:schemas-microsoft-com:office:powerpoint" xmlns:com="http://schemas.openxmlformats.org/drawingml/2006/compatibility" xmlns:p14="http://schemas.microsoft.com/office/powerpoint/2010/main" xmlns:p15="http://schemas.microsoft.com/office/powerpoint/2012/main" xmlns:ahyp="http://schemas.microsoft.com/office/drawing/2018/hyperlinkcolor" showMasterPhAnim="0" showMasterSp="0">
+<p:notes xmlns:a="http://schemas.openxmlformats.org/drawingml/2006/main" xmlns:r="http://schemas.openxmlformats.org/officeDocument/2006/relationships" xmlns:p="http://schemas.openxmlformats.org/presentationml/2006/main" showMasterSp="0" showMasterPhAnim="0">
   <p:cSld>
     <p:spTree>
       <p:nvGrpSpPr>
-        <p:cNvPr id="101" name="Shape 101"/>
+        <p:cNvPr id="1" name="Shape 101"/>
         <p:cNvGrpSpPr/>
         <p:nvPr/>
       </p:nvGrpSpPr>
@@ -1624,20 +1684,26 @@
       <p:sp>
         <p:nvSpPr>
           <p:cNvPr id="102" name="Google Shape;102;g35b21b838e3_0_63:notes"/>
-          <p:cNvSpPr/>
+          <p:cNvSpPr>
+            <a:spLocks noGrp="1" noRot="1" noChangeAspect="1"/>
+          </p:cNvSpPr>
           <p:nvPr>
-            <p:ph idx="2" type="sldImg"/>
+            <p:ph type="sldImg" idx="2"/>
           </p:nvPr>
         </p:nvSpPr>
         <p:spPr>
           <a:xfrm>
-            <a:off x="381300" y="685800"/>
+            <a:off x="381000" y="685800"/>
             <a:ext cx="6096000" cy="3429000"/>
           </a:xfrm>
           <a:custGeom>
-            <a:rect b="b" l="l" r="r" t="t"/>
+            <a:avLst/>
+            <a:gdLst/>
+            <a:ahLst/>
+            <a:cxnLst/>
+            <a:rect l="l" t="t" r="r" b="b"/>
             <a:pathLst>
-              <a:path extrusionOk="0" h="120000" w="120000">
+              <a:path w="120000" h="120000" extrusionOk="0">
                 <a:moveTo>
                   <a:pt x="0" y="0"/>
                 </a:moveTo>
@@ -1659,9 +1725,11 @@
       <p:sp>
         <p:nvSpPr>
           <p:cNvPr id="103" name="Google Shape;103;g35b21b838e3_0_63:notes"/>
-          <p:cNvSpPr txBox="1"/>
+          <p:cNvSpPr txBox="1">
+            <a:spLocks noGrp="1"/>
+          </p:cNvSpPr>
           <p:nvPr>
-            <p:ph idx="1" type="body"/>
+            <p:ph type="body" idx="1"/>
           </p:nvPr>
         </p:nvSpPr>
         <p:spPr>
@@ -1674,12 +1742,12 @@
           </a:prstGeom>
         </p:spPr>
         <p:txBody>
-          <a:bodyPr anchorCtr="0" anchor="t" bIns="91425" lIns="91425" spcFirstLastPara="1" rIns="91425" wrap="square" tIns="91425">
+          <a:bodyPr spcFirstLastPara="1" wrap="square" lIns="91425" tIns="91425" rIns="91425" bIns="91425" anchor="t" anchorCtr="0">
             <a:noAutofit/>
           </a:bodyPr>
           <a:lstStyle/>
           <a:p>
-            <a:pPr indent="0" lvl="0" marL="0" rtl="0" algn="l">
+            <a:pPr marL="0" lvl="0" indent="0" algn="l" rtl="0">
               <a:spcBef>
                 <a:spcPts val="0"/>
               </a:spcBef>
@@ -1688,9 +1756,6 @@
               </a:spcAft>
               <a:buNone/>
             </a:pPr>
-            <a:r>
-              <a:t/>
-            </a:r>
             <a:endParaRPr/>
           </a:p>
         </p:txBody>
@@ -1704,11 +1769,11 @@
 </file>
 
 <file path=ppt/notesSlides/notesSlide8.xml><?xml version="1.0" encoding="utf-8"?>
-<p:notes xmlns:a="http://schemas.openxmlformats.org/drawingml/2006/main" xmlns:r="http://schemas.openxmlformats.org/officeDocument/2006/relationships" xmlns:mc="http://schemas.openxmlformats.org/markup-compatibility/2006" xmlns:mv="urn:schemas-microsoft-com:mac:vml" xmlns:p="http://schemas.openxmlformats.org/presentationml/2006/main" xmlns:c="http://schemas.openxmlformats.org/drawingml/2006/chart" xmlns:dgm="http://schemas.openxmlformats.org/drawingml/2006/diagram" xmlns:o="urn:schemas-microsoft-com:office:office" xmlns:v="urn:schemas-microsoft-com:vml" xmlns:pvml="urn:schemas-microsoft-com:office:powerpoint" xmlns:com="http://schemas.openxmlformats.org/drawingml/2006/compatibility" xmlns:p14="http://schemas.microsoft.com/office/powerpoint/2010/main" xmlns:p15="http://schemas.microsoft.com/office/powerpoint/2012/main" xmlns:ahyp="http://schemas.microsoft.com/office/drawing/2018/hyperlinkcolor" showMasterPhAnim="0" showMasterSp="0">
+<p:notes xmlns:a="http://schemas.openxmlformats.org/drawingml/2006/main" xmlns:r="http://schemas.openxmlformats.org/officeDocument/2006/relationships" xmlns:p="http://schemas.openxmlformats.org/presentationml/2006/main" showMasterSp="0" showMasterPhAnim="0">
   <p:cSld>
     <p:spTree>
       <p:nvGrpSpPr>
-        <p:cNvPr id="107" name="Shape 107"/>
+        <p:cNvPr id="1" name="Shape 107"/>
         <p:cNvGrpSpPr/>
         <p:nvPr/>
       </p:nvGrpSpPr>
@@ -1723,9 +1788,11 @@
       <p:sp>
         <p:nvSpPr>
           <p:cNvPr id="108" name="Google Shape;108;g35b21b838e3_0_68:notes"/>
-          <p:cNvSpPr/>
+          <p:cNvSpPr>
+            <a:spLocks noGrp="1" noRot="1" noChangeAspect="1"/>
+          </p:cNvSpPr>
           <p:nvPr>
-            <p:ph idx="2" type="sldImg"/>
+            <p:ph type="sldImg" idx="2"/>
           </p:nvPr>
         </p:nvSpPr>
         <p:spPr>
@@ -1734,9 +1801,13 @@
             <a:ext cx="6096000" cy="3429000"/>
           </a:xfrm>
           <a:custGeom>
-            <a:rect b="b" l="l" r="r" t="t"/>
+            <a:avLst/>
+            <a:gdLst/>
+            <a:ahLst/>
+            <a:cxnLst/>
+            <a:rect l="l" t="t" r="r" b="b"/>
             <a:pathLst>
-              <a:path extrusionOk="0" h="120000" w="120000">
+              <a:path w="120000" h="120000" extrusionOk="0">
                 <a:moveTo>
                   <a:pt x="0" y="0"/>
                 </a:moveTo>
@@ -1758,9 +1829,11 @@
       <p:sp>
         <p:nvSpPr>
           <p:cNvPr id="109" name="Google Shape;109;g35b21b838e3_0_68:notes"/>
-          <p:cNvSpPr txBox="1"/>
+          <p:cNvSpPr txBox="1">
+            <a:spLocks noGrp="1"/>
+          </p:cNvSpPr>
           <p:nvPr>
-            <p:ph idx="1" type="body"/>
+            <p:ph type="body" idx="1"/>
           </p:nvPr>
         </p:nvSpPr>
         <p:spPr>
@@ -1773,12 +1846,12 @@
           </a:prstGeom>
         </p:spPr>
         <p:txBody>
-          <a:bodyPr anchorCtr="0" anchor="t" bIns="91425" lIns="91425" spcFirstLastPara="1" rIns="91425" wrap="square" tIns="91425">
+          <a:bodyPr spcFirstLastPara="1" wrap="square" lIns="91425" tIns="91425" rIns="91425" bIns="91425" anchor="t" anchorCtr="0">
             <a:noAutofit/>
           </a:bodyPr>
           <a:lstStyle/>
           <a:p>
-            <a:pPr indent="0" lvl="0" marL="0" rtl="0" algn="l">
+            <a:pPr marL="0" lvl="0" indent="0" algn="l" rtl="0">
               <a:spcBef>
                 <a:spcPts val="0"/>
               </a:spcBef>
@@ -1787,9 +1860,6 @@
               </a:spcAft>
               <a:buNone/>
             </a:pPr>
-            <a:r>
-              <a:t/>
-            </a:r>
             <a:endParaRPr/>
           </a:p>
         </p:txBody>
@@ -1803,11 +1873,11 @@
 </file>
 
 <file path=ppt/notesSlides/notesSlide9.xml><?xml version="1.0" encoding="utf-8"?>
-<p:notes xmlns:a="http://schemas.openxmlformats.org/drawingml/2006/main" xmlns:r="http://schemas.openxmlformats.org/officeDocument/2006/relationships" xmlns:mc="http://schemas.openxmlformats.org/markup-compatibility/2006" xmlns:mv="urn:schemas-microsoft-com:mac:vml" xmlns:p="http://schemas.openxmlformats.org/presentationml/2006/main" xmlns:c="http://schemas.openxmlformats.org/drawingml/2006/chart" xmlns:dgm="http://schemas.openxmlformats.org/drawingml/2006/diagram" xmlns:o="urn:schemas-microsoft-com:office:office" xmlns:v="urn:schemas-microsoft-com:vml" xmlns:pvml="urn:schemas-microsoft-com:office:powerpoint" xmlns:com="http://schemas.openxmlformats.org/drawingml/2006/compatibility" xmlns:p14="http://schemas.microsoft.com/office/powerpoint/2010/main" xmlns:p15="http://schemas.microsoft.com/office/powerpoint/2012/main" xmlns:ahyp="http://schemas.microsoft.com/office/drawing/2018/hyperlinkcolor" showMasterPhAnim="0" showMasterSp="0">
+<p:notes xmlns:a="http://schemas.openxmlformats.org/drawingml/2006/main" xmlns:r="http://schemas.openxmlformats.org/officeDocument/2006/relationships" xmlns:p="http://schemas.openxmlformats.org/presentationml/2006/main" showMasterSp="0" showMasterPhAnim="0">
   <p:cSld>
     <p:spTree>
       <p:nvGrpSpPr>
-        <p:cNvPr id="114" name="Shape 114"/>
+        <p:cNvPr id="1" name="Shape 114"/>
         <p:cNvGrpSpPr/>
         <p:nvPr/>
       </p:nvGrpSpPr>
@@ -1822,9 +1892,11 @@
       <p:sp>
         <p:nvSpPr>
           <p:cNvPr id="115" name="Google Shape;115;g35b21b838e3_0_82:notes"/>
-          <p:cNvSpPr/>
+          <p:cNvSpPr>
+            <a:spLocks noGrp="1" noRot="1" noChangeAspect="1"/>
+          </p:cNvSpPr>
           <p:nvPr>
-            <p:ph idx="2" type="sldImg"/>
+            <p:ph type="sldImg" idx="2"/>
           </p:nvPr>
         </p:nvSpPr>
         <p:spPr>
@@ -1833,9 +1905,13 @@
             <a:ext cx="6096000" cy="3429000"/>
           </a:xfrm>
           <a:custGeom>
-            <a:rect b="b" l="l" r="r" t="t"/>
+            <a:avLst/>
+            <a:gdLst/>
+            <a:ahLst/>
+            <a:cxnLst/>
+            <a:rect l="l" t="t" r="r" b="b"/>
             <a:pathLst>
-              <a:path extrusionOk="0" h="120000" w="120000">
+              <a:path w="120000" h="120000" extrusionOk="0">
                 <a:moveTo>
                   <a:pt x="0" y="0"/>
                 </a:moveTo>
@@ -1857,9 +1933,11 @@
       <p:sp>
         <p:nvSpPr>
           <p:cNvPr id="116" name="Google Shape;116;g35b21b838e3_0_82:notes"/>
-          <p:cNvSpPr txBox="1"/>
+          <p:cNvSpPr txBox="1">
+            <a:spLocks noGrp="1"/>
+          </p:cNvSpPr>
           <p:nvPr>
-            <p:ph idx="1" type="body"/>
+            <p:ph type="body" idx="1"/>
           </p:nvPr>
         </p:nvSpPr>
         <p:spPr>
@@ -1872,12 +1950,12 @@
           </a:prstGeom>
         </p:spPr>
         <p:txBody>
-          <a:bodyPr anchorCtr="0" anchor="t" bIns="91425" lIns="91425" spcFirstLastPara="1" rIns="91425" wrap="square" tIns="91425">
+          <a:bodyPr spcFirstLastPara="1" wrap="square" lIns="91425" tIns="91425" rIns="91425" bIns="91425" anchor="t" anchorCtr="0">
             <a:noAutofit/>
           </a:bodyPr>
           <a:lstStyle/>
           <a:p>
-            <a:pPr indent="0" lvl="0" marL="0" rtl="0" algn="l">
+            <a:pPr marL="0" lvl="0" indent="0" algn="l" rtl="0">
               <a:spcBef>
                 <a:spcPts val="0"/>
               </a:spcBef>
@@ -1886,9 +1964,6 @@
               </a:spcAft>
               <a:buNone/>
             </a:pPr>
-            <a:r>
-              <a:t/>
-            </a:r>
             <a:endParaRPr/>
           </a:p>
         </p:txBody>
@@ -1902,18 +1977,19 @@
 </file>
 
 <file path=ppt/slideLayouts/slideLayout1.xml><?xml version="1.0" encoding="utf-8"?>
-<p:sldLayout xmlns:a="http://schemas.openxmlformats.org/drawingml/2006/main" xmlns:r="http://schemas.openxmlformats.org/officeDocument/2006/relationships" xmlns:mc="http://schemas.openxmlformats.org/markup-compatibility/2006" xmlns:mv="urn:schemas-microsoft-com:mac:vml" xmlns:p="http://schemas.openxmlformats.org/presentationml/2006/main" xmlns:c="http://schemas.openxmlformats.org/drawingml/2006/chart" xmlns:dgm="http://schemas.openxmlformats.org/drawingml/2006/diagram" xmlns:o="urn:schemas-microsoft-com:office:office" xmlns:v="urn:schemas-microsoft-com:vml" xmlns:pvml="urn:schemas-microsoft-com:office:powerpoint" xmlns:com="http://schemas.openxmlformats.org/drawingml/2006/compatibility" xmlns:p14="http://schemas.microsoft.com/office/powerpoint/2010/main" xmlns:p15="http://schemas.microsoft.com/office/powerpoint/2012/main" xmlns:ahyp="http://schemas.microsoft.com/office/drawing/2018/hyperlinkcolor" matchingName="Title slide" type="title">
+<p:sldLayout xmlns:a="http://schemas.openxmlformats.org/drawingml/2006/main" xmlns:r="http://schemas.openxmlformats.org/officeDocument/2006/relationships" xmlns:p="http://schemas.openxmlformats.org/presentationml/2006/main" matchingName="Title slide" type="title">
   <p:cSld name="TITLE">
     <p:bg>
       <p:bgPr>
         <a:solidFill>
           <a:schemeClr val="dk1"/>
         </a:solidFill>
+        <a:effectLst/>
       </p:bgPr>
     </p:bg>
     <p:spTree>
       <p:nvGrpSpPr>
-        <p:cNvPr id="9" name="Shape 9"/>
+        <p:cNvPr id="1" name="Shape 9"/>
         <p:cNvGrpSpPr/>
         <p:nvPr/>
       </p:nvGrpSpPr>
@@ -1937,9 +2013,13 @@
             <a:ext cx="9144250" cy="4398100"/>
           </a:xfrm>
           <a:custGeom>
-            <a:rect b="b" l="l" r="r" t="t"/>
+            <a:avLst/>
+            <a:gdLst/>
+            <a:ahLst/>
+            <a:cxnLst/>
+            <a:rect l="l" t="t" r="r" b="b"/>
             <a:pathLst>
-              <a:path extrusionOk="0" h="175924" w="365770">
+              <a:path w="365770" h="175924" extrusionOk="0">
                 <a:moveTo>
                   <a:pt x="0" y="0"/>
                 </a:moveTo>
@@ -1967,7 +2047,9 @@
       <p:sp>
         <p:nvSpPr>
           <p:cNvPr id="11" name="Google Shape;11;p2"/>
-          <p:cNvSpPr txBox="1"/>
+          <p:cNvSpPr txBox="1">
+            <a:spLocks noGrp="1"/>
+          </p:cNvSpPr>
           <p:nvPr>
             <p:ph type="ctrTitle"/>
           </p:nvPr>
@@ -1982,7 +2064,7 @@
           </a:prstGeom>
         </p:spPr>
         <p:txBody>
-          <a:bodyPr anchorCtr="0" anchor="t" bIns="91425" lIns="91425" spcFirstLastPara="1" rIns="91425" wrap="square" tIns="91425">
+          <a:bodyPr spcFirstLastPara="1" wrap="square" lIns="91425" tIns="91425" rIns="91425" bIns="91425" anchor="t" anchorCtr="0">
             <a:normAutofit/>
           </a:bodyPr>
           <a:lstStyle>
@@ -2086,15 +2168,19 @@
               <a:defRPr sz="3600"/>
             </a:lvl9pPr>
           </a:lstStyle>
-          <a:p/>
+          <a:p>
+            <a:endParaRPr/>
+          </a:p>
         </p:txBody>
       </p:sp>
       <p:sp>
         <p:nvSpPr>
           <p:cNvPr id="12" name="Google Shape;12;p2"/>
-          <p:cNvSpPr txBox="1"/>
+          <p:cNvSpPr txBox="1">
+            <a:spLocks noGrp="1"/>
+          </p:cNvSpPr>
           <p:nvPr>
-            <p:ph idx="1" type="subTitle"/>
+            <p:ph type="subTitle" idx="1"/>
           </p:nvPr>
         </p:nvSpPr>
         <p:spPr>
@@ -2107,7 +2193,7 @@
           </a:prstGeom>
         </p:spPr>
         <p:txBody>
-          <a:bodyPr anchorCtr="0" anchor="t" bIns="91425" lIns="91425" spcFirstLastPara="1" rIns="91425" wrap="square" tIns="91425">
+          <a:bodyPr spcFirstLastPara="1" wrap="square" lIns="91425" tIns="91425" rIns="91425" bIns="91425" anchor="t" anchorCtr="0">
             <a:normAutofit/>
           </a:bodyPr>
           <a:lstStyle>
@@ -2301,15 +2387,19 @@
               </a:defRPr>
             </a:lvl9pPr>
           </a:lstStyle>
-          <a:p/>
+          <a:p>
+            <a:endParaRPr/>
+          </a:p>
         </p:txBody>
       </p:sp>
       <p:sp>
         <p:nvSpPr>
           <p:cNvPr id="13" name="Google Shape;13;p2"/>
-          <p:cNvSpPr txBox="1"/>
+          <p:cNvSpPr txBox="1">
+            <a:spLocks noGrp="1"/>
+          </p:cNvSpPr>
           <p:nvPr>
-            <p:ph idx="12" type="sldNum"/>
+            <p:ph type="sldNum" idx="12"/>
           </p:nvPr>
         </p:nvSpPr>
         <p:spPr>
@@ -2322,7 +2412,7 @@
           </a:prstGeom>
         </p:spPr>
         <p:txBody>
-          <a:bodyPr anchorCtr="0" anchor="ctr" bIns="91425" lIns="91425" spcFirstLastPara="1" rIns="91425" wrap="square" tIns="91425">
+          <a:bodyPr spcFirstLastPara="1" wrap="square" lIns="91425" tIns="91425" rIns="91425" bIns="91425" anchor="ctr" anchorCtr="0">
             <a:normAutofit/>
           </a:bodyPr>
           <a:lstStyle>
@@ -2400,7 +2490,7 @@
             </a:lvl9pPr>
           </a:lstStyle>
           <a:p>
-            <a:pPr indent="0" lvl="0" marL="0" rtl="0" algn="r">
+            <a:pPr marL="0" lvl="0" indent="0" algn="r" rtl="0">
               <a:spcBef>
                 <a:spcPts val="0"/>
               </a:spcBef>
@@ -2426,18 +2516,19 @@
 </file>
 
 <file path=ppt/slideLayouts/slideLayout10.xml><?xml version="1.0" encoding="utf-8"?>
-<p:sldLayout xmlns:a="http://schemas.openxmlformats.org/drawingml/2006/main" xmlns:r="http://schemas.openxmlformats.org/officeDocument/2006/relationships" xmlns:mc="http://schemas.openxmlformats.org/markup-compatibility/2006" xmlns:mv="urn:schemas-microsoft-com:mac:vml" xmlns:p="http://schemas.openxmlformats.org/presentationml/2006/main" xmlns:c="http://schemas.openxmlformats.org/drawingml/2006/chart" xmlns:dgm="http://schemas.openxmlformats.org/drawingml/2006/diagram" xmlns:o="urn:schemas-microsoft-com:office:office" xmlns:v="urn:schemas-microsoft-com:vml" xmlns:pvml="urn:schemas-microsoft-com:office:powerpoint" xmlns:com="http://schemas.openxmlformats.org/drawingml/2006/compatibility" xmlns:p14="http://schemas.microsoft.com/office/powerpoint/2010/main" xmlns:p15="http://schemas.microsoft.com/office/powerpoint/2012/main" xmlns:ahyp="http://schemas.microsoft.com/office/drawing/2018/hyperlinkcolor" matchingName="Big number">
+<p:sldLayout xmlns:a="http://schemas.openxmlformats.org/drawingml/2006/main" xmlns:r="http://schemas.openxmlformats.org/officeDocument/2006/relationships" xmlns:p="http://schemas.openxmlformats.org/presentationml/2006/main" matchingName="Big number">
   <p:cSld name="BIG_NUMBER">
     <p:bg>
       <p:bgPr>
         <a:solidFill>
           <a:schemeClr val="dk1"/>
         </a:solidFill>
+        <a:effectLst/>
       </p:bgPr>
     </p:bg>
     <p:spTree>
       <p:nvGrpSpPr>
-        <p:cNvPr id="54" name="Shape 54"/>
+        <p:cNvPr id="1" name="Shape 54"/>
         <p:cNvGrpSpPr/>
         <p:nvPr/>
       </p:nvGrpSpPr>
@@ -2452,9 +2543,11 @@
       <p:sp>
         <p:nvSpPr>
           <p:cNvPr id="55" name="Google Shape;55;p11"/>
-          <p:cNvSpPr txBox="1"/>
+          <p:cNvSpPr txBox="1">
+            <a:spLocks noGrp="1"/>
+          </p:cNvSpPr>
           <p:nvPr>
-            <p:ph hasCustomPrompt="1" type="title"/>
+            <p:ph type="title" hasCustomPrompt="1"/>
           </p:nvPr>
         </p:nvSpPr>
         <p:spPr>
@@ -2467,7 +2560,7 @@
           </a:prstGeom>
         </p:spPr>
         <p:txBody>
-          <a:bodyPr anchorCtr="0" anchor="b" bIns="91425" lIns="91425" spcFirstLastPara="1" rIns="91425" wrap="square" tIns="91425">
+          <a:bodyPr spcFirstLastPara="1" wrap="square" lIns="91425" tIns="91425" rIns="91425" bIns="91425" anchor="b" anchorCtr="0">
             <a:normAutofit/>
           </a:bodyPr>
           <a:lstStyle>
@@ -2644,9 +2737,11 @@
       <p:sp>
         <p:nvSpPr>
           <p:cNvPr id="56" name="Google Shape;56;p11"/>
-          <p:cNvSpPr txBox="1"/>
+          <p:cNvSpPr txBox="1">
+            <a:spLocks noGrp="1"/>
+          </p:cNvSpPr>
           <p:nvPr>
-            <p:ph idx="1" type="body"/>
+            <p:ph type="body" idx="1"/>
           </p:nvPr>
         </p:nvSpPr>
         <p:spPr>
@@ -2659,11 +2754,11 @@
           </a:prstGeom>
         </p:spPr>
         <p:txBody>
-          <a:bodyPr anchorCtr="0" anchor="t" bIns="91425" lIns="91425" spcFirstLastPara="1" rIns="91425" wrap="square" tIns="91425">
+          <a:bodyPr spcFirstLastPara="1" wrap="square" lIns="91425" tIns="91425" rIns="91425" bIns="91425" anchor="t" anchorCtr="0">
             <a:normAutofit/>
           </a:bodyPr>
           <a:lstStyle>
-            <a:lvl1pPr indent="-311150" lvl="0" marL="457200">
+            <a:lvl1pPr marL="457200" lvl="0" indent="-311150">
               <a:spcBef>
                 <a:spcPts val="0"/>
               </a:spcBef>
@@ -2681,7 +2776,7 @@
                 </a:solidFill>
               </a:defRPr>
             </a:lvl1pPr>
-            <a:lvl2pPr indent="-298450" lvl="1" marL="914400">
+            <a:lvl2pPr marL="914400" lvl="1" indent="-298450">
               <a:spcBef>
                 <a:spcPts val="0"/>
               </a:spcBef>
@@ -2699,7 +2794,7 @@
                 </a:solidFill>
               </a:defRPr>
             </a:lvl2pPr>
-            <a:lvl3pPr indent="-298450" lvl="2" marL="1371600">
+            <a:lvl3pPr marL="1371600" lvl="2" indent="-298450">
               <a:spcBef>
                 <a:spcPts val="0"/>
               </a:spcBef>
@@ -2717,7 +2812,7 @@
                 </a:solidFill>
               </a:defRPr>
             </a:lvl3pPr>
-            <a:lvl4pPr indent="-298450" lvl="3" marL="1828800">
+            <a:lvl4pPr marL="1828800" lvl="3" indent="-298450">
               <a:spcBef>
                 <a:spcPts val="0"/>
               </a:spcBef>
@@ -2735,7 +2830,7 @@
                 </a:solidFill>
               </a:defRPr>
             </a:lvl4pPr>
-            <a:lvl5pPr indent="-298450" lvl="4" marL="2286000">
+            <a:lvl5pPr marL="2286000" lvl="4" indent="-298450">
               <a:spcBef>
                 <a:spcPts val="0"/>
               </a:spcBef>
@@ -2753,7 +2848,7 @@
                 </a:solidFill>
               </a:defRPr>
             </a:lvl5pPr>
-            <a:lvl6pPr indent="-298450" lvl="5" marL="2743200">
+            <a:lvl6pPr marL="2743200" lvl="5" indent="-298450">
               <a:spcBef>
                 <a:spcPts val="0"/>
               </a:spcBef>
@@ -2771,7 +2866,7 @@
                 </a:solidFill>
               </a:defRPr>
             </a:lvl6pPr>
-            <a:lvl7pPr indent="-298450" lvl="6" marL="3200400">
+            <a:lvl7pPr marL="3200400" lvl="6" indent="-298450">
               <a:spcBef>
                 <a:spcPts val="0"/>
               </a:spcBef>
@@ -2789,7 +2884,7 @@
                 </a:solidFill>
               </a:defRPr>
             </a:lvl7pPr>
-            <a:lvl8pPr indent="-298450" lvl="7" marL="3657600">
+            <a:lvl8pPr marL="3657600" lvl="7" indent="-298450">
               <a:spcBef>
                 <a:spcPts val="0"/>
               </a:spcBef>
@@ -2807,7 +2902,7 @@
                 </a:solidFill>
               </a:defRPr>
             </a:lvl8pPr>
-            <a:lvl9pPr indent="-298450" lvl="8" marL="4114800">
+            <a:lvl9pPr marL="4114800" lvl="8" indent="-298450">
               <a:spcBef>
                 <a:spcPts val="0"/>
               </a:spcBef>
@@ -2826,15 +2921,19 @@
               </a:defRPr>
             </a:lvl9pPr>
           </a:lstStyle>
-          <a:p/>
+          <a:p>
+            <a:endParaRPr/>
+          </a:p>
         </p:txBody>
       </p:sp>
       <p:sp>
         <p:nvSpPr>
           <p:cNvPr id="57" name="Google Shape;57;p11"/>
-          <p:cNvSpPr txBox="1"/>
+          <p:cNvSpPr txBox="1">
+            <a:spLocks noGrp="1"/>
+          </p:cNvSpPr>
           <p:nvPr>
-            <p:ph idx="12" type="sldNum"/>
+            <p:ph type="sldNum" idx="12"/>
           </p:nvPr>
         </p:nvSpPr>
         <p:spPr>
@@ -2847,7 +2946,7 @@
           </a:prstGeom>
         </p:spPr>
         <p:txBody>
-          <a:bodyPr anchorCtr="0" anchor="ctr" bIns="91425" lIns="91425" spcFirstLastPara="1" rIns="91425" wrap="square" tIns="91425">
+          <a:bodyPr spcFirstLastPara="1" wrap="square" lIns="91425" tIns="91425" rIns="91425" bIns="91425" anchor="ctr" anchorCtr="0">
             <a:normAutofit/>
           </a:bodyPr>
           <a:lstStyle>
@@ -2925,7 +3024,7 @@
             </a:lvl9pPr>
           </a:lstStyle>
           <a:p>
-            <a:pPr indent="0" lvl="0" marL="0" rtl="0" algn="r">
+            <a:pPr marL="0" lvl="0" indent="0" algn="r" rtl="0">
               <a:spcBef>
                 <a:spcPts val="0"/>
               </a:spcBef>
@@ -2951,11 +3050,11 @@
 </file>
 
 <file path=ppt/slideLayouts/slideLayout11.xml><?xml version="1.0" encoding="utf-8"?>
-<p:sldLayout xmlns:a="http://schemas.openxmlformats.org/drawingml/2006/main" xmlns:r="http://schemas.openxmlformats.org/officeDocument/2006/relationships" xmlns:mc="http://schemas.openxmlformats.org/markup-compatibility/2006" xmlns:mv="urn:schemas-microsoft-com:mac:vml" xmlns:p="http://schemas.openxmlformats.org/presentationml/2006/main" xmlns:c="http://schemas.openxmlformats.org/drawingml/2006/chart" xmlns:dgm="http://schemas.openxmlformats.org/drawingml/2006/diagram" xmlns:o="urn:schemas-microsoft-com:office:office" xmlns:v="urn:schemas-microsoft-com:vml" xmlns:pvml="urn:schemas-microsoft-com:office:powerpoint" xmlns:com="http://schemas.openxmlformats.org/drawingml/2006/compatibility" xmlns:p14="http://schemas.microsoft.com/office/powerpoint/2010/main" xmlns:p15="http://schemas.microsoft.com/office/powerpoint/2012/main" xmlns:ahyp="http://schemas.microsoft.com/office/drawing/2018/hyperlinkcolor" matchingName="Blank" type="blank">
+<p:sldLayout xmlns:a="http://schemas.openxmlformats.org/drawingml/2006/main" xmlns:r="http://schemas.openxmlformats.org/officeDocument/2006/relationships" xmlns:p="http://schemas.openxmlformats.org/presentationml/2006/main" matchingName="Blank" type="blank">
   <p:cSld name="BLANK">
     <p:spTree>
       <p:nvGrpSpPr>
-        <p:cNvPr id="58" name="Shape 58"/>
+        <p:cNvPr id="1" name="Shape 58"/>
         <p:cNvGrpSpPr/>
         <p:nvPr/>
       </p:nvGrpSpPr>
@@ -2970,9 +3069,11 @@
       <p:sp>
         <p:nvSpPr>
           <p:cNvPr id="59" name="Google Shape;59;p12"/>
-          <p:cNvSpPr txBox="1"/>
+          <p:cNvSpPr txBox="1">
+            <a:spLocks noGrp="1"/>
+          </p:cNvSpPr>
           <p:nvPr>
-            <p:ph idx="12" type="sldNum"/>
+            <p:ph type="sldNum" idx="12"/>
           </p:nvPr>
         </p:nvSpPr>
         <p:spPr>
@@ -2985,7 +3086,7 @@
           </a:prstGeom>
         </p:spPr>
         <p:txBody>
-          <a:bodyPr anchorCtr="0" anchor="ctr" bIns="91425" lIns="91425" spcFirstLastPara="1" rIns="91425" wrap="square" tIns="91425">
+          <a:bodyPr spcFirstLastPara="1" wrap="square" lIns="91425" tIns="91425" rIns="91425" bIns="91425" anchor="ctr" anchorCtr="0">
             <a:normAutofit/>
           </a:bodyPr>
           <a:lstStyle>
@@ -3027,7 +3128,7 @@
             </a:lvl9pPr>
           </a:lstStyle>
           <a:p>
-            <a:pPr indent="0" lvl="0" marL="0" rtl="0" algn="r">
+            <a:pPr marL="0" lvl="0" indent="0" algn="r" rtl="0">
               <a:spcBef>
                 <a:spcPts val="0"/>
               </a:spcBef>
@@ -3053,18 +3154,19 @@
 </file>
 
 <file path=ppt/slideLayouts/slideLayout2.xml><?xml version="1.0" encoding="utf-8"?>
-<p:sldLayout xmlns:a="http://schemas.openxmlformats.org/drawingml/2006/main" xmlns:r="http://schemas.openxmlformats.org/officeDocument/2006/relationships" xmlns:mc="http://schemas.openxmlformats.org/markup-compatibility/2006" xmlns:mv="urn:schemas-microsoft-com:mac:vml" xmlns:p="http://schemas.openxmlformats.org/presentationml/2006/main" xmlns:c="http://schemas.openxmlformats.org/drawingml/2006/chart" xmlns:dgm="http://schemas.openxmlformats.org/drawingml/2006/diagram" xmlns:o="urn:schemas-microsoft-com:office:office" xmlns:v="urn:schemas-microsoft-com:vml" xmlns:pvml="urn:schemas-microsoft-com:office:powerpoint" xmlns:com="http://schemas.openxmlformats.org/drawingml/2006/compatibility" xmlns:p14="http://schemas.microsoft.com/office/powerpoint/2010/main" xmlns:p15="http://schemas.microsoft.com/office/powerpoint/2012/main" xmlns:ahyp="http://schemas.microsoft.com/office/drawing/2018/hyperlinkcolor" matchingName="Section header" type="secHead">
+<p:sldLayout xmlns:a="http://schemas.openxmlformats.org/drawingml/2006/main" xmlns:r="http://schemas.openxmlformats.org/officeDocument/2006/relationships" xmlns:p="http://schemas.openxmlformats.org/presentationml/2006/main" matchingName="Section header" type="secHead">
   <p:cSld name="SECTION_HEADER">
     <p:bg>
       <p:bgPr>
         <a:solidFill>
           <a:schemeClr val="accent3"/>
         </a:solidFill>
+        <a:effectLst/>
       </p:bgPr>
     </p:bg>
     <p:spTree>
       <p:nvGrpSpPr>
-        <p:cNvPr id="14" name="Shape 14"/>
+        <p:cNvPr id="1" name="Shape 14"/>
         <p:cNvGrpSpPr/>
         <p:nvPr/>
       </p:nvGrpSpPr>
@@ -3088,9 +3190,13 @@
             <a:ext cx="9144250" cy="4398100"/>
           </a:xfrm>
           <a:custGeom>
-            <a:rect b="b" l="l" r="r" t="t"/>
+            <a:avLst/>
+            <a:gdLst/>
+            <a:ahLst/>
+            <a:cxnLst/>
+            <a:rect l="l" t="t" r="r" b="b"/>
             <a:pathLst>
-              <a:path extrusionOk="0" h="175924" w="365770">
+              <a:path w="365770" h="175924" extrusionOk="0">
                 <a:moveTo>
                   <a:pt x="0" y="0"/>
                 </a:moveTo>
@@ -3127,9 +3233,13 @@
             <a:ext cx="9144250" cy="4398100"/>
           </a:xfrm>
           <a:custGeom>
-            <a:rect b="b" l="l" r="r" t="t"/>
+            <a:avLst/>
+            <a:gdLst/>
+            <a:ahLst/>
+            <a:cxnLst/>
+            <a:rect l="l" t="t" r="r" b="b"/>
             <a:pathLst>
-              <a:path extrusionOk="0" h="175924" w="365770">
+              <a:path w="365770" h="175924" extrusionOk="0">
                 <a:moveTo>
                   <a:pt x="0" y="0"/>
                 </a:moveTo>
@@ -3157,7 +3267,9 @@
       <p:sp>
         <p:nvSpPr>
           <p:cNvPr id="17" name="Google Shape;17;p3"/>
-          <p:cNvSpPr txBox="1"/>
+          <p:cNvSpPr txBox="1">
+            <a:spLocks noGrp="1"/>
+          </p:cNvSpPr>
           <p:nvPr>
             <p:ph type="title"/>
           </p:nvPr>
@@ -3172,7 +3284,7 @@
           </a:prstGeom>
         </p:spPr>
         <p:txBody>
-          <a:bodyPr anchorCtr="0" anchor="t" bIns="91425" lIns="91425" spcFirstLastPara="1" rIns="91425" wrap="square" tIns="91425">
+          <a:bodyPr spcFirstLastPara="1" wrap="square" lIns="91425" tIns="91425" rIns="91425" bIns="91425" anchor="t" anchorCtr="0">
             <a:normAutofit/>
           </a:bodyPr>
           <a:lstStyle>
@@ -3276,15 +3388,19 @@
               <a:defRPr sz="3600"/>
             </a:lvl9pPr>
           </a:lstStyle>
-          <a:p/>
+          <a:p>
+            <a:endParaRPr/>
+          </a:p>
         </p:txBody>
       </p:sp>
       <p:sp>
         <p:nvSpPr>
           <p:cNvPr id="18" name="Google Shape;18;p3"/>
-          <p:cNvSpPr txBox="1"/>
+          <p:cNvSpPr txBox="1">
+            <a:spLocks noGrp="1"/>
+          </p:cNvSpPr>
           <p:nvPr>
-            <p:ph idx="12" type="sldNum"/>
+            <p:ph type="sldNum" idx="12"/>
           </p:nvPr>
         </p:nvSpPr>
         <p:spPr>
@@ -3297,7 +3413,7 @@
           </a:prstGeom>
         </p:spPr>
         <p:txBody>
-          <a:bodyPr anchorCtr="0" anchor="ctr" bIns="91425" lIns="91425" spcFirstLastPara="1" rIns="91425" wrap="square" tIns="91425">
+          <a:bodyPr spcFirstLastPara="1" wrap="square" lIns="91425" tIns="91425" rIns="91425" bIns="91425" anchor="ctr" anchorCtr="0">
             <a:normAutofit/>
           </a:bodyPr>
           <a:lstStyle>
@@ -3375,7 +3491,7 @@
             </a:lvl9pPr>
           </a:lstStyle>
           <a:p>
-            <a:pPr indent="0" lvl="0" marL="0" rtl="0" algn="r">
+            <a:pPr marL="0" lvl="0" indent="0" algn="r" rtl="0">
               <a:spcBef>
                 <a:spcPts val="0"/>
               </a:spcBef>
@@ -3401,11 +3517,11 @@
 </file>
 
 <file path=ppt/slideLayouts/slideLayout3.xml><?xml version="1.0" encoding="utf-8"?>
-<p:sldLayout xmlns:a="http://schemas.openxmlformats.org/drawingml/2006/main" xmlns:r="http://schemas.openxmlformats.org/officeDocument/2006/relationships" xmlns:mc="http://schemas.openxmlformats.org/markup-compatibility/2006" xmlns:mv="urn:schemas-microsoft-com:mac:vml" xmlns:p="http://schemas.openxmlformats.org/presentationml/2006/main" xmlns:c="http://schemas.openxmlformats.org/drawingml/2006/chart" xmlns:dgm="http://schemas.openxmlformats.org/drawingml/2006/diagram" xmlns:o="urn:schemas-microsoft-com:office:office" xmlns:v="urn:schemas-microsoft-com:vml" xmlns:pvml="urn:schemas-microsoft-com:office:powerpoint" xmlns:com="http://schemas.openxmlformats.org/drawingml/2006/compatibility" xmlns:p14="http://schemas.microsoft.com/office/powerpoint/2010/main" xmlns:p15="http://schemas.microsoft.com/office/powerpoint/2012/main" xmlns:ahyp="http://schemas.microsoft.com/office/drawing/2018/hyperlinkcolor" matchingName="Title and body" type="tx">
+<p:sldLayout xmlns:a="http://schemas.openxmlformats.org/drawingml/2006/main" xmlns:r="http://schemas.openxmlformats.org/officeDocument/2006/relationships" xmlns:p="http://schemas.openxmlformats.org/presentationml/2006/main" matchingName="Title and body" type="tx">
   <p:cSld name="TITLE_AND_BODY">
     <p:spTree>
       <p:nvGrpSpPr>
-        <p:cNvPr id="19" name="Shape 19"/>
+        <p:cNvPr id="1" name="Shape 19"/>
         <p:cNvGrpSpPr/>
         <p:nvPr/>
       </p:nvGrpSpPr>
@@ -3439,12 +3555,12 @@
           </a:ln>
         </p:spPr>
         <p:txBody>
-          <a:bodyPr anchorCtr="0" anchor="ctr" bIns="91425" lIns="91425" spcFirstLastPara="1" rIns="91425" wrap="square" tIns="91425">
+          <a:bodyPr spcFirstLastPara="1" wrap="square" lIns="91425" tIns="91425" rIns="91425" bIns="91425" anchor="ctr" anchorCtr="0">
             <a:noAutofit/>
           </a:bodyPr>
           <a:lstStyle/>
           <a:p>
-            <a:pPr indent="0" lvl="0" marL="0" rtl="0" algn="l">
+            <a:pPr marL="0" lvl="0" indent="0" algn="l" rtl="0">
               <a:spcBef>
                 <a:spcPts val="0"/>
               </a:spcBef>
@@ -3453,9 +3569,6 @@
               </a:spcAft>
               <a:buNone/>
             </a:pPr>
-            <a:r>
-              <a:t/>
-            </a:r>
             <a:endParaRPr/>
           </a:p>
         </p:txBody>
@@ -3472,9 +3585,13 @@
             <a:ext cx="4313625" cy="4399375"/>
           </a:xfrm>
           <a:custGeom>
-            <a:rect b="b" l="l" r="r" t="t"/>
+            <a:avLst/>
+            <a:gdLst/>
+            <a:ahLst/>
+            <a:cxnLst/>
+            <a:rect l="l" t="t" r="r" b="b"/>
             <a:pathLst>
-              <a:path extrusionOk="0" h="175975" w="172545">
+              <a:path w="172545" h="175975" extrusionOk="0">
                 <a:moveTo>
                   <a:pt x="0" y="157"/>
                 </a:moveTo>
@@ -3511,9 +3628,13 @@
             <a:ext cx="4316900" cy="4395600"/>
           </a:xfrm>
           <a:custGeom>
-            <a:rect b="b" l="l" r="r" t="t"/>
+            <a:avLst/>
+            <a:gdLst/>
+            <a:ahLst/>
+            <a:cxnLst/>
+            <a:rect l="l" t="t" r="r" b="b"/>
             <a:pathLst>
-              <a:path extrusionOk="0" h="175824" w="172676">
+              <a:path w="172676" h="175824" extrusionOk="0">
                 <a:moveTo>
                   <a:pt x="0" y="6"/>
                 </a:moveTo>
@@ -3541,7 +3662,9 @@
       <p:sp>
         <p:nvSpPr>
           <p:cNvPr id="23" name="Google Shape;23;p4"/>
-          <p:cNvSpPr txBox="1"/>
+          <p:cNvSpPr txBox="1">
+            <a:spLocks noGrp="1"/>
+          </p:cNvSpPr>
           <p:nvPr>
             <p:ph type="title"/>
           </p:nvPr>
@@ -3556,7 +3679,7 @@
           </a:prstGeom>
         </p:spPr>
         <p:txBody>
-          <a:bodyPr anchorCtr="0" anchor="t" bIns="91425" lIns="91425" spcFirstLastPara="1" rIns="91425" wrap="square" tIns="91425">
+          <a:bodyPr spcFirstLastPara="1" wrap="square" lIns="91425" tIns="91425" rIns="91425" bIns="91425" anchor="t" anchorCtr="0">
             <a:normAutofit/>
           </a:bodyPr>
           <a:lstStyle>
@@ -3723,15 +3846,19 @@
               </a:defRPr>
             </a:lvl9pPr>
           </a:lstStyle>
-          <a:p/>
+          <a:p>
+            <a:endParaRPr/>
+          </a:p>
         </p:txBody>
       </p:sp>
       <p:sp>
         <p:nvSpPr>
           <p:cNvPr id="24" name="Google Shape;24;p4"/>
-          <p:cNvSpPr txBox="1"/>
+          <p:cNvSpPr txBox="1">
+            <a:spLocks noGrp="1"/>
+          </p:cNvSpPr>
           <p:nvPr>
-            <p:ph idx="1" type="body"/>
+            <p:ph type="body" idx="1"/>
           </p:nvPr>
         </p:nvSpPr>
         <p:spPr>
@@ -3744,11 +3871,11 @@
           </a:prstGeom>
         </p:spPr>
         <p:txBody>
-          <a:bodyPr anchorCtr="0" anchor="t" bIns="91425" lIns="91425" spcFirstLastPara="1" rIns="91425" wrap="square" tIns="91425">
+          <a:bodyPr spcFirstLastPara="1" wrap="square" lIns="91425" tIns="91425" rIns="91425" bIns="91425" anchor="t" anchorCtr="0">
             <a:normAutofit/>
           </a:bodyPr>
           <a:lstStyle>
-            <a:lvl1pPr indent="-311150" lvl="0" marL="457200">
+            <a:lvl1pPr marL="457200" lvl="0" indent="-311150">
               <a:spcBef>
                 <a:spcPts val="0"/>
               </a:spcBef>
@@ -3759,7 +3886,7 @@
               <a:buChar char="●"/>
               <a:defRPr/>
             </a:lvl1pPr>
-            <a:lvl2pPr indent="-298450" lvl="1" marL="914400">
+            <a:lvl2pPr marL="914400" lvl="1" indent="-298450">
               <a:spcBef>
                 <a:spcPts val="0"/>
               </a:spcBef>
@@ -3770,7 +3897,7 @@
               <a:buChar char="○"/>
               <a:defRPr/>
             </a:lvl2pPr>
-            <a:lvl3pPr indent="-298450" lvl="2" marL="1371600">
+            <a:lvl3pPr marL="1371600" lvl="2" indent="-298450">
               <a:spcBef>
                 <a:spcPts val="0"/>
               </a:spcBef>
@@ -3781,7 +3908,7 @@
               <a:buChar char="■"/>
               <a:defRPr/>
             </a:lvl3pPr>
-            <a:lvl4pPr indent="-298450" lvl="3" marL="1828800">
+            <a:lvl4pPr marL="1828800" lvl="3" indent="-298450">
               <a:spcBef>
                 <a:spcPts val="0"/>
               </a:spcBef>
@@ -3792,7 +3919,7 @@
               <a:buChar char="●"/>
               <a:defRPr/>
             </a:lvl4pPr>
-            <a:lvl5pPr indent="-298450" lvl="4" marL="2286000">
+            <a:lvl5pPr marL="2286000" lvl="4" indent="-298450">
               <a:spcBef>
                 <a:spcPts val="0"/>
               </a:spcBef>
@@ -3803,7 +3930,7 @@
               <a:buChar char="○"/>
               <a:defRPr/>
             </a:lvl5pPr>
-            <a:lvl6pPr indent="-298450" lvl="5" marL="2743200">
+            <a:lvl6pPr marL="2743200" lvl="5" indent="-298450">
               <a:spcBef>
                 <a:spcPts val="0"/>
               </a:spcBef>
@@ -3814,7 +3941,7 @@
               <a:buChar char="■"/>
               <a:defRPr/>
             </a:lvl6pPr>
-            <a:lvl7pPr indent="-298450" lvl="6" marL="3200400">
+            <a:lvl7pPr marL="3200400" lvl="6" indent="-298450">
               <a:spcBef>
                 <a:spcPts val="0"/>
               </a:spcBef>
@@ -3825,7 +3952,7 @@
               <a:buChar char="●"/>
               <a:defRPr/>
             </a:lvl7pPr>
-            <a:lvl8pPr indent="-298450" lvl="7" marL="3657600">
+            <a:lvl8pPr marL="3657600" lvl="7" indent="-298450">
               <a:spcBef>
                 <a:spcPts val="0"/>
               </a:spcBef>
@@ -3836,7 +3963,7 @@
               <a:buChar char="○"/>
               <a:defRPr/>
             </a:lvl8pPr>
-            <a:lvl9pPr indent="-298450" lvl="8" marL="4114800">
+            <a:lvl9pPr marL="4114800" lvl="8" indent="-298450">
               <a:spcBef>
                 <a:spcPts val="0"/>
               </a:spcBef>
@@ -3848,15 +3975,19 @@
               <a:defRPr/>
             </a:lvl9pPr>
           </a:lstStyle>
-          <a:p/>
+          <a:p>
+            <a:endParaRPr/>
+          </a:p>
         </p:txBody>
       </p:sp>
       <p:sp>
         <p:nvSpPr>
           <p:cNvPr id="25" name="Google Shape;25;p4"/>
-          <p:cNvSpPr txBox="1"/>
+          <p:cNvSpPr txBox="1">
+            <a:spLocks noGrp="1"/>
+          </p:cNvSpPr>
           <p:nvPr>
-            <p:ph idx="12" type="sldNum"/>
+            <p:ph type="sldNum" idx="12"/>
           </p:nvPr>
         </p:nvSpPr>
         <p:spPr>
@@ -3869,7 +4000,7 @@
           </a:prstGeom>
         </p:spPr>
         <p:txBody>
-          <a:bodyPr anchorCtr="0" anchor="ctr" bIns="91425" lIns="91425" spcFirstLastPara="1" rIns="91425" wrap="square" tIns="91425">
+          <a:bodyPr spcFirstLastPara="1" wrap="square" lIns="91425" tIns="91425" rIns="91425" bIns="91425" anchor="ctr" anchorCtr="0">
             <a:normAutofit/>
           </a:bodyPr>
           <a:lstStyle>
@@ -3911,7 +4042,7 @@
             </a:lvl9pPr>
           </a:lstStyle>
           <a:p>
-            <a:pPr indent="0" lvl="0" marL="0" rtl="0" algn="r">
+            <a:pPr marL="0" lvl="0" indent="0" algn="r" rtl="0">
               <a:spcBef>
                 <a:spcPts val="0"/>
               </a:spcBef>
@@ -3937,11 +4068,11 @@
 </file>
 
 <file path=ppt/slideLayouts/slideLayout4.xml><?xml version="1.0" encoding="utf-8"?>
-<p:sldLayout xmlns:a="http://schemas.openxmlformats.org/drawingml/2006/main" xmlns:r="http://schemas.openxmlformats.org/officeDocument/2006/relationships" xmlns:mc="http://schemas.openxmlformats.org/markup-compatibility/2006" xmlns:mv="urn:schemas-microsoft-com:mac:vml" xmlns:p="http://schemas.openxmlformats.org/presentationml/2006/main" xmlns:c="http://schemas.openxmlformats.org/drawingml/2006/chart" xmlns:dgm="http://schemas.openxmlformats.org/drawingml/2006/diagram" xmlns:o="urn:schemas-microsoft-com:office:office" xmlns:v="urn:schemas-microsoft-com:vml" xmlns:pvml="urn:schemas-microsoft-com:office:powerpoint" xmlns:com="http://schemas.openxmlformats.org/drawingml/2006/compatibility" xmlns:p14="http://schemas.microsoft.com/office/powerpoint/2010/main" xmlns:p15="http://schemas.microsoft.com/office/powerpoint/2012/main" xmlns:ahyp="http://schemas.microsoft.com/office/drawing/2018/hyperlinkcolor" matchingName="Title and two columns" type="twoColTx">
+<p:sldLayout xmlns:a="http://schemas.openxmlformats.org/drawingml/2006/main" xmlns:r="http://schemas.openxmlformats.org/officeDocument/2006/relationships" xmlns:p="http://schemas.openxmlformats.org/presentationml/2006/main" matchingName="Title and two columns" type="twoColTx">
   <p:cSld name="TITLE_AND_TWO_COLUMNS">
     <p:spTree>
       <p:nvGrpSpPr>
-        <p:cNvPr id="26" name="Shape 26"/>
+        <p:cNvPr id="1" name="Shape 26"/>
         <p:cNvGrpSpPr/>
         <p:nvPr/>
       </p:nvGrpSpPr>
@@ -3975,12 +4106,12 @@
           </a:ln>
         </p:spPr>
         <p:txBody>
-          <a:bodyPr anchorCtr="0" anchor="ctr" bIns="91425" lIns="91425" spcFirstLastPara="1" rIns="91425" wrap="square" tIns="91425">
+          <a:bodyPr spcFirstLastPara="1" wrap="square" lIns="91425" tIns="91425" rIns="91425" bIns="91425" anchor="ctr" anchorCtr="0">
             <a:noAutofit/>
           </a:bodyPr>
           <a:lstStyle/>
           <a:p>
-            <a:pPr indent="0" lvl="0" marL="0" rtl="0" algn="l">
+            <a:pPr marL="0" lvl="0" indent="0" algn="l" rtl="0">
               <a:spcBef>
                 <a:spcPts val="0"/>
               </a:spcBef>
@@ -3989,9 +4120,6 @@
               </a:spcAft>
               <a:buNone/>
             </a:pPr>
-            <a:r>
-              <a:t/>
-            </a:r>
             <a:endParaRPr/>
           </a:p>
         </p:txBody>
@@ -3999,7 +4127,9 @@
       <p:sp>
         <p:nvSpPr>
           <p:cNvPr id="28" name="Google Shape;28;p5"/>
-          <p:cNvSpPr txBox="1"/>
+          <p:cNvSpPr txBox="1">
+            <a:spLocks noGrp="1"/>
+          </p:cNvSpPr>
           <p:nvPr>
             <p:ph type="title"/>
           </p:nvPr>
@@ -4014,7 +4144,7 @@
           </a:prstGeom>
         </p:spPr>
         <p:txBody>
-          <a:bodyPr anchorCtr="0" anchor="t" bIns="91425" lIns="91425" spcFirstLastPara="1" rIns="91425" wrap="square" tIns="91425">
+          <a:bodyPr spcFirstLastPara="1" wrap="square" lIns="91425" tIns="91425" rIns="91425" bIns="91425" anchor="t" anchorCtr="0">
             <a:normAutofit/>
           </a:bodyPr>
           <a:lstStyle>
@@ -4181,15 +4311,19 @@
               </a:defRPr>
             </a:lvl9pPr>
           </a:lstStyle>
-          <a:p/>
+          <a:p>
+            <a:endParaRPr/>
+          </a:p>
         </p:txBody>
       </p:sp>
       <p:sp>
         <p:nvSpPr>
           <p:cNvPr id="29" name="Google Shape;29;p5"/>
-          <p:cNvSpPr txBox="1"/>
+          <p:cNvSpPr txBox="1">
+            <a:spLocks noGrp="1"/>
+          </p:cNvSpPr>
           <p:nvPr>
-            <p:ph idx="1" type="body"/>
+            <p:ph type="body" idx="1"/>
           </p:nvPr>
         </p:nvSpPr>
         <p:spPr>
@@ -4202,11 +4336,11 @@
           </a:prstGeom>
         </p:spPr>
         <p:txBody>
-          <a:bodyPr anchorCtr="0" anchor="t" bIns="91425" lIns="91425" spcFirstLastPara="1" rIns="91425" wrap="square" tIns="91425">
+          <a:bodyPr spcFirstLastPara="1" wrap="square" lIns="91425" tIns="91425" rIns="91425" bIns="91425" anchor="t" anchorCtr="0">
             <a:normAutofit/>
           </a:bodyPr>
           <a:lstStyle>
-            <a:lvl1pPr indent="-311150" lvl="0" marL="457200">
+            <a:lvl1pPr marL="457200" lvl="0" indent="-311150">
               <a:spcBef>
                 <a:spcPts val="0"/>
               </a:spcBef>
@@ -4217,7 +4351,7 @@
               <a:buChar char="●"/>
               <a:defRPr/>
             </a:lvl1pPr>
-            <a:lvl2pPr indent="-298450" lvl="1" marL="914400">
+            <a:lvl2pPr marL="914400" lvl="1" indent="-298450">
               <a:spcBef>
                 <a:spcPts val="0"/>
               </a:spcBef>
@@ -4228,7 +4362,7 @@
               <a:buChar char="○"/>
               <a:defRPr/>
             </a:lvl2pPr>
-            <a:lvl3pPr indent="-298450" lvl="2" marL="1371600">
+            <a:lvl3pPr marL="1371600" lvl="2" indent="-298450">
               <a:spcBef>
                 <a:spcPts val="0"/>
               </a:spcBef>
@@ -4239,7 +4373,7 @@
               <a:buChar char="■"/>
               <a:defRPr/>
             </a:lvl3pPr>
-            <a:lvl4pPr indent="-298450" lvl="3" marL="1828800">
+            <a:lvl4pPr marL="1828800" lvl="3" indent="-298450">
               <a:spcBef>
                 <a:spcPts val="0"/>
               </a:spcBef>
@@ -4250,7 +4384,7 @@
               <a:buChar char="●"/>
               <a:defRPr/>
             </a:lvl4pPr>
-            <a:lvl5pPr indent="-298450" lvl="4" marL="2286000">
+            <a:lvl5pPr marL="2286000" lvl="4" indent="-298450">
               <a:spcBef>
                 <a:spcPts val="0"/>
               </a:spcBef>
@@ -4261,7 +4395,7 @@
               <a:buChar char="○"/>
               <a:defRPr/>
             </a:lvl5pPr>
-            <a:lvl6pPr indent="-298450" lvl="5" marL="2743200">
+            <a:lvl6pPr marL="2743200" lvl="5" indent="-298450">
               <a:spcBef>
                 <a:spcPts val="0"/>
               </a:spcBef>
@@ -4272,7 +4406,7 @@
               <a:buChar char="■"/>
               <a:defRPr/>
             </a:lvl6pPr>
-            <a:lvl7pPr indent="-298450" lvl="6" marL="3200400">
+            <a:lvl7pPr marL="3200400" lvl="6" indent="-298450">
               <a:spcBef>
                 <a:spcPts val="0"/>
               </a:spcBef>
@@ -4283,7 +4417,7 @@
               <a:buChar char="●"/>
               <a:defRPr/>
             </a:lvl7pPr>
-            <a:lvl8pPr indent="-298450" lvl="7" marL="3657600">
+            <a:lvl8pPr marL="3657600" lvl="7" indent="-298450">
               <a:spcBef>
                 <a:spcPts val="0"/>
               </a:spcBef>
@@ -4294,7 +4428,7 @@
               <a:buChar char="○"/>
               <a:defRPr/>
             </a:lvl8pPr>
-            <a:lvl9pPr indent="-298450" lvl="8" marL="4114800">
+            <a:lvl9pPr marL="4114800" lvl="8" indent="-298450">
               <a:spcBef>
                 <a:spcPts val="0"/>
               </a:spcBef>
@@ -4306,15 +4440,19 @@
               <a:defRPr/>
             </a:lvl9pPr>
           </a:lstStyle>
-          <a:p/>
+          <a:p>
+            <a:endParaRPr/>
+          </a:p>
         </p:txBody>
       </p:sp>
       <p:sp>
         <p:nvSpPr>
           <p:cNvPr id="30" name="Google Shape;30;p5"/>
-          <p:cNvSpPr txBox="1"/>
+          <p:cNvSpPr txBox="1">
+            <a:spLocks noGrp="1"/>
+          </p:cNvSpPr>
           <p:nvPr>
-            <p:ph idx="2" type="body"/>
+            <p:ph type="body" idx="2"/>
           </p:nvPr>
         </p:nvSpPr>
         <p:spPr>
@@ -4327,11 +4465,11 @@
           </a:prstGeom>
         </p:spPr>
         <p:txBody>
-          <a:bodyPr anchorCtr="0" anchor="t" bIns="91425" lIns="91425" spcFirstLastPara="1" rIns="91425" wrap="square" tIns="91425">
+          <a:bodyPr spcFirstLastPara="1" wrap="square" lIns="91425" tIns="91425" rIns="91425" bIns="91425" anchor="t" anchorCtr="0">
             <a:normAutofit/>
           </a:bodyPr>
           <a:lstStyle>
-            <a:lvl1pPr indent="-311150" lvl="0" marL="457200">
+            <a:lvl1pPr marL="457200" lvl="0" indent="-311150">
               <a:spcBef>
                 <a:spcPts val="0"/>
               </a:spcBef>
@@ -4342,7 +4480,7 @@
               <a:buChar char="●"/>
               <a:defRPr/>
             </a:lvl1pPr>
-            <a:lvl2pPr indent="-298450" lvl="1" marL="914400">
+            <a:lvl2pPr marL="914400" lvl="1" indent="-298450">
               <a:spcBef>
                 <a:spcPts val="0"/>
               </a:spcBef>
@@ -4353,7 +4491,7 @@
               <a:buChar char="○"/>
               <a:defRPr/>
             </a:lvl2pPr>
-            <a:lvl3pPr indent="-298450" lvl="2" marL="1371600">
+            <a:lvl3pPr marL="1371600" lvl="2" indent="-298450">
               <a:spcBef>
                 <a:spcPts val="0"/>
               </a:spcBef>
@@ -4364,7 +4502,7 @@
               <a:buChar char="■"/>
               <a:defRPr/>
             </a:lvl3pPr>
-            <a:lvl4pPr indent="-298450" lvl="3" marL="1828800">
+            <a:lvl4pPr marL="1828800" lvl="3" indent="-298450">
               <a:spcBef>
                 <a:spcPts val="0"/>
               </a:spcBef>
@@ -4375,7 +4513,7 @@
               <a:buChar char="●"/>
               <a:defRPr/>
             </a:lvl4pPr>
-            <a:lvl5pPr indent="-298450" lvl="4" marL="2286000">
+            <a:lvl5pPr marL="2286000" lvl="4" indent="-298450">
               <a:spcBef>
                 <a:spcPts val="0"/>
               </a:spcBef>
@@ -4386,7 +4524,7 @@
               <a:buChar char="○"/>
               <a:defRPr/>
             </a:lvl5pPr>
-            <a:lvl6pPr indent="-298450" lvl="5" marL="2743200">
+            <a:lvl6pPr marL="2743200" lvl="5" indent="-298450">
               <a:spcBef>
                 <a:spcPts val="0"/>
               </a:spcBef>
@@ -4397,7 +4535,7 @@
               <a:buChar char="■"/>
               <a:defRPr/>
             </a:lvl6pPr>
-            <a:lvl7pPr indent="-298450" lvl="6" marL="3200400">
+            <a:lvl7pPr marL="3200400" lvl="6" indent="-298450">
               <a:spcBef>
                 <a:spcPts val="0"/>
               </a:spcBef>
@@ -4408,7 +4546,7 @@
               <a:buChar char="●"/>
               <a:defRPr/>
             </a:lvl7pPr>
-            <a:lvl8pPr indent="-298450" lvl="7" marL="3657600">
+            <a:lvl8pPr marL="3657600" lvl="7" indent="-298450">
               <a:spcBef>
                 <a:spcPts val="0"/>
               </a:spcBef>
@@ -4419,7 +4557,7 @@
               <a:buChar char="○"/>
               <a:defRPr/>
             </a:lvl8pPr>
-            <a:lvl9pPr indent="-298450" lvl="8" marL="4114800">
+            <a:lvl9pPr marL="4114800" lvl="8" indent="-298450">
               <a:spcBef>
                 <a:spcPts val="0"/>
               </a:spcBef>
@@ -4431,15 +4569,19 @@
               <a:defRPr/>
             </a:lvl9pPr>
           </a:lstStyle>
-          <a:p/>
+          <a:p>
+            <a:endParaRPr/>
+          </a:p>
         </p:txBody>
       </p:sp>
       <p:sp>
         <p:nvSpPr>
           <p:cNvPr id="31" name="Google Shape;31;p5"/>
-          <p:cNvSpPr txBox="1"/>
+          <p:cNvSpPr txBox="1">
+            <a:spLocks noGrp="1"/>
+          </p:cNvSpPr>
           <p:nvPr>
-            <p:ph idx="12" type="sldNum"/>
+            <p:ph type="sldNum" idx="12"/>
           </p:nvPr>
         </p:nvSpPr>
         <p:spPr>
@@ -4452,7 +4594,7 @@
           </a:prstGeom>
         </p:spPr>
         <p:txBody>
-          <a:bodyPr anchorCtr="0" anchor="ctr" bIns="91425" lIns="91425" spcFirstLastPara="1" rIns="91425" wrap="square" tIns="91425">
+          <a:bodyPr spcFirstLastPara="1" wrap="square" lIns="91425" tIns="91425" rIns="91425" bIns="91425" anchor="ctr" anchorCtr="0">
             <a:normAutofit/>
           </a:bodyPr>
           <a:lstStyle>
@@ -4494,7 +4636,7 @@
             </a:lvl9pPr>
           </a:lstStyle>
           <a:p>
-            <a:pPr indent="0" lvl="0" marL="0" rtl="0" algn="r">
+            <a:pPr marL="0" lvl="0" indent="0" algn="r" rtl="0">
               <a:spcBef>
                 <a:spcPts val="0"/>
               </a:spcBef>
@@ -4520,11 +4662,11 @@
 </file>
 
 <file path=ppt/slideLayouts/slideLayout5.xml><?xml version="1.0" encoding="utf-8"?>
-<p:sldLayout xmlns:a="http://schemas.openxmlformats.org/drawingml/2006/main" xmlns:r="http://schemas.openxmlformats.org/officeDocument/2006/relationships" xmlns:mc="http://schemas.openxmlformats.org/markup-compatibility/2006" xmlns:mv="urn:schemas-microsoft-com:mac:vml" xmlns:p="http://schemas.openxmlformats.org/presentationml/2006/main" xmlns:c="http://schemas.openxmlformats.org/drawingml/2006/chart" xmlns:dgm="http://schemas.openxmlformats.org/drawingml/2006/diagram" xmlns:o="urn:schemas-microsoft-com:office:office" xmlns:v="urn:schemas-microsoft-com:vml" xmlns:pvml="urn:schemas-microsoft-com:office:powerpoint" xmlns:com="http://schemas.openxmlformats.org/drawingml/2006/compatibility" xmlns:p14="http://schemas.microsoft.com/office/powerpoint/2010/main" xmlns:p15="http://schemas.microsoft.com/office/powerpoint/2012/main" xmlns:ahyp="http://schemas.microsoft.com/office/drawing/2018/hyperlinkcolor" matchingName="Title only" type="titleOnly">
+<p:sldLayout xmlns:a="http://schemas.openxmlformats.org/drawingml/2006/main" xmlns:r="http://schemas.openxmlformats.org/officeDocument/2006/relationships" xmlns:p="http://schemas.openxmlformats.org/presentationml/2006/main" matchingName="Title only" type="titleOnly">
   <p:cSld name="TITLE_ONLY">
     <p:spTree>
       <p:nvGrpSpPr>
-        <p:cNvPr id="32" name="Shape 32"/>
+        <p:cNvPr id="1" name="Shape 32"/>
         <p:cNvGrpSpPr/>
         <p:nvPr/>
       </p:nvGrpSpPr>
@@ -4558,12 +4700,12 @@
           </a:ln>
         </p:spPr>
         <p:txBody>
-          <a:bodyPr anchorCtr="0" anchor="ctr" bIns="91425" lIns="91425" spcFirstLastPara="1" rIns="91425" wrap="square" tIns="91425">
+          <a:bodyPr spcFirstLastPara="1" wrap="square" lIns="91425" tIns="91425" rIns="91425" bIns="91425" anchor="ctr" anchorCtr="0">
             <a:noAutofit/>
           </a:bodyPr>
           <a:lstStyle/>
           <a:p>
-            <a:pPr indent="0" lvl="0" marL="0" rtl="0" algn="l">
+            <a:pPr marL="0" lvl="0" indent="0" algn="l" rtl="0">
               <a:spcBef>
                 <a:spcPts val="0"/>
               </a:spcBef>
@@ -4572,9 +4714,6 @@
               </a:spcAft>
               <a:buNone/>
             </a:pPr>
-            <a:r>
-              <a:t/>
-            </a:r>
             <a:endParaRPr/>
           </a:p>
         </p:txBody>
@@ -4582,7 +4721,9 @@
       <p:sp>
         <p:nvSpPr>
           <p:cNvPr id="34" name="Google Shape;34;p6"/>
-          <p:cNvSpPr txBox="1"/>
+          <p:cNvSpPr txBox="1">
+            <a:spLocks noGrp="1"/>
+          </p:cNvSpPr>
           <p:nvPr>
             <p:ph type="title"/>
           </p:nvPr>
@@ -4597,7 +4738,7 @@
           </a:prstGeom>
         </p:spPr>
         <p:txBody>
-          <a:bodyPr anchorCtr="0" anchor="t" bIns="91425" lIns="91425" spcFirstLastPara="1" rIns="91425" wrap="square" tIns="91425">
+          <a:bodyPr spcFirstLastPara="1" wrap="square" lIns="91425" tIns="91425" rIns="91425" bIns="91425" anchor="t" anchorCtr="0">
             <a:normAutofit/>
           </a:bodyPr>
           <a:lstStyle>
@@ -4764,15 +4905,19 @@
               </a:defRPr>
             </a:lvl9pPr>
           </a:lstStyle>
-          <a:p/>
+          <a:p>
+            <a:endParaRPr/>
+          </a:p>
         </p:txBody>
       </p:sp>
       <p:sp>
         <p:nvSpPr>
           <p:cNvPr id="35" name="Google Shape;35;p6"/>
-          <p:cNvSpPr txBox="1"/>
+          <p:cNvSpPr txBox="1">
+            <a:spLocks noGrp="1"/>
+          </p:cNvSpPr>
           <p:nvPr>
-            <p:ph idx="12" type="sldNum"/>
+            <p:ph type="sldNum" idx="12"/>
           </p:nvPr>
         </p:nvSpPr>
         <p:spPr>
@@ -4785,7 +4930,7 @@
           </a:prstGeom>
         </p:spPr>
         <p:txBody>
-          <a:bodyPr anchorCtr="0" anchor="ctr" bIns="91425" lIns="91425" spcFirstLastPara="1" rIns="91425" wrap="square" tIns="91425">
+          <a:bodyPr spcFirstLastPara="1" wrap="square" lIns="91425" tIns="91425" rIns="91425" bIns="91425" anchor="ctr" anchorCtr="0">
             <a:normAutofit/>
           </a:bodyPr>
           <a:lstStyle>
@@ -4827,7 +4972,7 @@
             </a:lvl9pPr>
           </a:lstStyle>
           <a:p>
-            <a:pPr indent="0" lvl="0" marL="0" rtl="0" algn="r">
+            <a:pPr marL="0" lvl="0" indent="0" algn="r" rtl="0">
               <a:spcBef>
                 <a:spcPts val="0"/>
               </a:spcBef>
@@ -4853,11 +4998,11 @@
 </file>
 
 <file path=ppt/slideLayouts/slideLayout6.xml><?xml version="1.0" encoding="utf-8"?>
-<p:sldLayout xmlns:a="http://schemas.openxmlformats.org/drawingml/2006/main" xmlns:r="http://schemas.openxmlformats.org/officeDocument/2006/relationships" xmlns:mc="http://schemas.openxmlformats.org/markup-compatibility/2006" xmlns:mv="urn:schemas-microsoft-com:mac:vml" xmlns:p="http://schemas.openxmlformats.org/presentationml/2006/main" xmlns:c="http://schemas.openxmlformats.org/drawingml/2006/chart" xmlns:dgm="http://schemas.openxmlformats.org/drawingml/2006/diagram" xmlns:o="urn:schemas-microsoft-com:office:office" xmlns:v="urn:schemas-microsoft-com:vml" xmlns:pvml="urn:schemas-microsoft-com:office:powerpoint" xmlns:com="http://schemas.openxmlformats.org/drawingml/2006/compatibility" xmlns:p14="http://schemas.microsoft.com/office/powerpoint/2010/main" xmlns:p15="http://schemas.microsoft.com/office/powerpoint/2012/main" xmlns:ahyp="http://schemas.microsoft.com/office/drawing/2018/hyperlinkcolor" matchingName="One column text">
+<p:sldLayout xmlns:a="http://schemas.openxmlformats.org/drawingml/2006/main" xmlns:r="http://schemas.openxmlformats.org/officeDocument/2006/relationships" xmlns:p="http://schemas.openxmlformats.org/presentationml/2006/main" matchingName="One column text">
   <p:cSld name="ONE_COLUMN_TEXT">
     <p:spTree>
       <p:nvGrpSpPr>
-        <p:cNvPr id="36" name="Shape 36"/>
+        <p:cNvPr id="1" name="Shape 36"/>
         <p:cNvGrpSpPr/>
         <p:nvPr/>
       </p:nvGrpSpPr>
@@ -4891,12 +5036,12 @@
           </a:ln>
         </p:spPr>
         <p:txBody>
-          <a:bodyPr anchorCtr="0" anchor="ctr" bIns="91425" lIns="91425" spcFirstLastPara="1" rIns="91425" wrap="square" tIns="91425">
+          <a:bodyPr spcFirstLastPara="1" wrap="square" lIns="91425" tIns="91425" rIns="91425" bIns="91425" anchor="ctr" anchorCtr="0">
             <a:noAutofit/>
           </a:bodyPr>
           <a:lstStyle/>
           <a:p>
-            <a:pPr indent="0" lvl="0" marL="0" rtl="0" algn="l">
+            <a:pPr marL="0" lvl="0" indent="0" algn="l" rtl="0">
               <a:spcBef>
                 <a:spcPts val="0"/>
               </a:spcBef>
@@ -4905,9 +5050,6 @@
               </a:spcAft>
               <a:buNone/>
             </a:pPr>
-            <a:r>
-              <a:t/>
-            </a:r>
             <a:endParaRPr/>
           </a:p>
         </p:txBody>
@@ -4915,7 +5057,9 @@
       <p:sp>
         <p:nvSpPr>
           <p:cNvPr id="38" name="Google Shape;38;p7"/>
-          <p:cNvSpPr txBox="1"/>
+          <p:cNvSpPr txBox="1">
+            <a:spLocks noGrp="1"/>
+          </p:cNvSpPr>
           <p:nvPr>
             <p:ph type="title"/>
           </p:nvPr>
@@ -4930,7 +5074,7 @@
           </a:prstGeom>
         </p:spPr>
         <p:txBody>
-          <a:bodyPr anchorCtr="0" anchor="t" bIns="91425" lIns="91425" spcFirstLastPara="1" rIns="91425" wrap="square" tIns="91425">
+          <a:bodyPr spcFirstLastPara="1" wrap="square" lIns="91425" tIns="91425" rIns="91425" bIns="91425" anchor="t" anchorCtr="0">
             <a:normAutofit/>
           </a:bodyPr>
           <a:lstStyle>
@@ -5097,15 +5241,19 @@
               </a:defRPr>
             </a:lvl9pPr>
           </a:lstStyle>
-          <a:p/>
+          <a:p>
+            <a:endParaRPr/>
+          </a:p>
         </p:txBody>
       </p:sp>
       <p:sp>
         <p:nvSpPr>
           <p:cNvPr id="39" name="Google Shape;39;p7"/>
-          <p:cNvSpPr txBox="1"/>
+          <p:cNvSpPr txBox="1">
+            <a:spLocks noGrp="1"/>
+          </p:cNvSpPr>
           <p:nvPr>
-            <p:ph idx="1" type="body"/>
+            <p:ph type="body" idx="1"/>
           </p:nvPr>
         </p:nvSpPr>
         <p:spPr>
@@ -5118,11 +5266,11 @@
           </a:prstGeom>
         </p:spPr>
         <p:txBody>
-          <a:bodyPr anchorCtr="0" anchor="t" bIns="91425" lIns="91425" spcFirstLastPara="1" rIns="91425" wrap="square" tIns="91425">
+          <a:bodyPr spcFirstLastPara="1" wrap="square" lIns="91425" tIns="91425" rIns="91425" bIns="91425" anchor="t" anchorCtr="0">
             <a:normAutofit/>
           </a:bodyPr>
           <a:lstStyle>
-            <a:lvl1pPr indent="-311150" lvl="0" marL="457200">
+            <a:lvl1pPr marL="457200" lvl="0" indent="-311150">
               <a:spcBef>
                 <a:spcPts val="0"/>
               </a:spcBef>
@@ -5140,7 +5288,7 @@
                 </a:solidFill>
               </a:defRPr>
             </a:lvl1pPr>
-            <a:lvl2pPr indent="-298450" lvl="1" marL="914400">
+            <a:lvl2pPr marL="914400" lvl="1" indent="-298450">
               <a:spcBef>
                 <a:spcPts val="0"/>
               </a:spcBef>
@@ -5158,7 +5306,7 @@
                 </a:solidFill>
               </a:defRPr>
             </a:lvl2pPr>
-            <a:lvl3pPr indent="-298450" lvl="2" marL="1371600">
+            <a:lvl3pPr marL="1371600" lvl="2" indent="-298450">
               <a:spcBef>
                 <a:spcPts val="0"/>
               </a:spcBef>
@@ -5176,7 +5324,7 @@
                 </a:solidFill>
               </a:defRPr>
             </a:lvl3pPr>
-            <a:lvl4pPr indent="-298450" lvl="3" marL="1828800">
+            <a:lvl4pPr marL="1828800" lvl="3" indent="-298450">
               <a:spcBef>
                 <a:spcPts val="0"/>
               </a:spcBef>
@@ -5194,7 +5342,7 @@
                 </a:solidFill>
               </a:defRPr>
             </a:lvl4pPr>
-            <a:lvl5pPr indent="-298450" lvl="4" marL="2286000">
+            <a:lvl5pPr marL="2286000" lvl="4" indent="-298450">
               <a:spcBef>
                 <a:spcPts val="0"/>
               </a:spcBef>
@@ -5212,7 +5360,7 @@
                 </a:solidFill>
               </a:defRPr>
             </a:lvl5pPr>
-            <a:lvl6pPr indent="-298450" lvl="5" marL="2743200">
+            <a:lvl6pPr marL="2743200" lvl="5" indent="-298450">
               <a:spcBef>
                 <a:spcPts val="0"/>
               </a:spcBef>
@@ -5230,7 +5378,7 @@
                 </a:solidFill>
               </a:defRPr>
             </a:lvl6pPr>
-            <a:lvl7pPr indent="-298450" lvl="6" marL="3200400">
+            <a:lvl7pPr marL="3200400" lvl="6" indent="-298450">
               <a:spcBef>
                 <a:spcPts val="0"/>
               </a:spcBef>
@@ -5248,7 +5396,7 @@
                 </a:solidFill>
               </a:defRPr>
             </a:lvl7pPr>
-            <a:lvl8pPr indent="-298450" lvl="7" marL="3657600">
+            <a:lvl8pPr marL="3657600" lvl="7" indent="-298450">
               <a:spcBef>
                 <a:spcPts val="0"/>
               </a:spcBef>
@@ -5266,7 +5414,7 @@
                 </a:solidFill>
               </a:defRPr>
             </a:lvl8pPr>
-            <a:lvl9pPr indent="-298450" lvl="8" marL="4114800">
+            <a:lvl9pPr marL="4114800" lvl="8" indent="-298450">
               <a:spcBef>
                 <a:spcPts val="0"/>
               </a:spcBef>
@@ -5285,15 +5433,19 @@
               </a:defRPr>
             </a:lvl9pPr>
           </a:lstStyle>
-          <a:p/>
+          <a:p>
+            <a:endParaRPr/>
+          </a:p>
         </p:txBody>
       </p:sp>
       <p:sp>
         <p:nvSpPr>
           <p:cNvPr id="40" name="Google Shape;40;p7"/>
-          <p:cNvSpPr txBox="1"/>
+          <p:cNvSpPr txBox="1">
+            <a:spLocks noGrp="1"/>
+          </p:cNvSpPr>
           <p:nvPr>
-            <p:ph idx="12" type="sldNum"/>
+            <p:ph type="sldNum" idx="12"/>
           </p:nvPr>
         </p:nvSpPr>
         <p:spPr>
@@ -5306,7 +5458,7 @@
           </a:prstGeom>
         </p:spPr>
         <p:txBody>
-          <a:bodyPr anchorCtr="0" anchor="ctr" bIns="91425" lIns="91425" spcFirstLastPara="1" rIns="91425" wrap="square" tIns="91425">
+          <a:bodyPr spcFirstLastPara="1" wrap="square" lIns="91425" tIns="91425" rIns="91425" bIns="91425" anchor="ctr" anchorCtr="0">
             <a:normAutofit/>
           </a:bodyPr>
           <a:lstStyle>
@@ -5348,7 +5500,7 @@
             </a:lvl9pPr>
           </a:lstStyle>
           <a:p>
-            <a:pPr indent="0" lvl="0" marL="0" rtl="0" algn="r">
+            <a:pPr marL="0" lvl="0" indent="0" algn="r" rtl="0">
               <a:spcBef>
                 <a:spcPts val="0"/>
               </a:spcBef>
@@ -5374,18 +5526,19 @@
 </file>
 
 <file path=ppt/slideLayouts/slideLayout7.xml><?xml version="1.0" encoding="utf-8"?>
-<p:sldLayout xmlns:a="http://schemas.openxmlformats.org/drawingml/2006/main" xmlns:r="http://schemas.openxmlformats.org/officeDocument/2006/relationships" xmlns:mc="http://schemas.openxmlformats.org/markup-compatibility/2006" xmlns:mv="urn:schemas-microsoft-com:mac:vml" xmlns:p="http://schemas.openxmlformats.org/presentationml/2006/main" xmlns:c="http://schemas.openxmlformats.org/drawingml/2006/chart" xmlns:dgm="http://schemas.openxmlformats.org/drawingml/2006/diagram" xmlns:o="urn:schemas-microsoft-com:office:office" xmlns:v="urn:schemas-microsoft-com:vml" xmlns:pvml="urn:schemas-microsoft-com:office:powerpoint" xmlns:com="http://schemas.openxmlformats.org/drawingml/2006/compatibility" xmlns:p14="http://schemas.microsoft.com/office/powerpoint/2010/main" xmlns:p15="http://schemas.microsoft.com/office/powerpoint/2012/main" xmlns:ahyp="http://schemas.microsoft.com/office/drawing/2018/hyperlinkcolor" matchingName="Main point">
+<p:sldLayout xmlns:a="http://schemas.openxmlformats.org/drawingml/2006/main" xmlns:r="http://schemas.openxmlformats.org/officeDocument/2006/relationships" xmlns:p="http://schemas.openxmlformats.org/presentationml/2006/main" matchingName="Main point">
   <p:cSld name="MAIN_POINT">
     <p:bg>
       <p:bgPr>
         <a:solidFill>
           <a:schemeClr val="accent3"/>
         </a:solidFill>
+        <a:effectLst/>
       </p:bgPr>
     </p:bg>
     <p:spTree>
       <p:nvGrpSpPr>
-        <p:cNvPr id="41" name="Shape 41"/>
+        <p:cNvPr id="1" name="Shape 41"/>
         <p:cNvGrpSpPr/>
         <p:nvPr/>
       </p:nvGrpSpPr>
@@ -5400,7 +5553,9 @@
       <p:sp>
         <p:nvSpPr>
           <p:cNvPr id="42" name="Google Shape;42;p8"/>
-          <p:cNvSpPr txBox="1"/>
+          <p:cNvSpPr txBox="1">
+            <a:spLocks noGrp="1"/>
+          </p:cNvSpPr>
           <p:nvPr>
             <p:ph type="title"/>
           </p:nvPr>
@@ -5415,7 +5570,7 @@
           </a:prstGeom>
         </p:spPr>
         <p:txBody>
-          <a:bodyPr anchorCtr="0" anchor="ctr" bIns="91425" lIns="91425" spcFirstLastPara="1" rIns="91425" wrap="square" tIns="91425">
+          <a:bodyPr spcFirstLastPara="1" wrap="square" lIns="91425" tIns="91425" rIns="91425" bIns="91425" anchor="ctr" anchorCtr="0">
             <a:normAutofit/>
           </a:bodyPr>
           <a:lstStyle>
@@ -5519,15 +5674,19 @@
               <a:defRPr sz="3600"/>
             </a:lvl9pPr>
           </a:lstStyle>
-          <a:p/>
+          <a:p>
+            <a:endParaRPr/>
+          </a:p>
         </p:txBody>
       </p:sp>
       <p:sp>
         <p:nvSpPr>
           <p:cNvPr id="43" name="Google Shape;43;p8"/>
-          <p:cNvSpPr txBox="1"/>
+          <p:cNvSpPr txBox="1">
+            <a:spLocks noGrp="1"/>
+          </p:cNvSpPr>
           <p:nvPr>
-            <p:ph idx="12" type="sldNum"/>
+            <p:ph type="sldNum" idx="12"/>
           </p:nvPr>
         </p:nvSpPr>
         <p:spPr>
@@ -5540,7 +5699,7 @@
           </a:prstGeom>
         </p:spPr>
         <p:txBody>
-          <a:bodyPr anchorCtr="0" anchor="ctr" bIns="91425" lIns="91425" spcFirstLastPara="1" rIns="91425" wrap="square" tIns="91425">
+          <a:bodyPr spcFirstLastPara="1" wrap="square" lIns="91425" tIns="91425" rIns="91425" bIns="91425" anchor="ctr" anchorCtr="0">
             <a:normAutofit/>
           </a:bodyPr>
           <a:lstStyle>
@@ -5618,7 +5777,7 @@
             </a:lvl9pPr>
           </a:lstStyle>
           <a:p>
-            <a:pPr indent="0" lvl="0" marL="0" rtl="0" algn="r">
+            <a:pPr marL="0" lvl="0" indent="0" algn="r" rtl="0">
               <a:spcBef>
                 <a:spcPts val="0"/>
               </a:spcBef>
@@ -5644,11 +5803,11 @@
 </file>
 
 <file path=ppt/slideLayouts/slideLayout8.xml><?xml version="1.0" encoding="utf-8"?>
-<p:sldLayout xmlns:a="http://schemas.openxmlformats.org/drawingml/2006/main" xmlns:r="http://schemas.openxmlformats.org/officeDocument/2006/relationships" xmlns:mc="http://schemas.openxmlformats.org/markup-compatibility/2006" xmlns:mv="urn:schemas-microsoft-com:mac:vml" xmlns:p="http://schemas.openxmlformats.org/presentationml/2006/main" xmlns:c="http://schemas.openxmlformats.org/drawingml/2006/chart" xmlns:dgm="http://schemas.openxmlformats.org/drawingml/2006/diagram" xmlns:o="urn:schemas-microsoft-com:office:office" xmlns:v="urn:schemas-microsoft-com:vml" xmlns:pvml="urn:schemas-microsoft-com:office:powerpoint" xmlns:com="http://schemas.openxmlformats.org/drawingml/2006/compatibility" xmlns:p14="http://schemas.microsoft.com/office/powerpoint/2010/main" xmlns:p15="http://schemas.microsoft.com/office/powerpoint/2012/main" xmlns:ahyp="http://schemas.microsoft.com/office/drawing/2018/hyperlinkcolor" matchingName="Section title and description">
+<p:sldLayout xmlns:a="http://schemas.openxmlformats.org/drawingml/2006/main" xmlns:r="http://schemas.openxmlformats.org/officeDocument/2006/relationships" xmlns:p="http://schemas.openxmlformats.org/presentationml/2006/main" matchingName="Section title and description">
   <p:cSld name="SECTION_TITLE_AND_DESCRIPTION">
     <p:spTree>
       <p:nvGrpSpPr>
-        <p:cNvPr id="44" name="Shape 44"/>
+        <p:cNvPr id="1" name="Shape 44"/>
         <p:cNvGrpSpPr/>
         <p:nvPr/>
       </p:nvGrpSpPr>
@@ -5682,12 +5841,12 @@
           </a:ln>
         </p:spPr>
         <p:txBody>
-          <a:bodyPr anchorCtr="0" anchor="ctr" bIns="91425" lIns="91425" spcFirstLastPara="1" rIns="91425" wrap="square" tIns="91425">
+          <a:bodyPr spcFirstLastPara="1" wrap="square" lIns="91425" tIns="91425" rIns="91425" bIns="91425" anchor="ctr" anchorCtr="0">
             <a:noAutofit/>
           </a:bodyPr>
           <a:lstStyle/>
           <a:p>
-            <a:pPr indent="0" lvl="0" marL="0" rtl="0" algn="l">
+            <a:pPr marL="0" lvl="0" indent="0" algn="l" rtl="0">
               <a:spcBef>
                 <a:spcPts val="0"/>
               </a:spcBef>
@@ -5696,9 +5855,6 @@
               </a:spcAft>
               <a:buNone/>
             </a:pPr>
-            <a:r>
-              <a:t/>
-            </a:r>
             <a:endParaRPr/>
           </a:p>
         </p:txBody>
@@ -5706,7 +5862,9 @@
       <p:sp>
         <p:nvSpPr>
           <p:cNvPr id="46" name="Google Shape;46;p9"/>
-          <p:cNvSpPr txBox="1"/>
+          <p:cNvSpPr txBox="1">
+            <a:spLocks noGrp="1"/>
+          </p:cNvSpPr>
           <p:nvPr>
             <p:ph type="title"/>
           </p:nvPr>
@@ -5721,7 +5879,7 @@
           </a:prstGeom>
         </p:spPr>
         <p:txBody>
-          <a:bodyPr anchorCtr="0" anchor="t" bIns="91425" lIns="91425" spcFirstLastPara="1" rIns="91425" wrap="square" tIns="91425">
+          <a:bodyPr spcFirstLastPara="1" wrap="square" lIns="91425" tIns="91425" rIns="91425" bIns="91425" anchor="t" anchorCtr="0">
             <a:normAutofit/>
           </a:bodyPr>
           <a:lstStyle>
@@ -5888,15 +6046,19 @@
               </a:defRPr>
             </a:lvl9pPr>
           </a:lstStyle>
-          <a:p/>
+          <a:p>
+            <a:endParaRPr/>
+          </a:p>
         </p:txBody>
       </p:sp>
       <p:sp>
         <p:nvSpPr>
           <p:cNvPr id="47" name="Google Shape;47;p9"/>
-          <p:cNvSpPr txBox="1"/>
+          <p:cNvSpPr txBox="1">
+            <a:spLocks noGrp="1"/>
+          </p:cNvSpPr>
           <p:nvPr>
-            <p:ph idx="1" type="subTitle"/>
+            <p:ph type="subTitle" idx="1"/>
           </p:nvPr>
         </p:nvSpPr>
         <p:spPr>
@@ -5909,7 +6071,7 @@
           </a:prstGeom>
         </p:spPr>
         <p:txBody>
-          <a:bodyPr anchorCtr="0" anchor="t" bIns="91425" lIns="91425" spcFirstLastPara="1" rIns="91425" wrap="square" tIns="91425">
+          <a:bodyPr spcFirstLastPara="1" wrap="square" lIns="91425" tIns="91425" rIns="91425" bIns="91425" anchor="t" anchorCtr="0">
             <a:normAutofit/>
           </a:bodyPr>
           <a:lstStyle>
@@ -6103,15 +6265,19 @@
               </a:defRPr>
             </a:lvl9pPr>
           </a:lstStyle>
-          <a:p/>
+          <a:p>
+            <a:endParaRPr/>
+          </a:p>
         </p:txBody>
       </p:sp>
       <p:sp>
         <p:nvSpPr>
           <p:cNvPr id="48" name="Google Shape;48;p9"/>
-          <p:cNvSpPr txBox="1"/>
+          <p:cNvSpPr txBox="1">
+            <a:spLocks noGrp="1"/>
+          </p:cNvSpPr>
           <p:nvPr>
-            <p:ph idx="2" type="body"/>
+            <p:ph type="body" idx="2"/>
           </p:nvPr>
         </p:nvSpPr>
         <p:spPr>
@@ -6124,11 +6290,11 @@
           </a:prstGeom>
         </p:spPr>
         <p:txBody>
-          <a:bodyPr anchorCtr="0" anchor="t" bIns="91425" lIns="91425" spcFirstLastPara="1" rIns="91425" wrap="square" tIns="91425">
+          <a:bodyPr spcFirstLastPara="1" wrap="square" lIns="91425" tIns="91425" rIns="91425" bIns="91425" anchor="t" anchorCtr="0">
             <a:normAutofit/>
           </a:bodyPr>
           <a:lstStyle>
-            <a:lvl1pPr indent="-311150" lvl="0" marL="457200">
+            <a:lvl1pPr marL="457200" lvl="0" indent="-311150">
               <a:spcBef>
                 <a:spcPts val="0"/>
               </a:spcBef>
@@ -6139,7 +6305,7 @@
               <a:buChar char="●"/>
               <a:defRPr/>
             </a:lvl1pPr>
-            <a:lvl2pPr indent="-298450" lvl="1" marL="914400">
+            <a:lvl2pPr marL="914400" lvl="1" indent="-298450">
               <a:spcBef>
                 <a:spcPts val="0"/>
               </a:spcBef>
@@ -6150,7 +6316,7 @@
               <a:buChar char="○"/>
               <a:defRPr/>
             </a:lvl2pPr>
-            <a:lvl3pPr indent="-298450" lvl="2" marL="1371600">
+            <a:lvl3pPr marL="1371600" lvl="2" indent="-298450">
               <a:spcBef>
                 <a:spcPts val="0"/>
               </a:spcBef>
@@ -6161,7 +6327,7 @@
               <a:buChar char="■"/>
               <a:defRPr/>
             </a:lvl3pPr>
-            <a:lvl4pPr indent="-298450" lvl="3" marL="1828800">
+            <a:lvl4pPr marL="1828800" lvl="3" indent="-298450">
               <a:spcBef>
                 <a:spcPts val="0"/>
               </a:spcBef>
@@ -6172,7 +6338,7 @@
               <a:buChar char="●"/>
               <a:defRPr/>
             </a:lvl4pPr>
-            <a:lvl5pPr indent="-298450" lvl="4" marL="2286000">
+            <a:lvl5pPr marL="2286000" lvl="4" indent="-298450">
               <a:spcBef>
                 <a:spcPts val="0"/>
               </a:spcBef>
@@ -6183,7 +6349,7 @@
               <a:buChar char="○"/>
               <a:defRPr/>
             </a:lvl5pPr>
-            <a:lvl6pPr indent="-298450" lvl="5" marL="2743200">
+            <a:lvl6pPr marL="2743200" lvl="5" indent="-298450">
               <a:spcBef>
                 <a:spcPts val="0"/>
               </a:spcBef>
@@ -6194,7 +6360,7 @@
               <a:buChar char="■"/>
               <a:defRPr/>
             </a:lvl6pPr>
-            <a:lvl7pPr indent="-298450" lvl="6" marL="3200400">
+            <a:lvl7pPr marL="3200400" lvl="6" indent="-298450">
               <a:spcBef>
                 <a:spcPts val="0"/>
               </a:spcBef>
@@ -6205,7 +6371,7 @@
               <a:buChar char="●"/>
               <a:defRPr/>
             </a:lvl7pPr>
-            <a:lvl8pPr indent="-298450" lvl="7" marL="3657600">
+            <a:lvl8pPr marL="3657600" lvl="7" indent="-298450">
               <a:spcBef>
                 <a:spcPts val="0"/>
               </a:spcBef>
@@ -6216,7 +6382,7 @@
               <a:buChar char="○"/>
               <a:defRPr/>
             </a:lvl8pPr>
-            <a:lvl9pPr indent="-298450" lvl="8" marL="4114800">
+            <a:lvl9pPr marL="4114800" lvl="8" indent="-298450">
               <a:spcBef>
                 <a:spcPts val="0"/>
               </a:spcBef>
@@ -6228,15 +6394,19 @@
               <a:defRPr/>
             </a:lvl9pPr>
           </a:lstStyle>
-          <a:p/>
+          <a:p>
+            <a:endParaRPr/>
+          </a:p>
         </p:txBody>
       </p:sp>
       <p:sp>
         <p:nvSpPr>
           <p:cNvPr id="49" name="Google Shape;49;p9"/>
-          <p:cNvSpPr txBox="1"/>
+          <p:cNvSpPr txBox="1">
+            <a:spLocks noGrp="1"/>
+          </p:cNvSpPr>
           <p:nvPr>
-            <p:ph idx="12" type="sldNum"/>
+            <p:ph type="sldNum" idx="12"/>
           </p:nvPr>
         </p:nvSpPr>
         <p:spPr>
@@ -6249,7 +6419,7 @@
           </a:prstGeom>
         </p:spPr>
         <p:txBody>
-          <a:bodyPr anchorCtr="0" anchor="ctr" bIns="91425" lIns="91425" spcFirstLastPara="1" rIns="91425" wrap="square" tIns="91425">
+          <a:bodyPr spcFirstLastPara="1" wrap="square" lIns="91425" tIns="91425" rIns="91425" bIns="91425" anchor="ctr" anchorCtr="0">
             <a:normAutofit/>
           </a:bodyPr>
           <a:lstStyle>
@@ -6291,7 +6461,7 @@
             </a:lvl9pPr>
           </a:lstStyle>
           <a:p>
-            <a:pPr indent="0" lvl="0" marL="0" rtl="0" algn="r">
+            <a:pPr marL="0" lvl="0" indent="0" algn="r" rtl="0">
               <a:spcBef>
                 <a:spcPts val="0"/>
               </a:spcBef>
@@ -6317,11 +6487,11 @@
 </file>
 
 <file path=ppt/slideLayouts/slideLayout9.xml><?xml version="1.0" encoding="utf-8"?>
-<p:sldLayout xmlns:a="http://schemas.openxmlformats.org/drawingml/2006/main" xmlns:r="http://schemas.openxmlformats.org/officeDocument/2006/relationships" xmlns:mc="http://schemas.openxmlformats.org/markup-compatibility/2006" xmlns:mv="urn:schemas-microsoft-com:mac:vml" xmlns:p="http://schemas.openxmlformats.org/presentationml/2006/main" xmlns:c="http://schemas.openxmlformats.org/drawingml/2006/chart" xmlns:dgm="http://schemas.openxmlformats.org/drawingml/2006/diagram" xmlns:o="urn:schemas-microsoft-com:office:office" xmlns:v="urn:schemas-microsoft-com:vml" xmlns:pvml="urn:schemas-microsoft-com:office:powerpoint" xmlns:com="http://schemas.openxmlformats.org/drawingml/2006/compatibility" xmlns:p14="http://schemas.microsoft.com/office/powerpoint/2010/main" xmlns:p15="http://schemas.microsoft.com/office/powerpoint/2012/main" xmlns:ahyp="http://schemas.microsoft.com/office/drawing/2018/hyperlinkcolor" matchingName="Caption">
+<p:sldLayout xmlns:a="http://schemas.openxmlformats.org/drawingml/2006/main" xmlns:r="http://schemas.openxmlformats.org/officeDocument/2006/relationships" xmlns:p="http://schemas.openxmlformats.org/presentationml/2006/main" matchingName="Caption">
   <p:cSld name="CAPTION_ONLY">
     <p:spTree>
       <p:nvGrpSpPr>
-        <p:cNvPr id="50" name="Shape 50"/>
+        <p:cNvPr id="1" name="Shape 50"/>
         <p:cNvGrpSpPr/>
         <p:nvPr/>
       </p:nvGrpSpPr>
@@ -6355,12 +6525,12 @@
           </a:ln>
         </p:spPr>
         <p:txBody>
-          <a:bodyPr anchorCtr="0" anchor="ctr" bIns="91425" lIns="91425" spcFirstLastPara="1" rIns="91425" wrap="square" tIns="91425">
+          <a:bodyPr spcFirstLastPara="1" wrap="square" lIns="91425" tIns="91425" rIns="91425" bIns="91425" anchor="ctr" anchorCtr="0">
             <a:noAutofit/>
           </a:bodyPr>
           <a:lstStyle/>
           <a:p>
-            <a:pPr indent="0" lvl="0" marL="0" rtl="0" algn="l">
+            <a:pPr marL="0" lvl="0" indent="0" algn="l" rtl="0">
               <a:spcBef>
                 <a:spcPts val="0"/>
               </a:spcBef>
@@ -6369,9 +6539,6 @@
               </a:spcAft>
               <a:buNone/>
             </a:pPr>
-            <a:r>
-              <a:t/>
-            </a:r>
             <a:endParaRPr/>
           </a:p>
         </p:txBody>
@@ -6379,9 +6546,11 @@
       <p:sp>
         <p:nvSpPr>
           <p:cNvPr id="52" name="Google Shape;52;p10"/>
-          <p:cNvSpPr txBox="1"/>
+          <p:cNvSpPr txBox="1">
+            <a:spLocks noGrp="1"/>
+          </p:cNvSpPr>
           <p:nvPr>
-            <p:ph idx="1" type="body"/>
+            <p:ph type="body" idx="1"/>
           </p:nvPr>
         </p:nvSpPr>
         <p:spPr>
@@ -6394,11 +6563,11 @@
           </a:prstGeom>
         </p:spPr>
         <p:txBody>
-          <a:bodyPr anchorCtr="0" anchor="ctr" bIns="91425" lIns="91425" spcFirstLastPara="1" rIns="91425" wrap="square" tIns="91425">
+          <a:bodyPr spcFirstLastPara="1" wrap="square" lIns="91425" tIns="91425" rIns="91425" bIns="91425" anchor="ctr" anchorCtr="0">
             <a:normAutofit/>
           </a:bodyPr>
           <a:lstStyle>
-            <a:lvl1pPr indent="-228600" lvl="0" marL="457200">
+            <a:lvl1pPr marL="457200" lvl="0" indent="-228600">
               <a:lnSpc>
                 <a:spcPct val="100000"/>
               </a:lnSpc>
@@ -6425,15 +6594,19 @@
               </a:defRPr>
             </a:lvl1pPr>
           </a:lstStyle>
-          <a:p/>
+          <a:p>
+            <a:endParaRPr/>
+          </a:p>
         </p:txBody>
       </p:sp>
       <p:sp>
         <p:nvSpPr>
           <p:cNvPr id="53" name="Google Shape;53;p10"/>
-          <p:cNvSpPr txBox="1"/>
+          <p:cNvSpPr txBox="1">
+            <a:spLocks noGrp="1"/>
+          </p:cNvSpPr>
           <p:nvPr>
-            <p:ph idx="12" type="sldNum"/>
+            <p:ph type="sldNum" idx="12"/>
           </p:nvPr>
         </p:nvSpPr>
         <p:spPr>
@@ -6446,7 +6619,7 @@
           </a:prstGeom>
         </p:spPr>
         <p:txBody>
-          <a:bodyPr anchorCtr="0" anchor="ctr" bIns="91425" lIns="91425" spcFirstLastPara="1" rIns="91425" wrap="square" tIns="91425">
+          <a:bodyPr spcFirstLastPara="1" wrap="square" lIns="91425" tIns="91425" rIns="91425" bIns="91425" anchor="ctr" anchorCtr="0">
             <a:normAutofit/>
           </a:bodyPr>
           <a:lstStyle>
@@ -6524,7 +6697,7 @@
             </a:lvl9pPr>
           </a:lstStyle>
           <a:p>
-            <a:pPr indent="0" lvl="0" marL="0" rtl="0" algn="r">
+            <a:pPr marL="0" lvl="0" indent="0" algn="r" rtl="0">
               <a:spcBef>
                 <a:spcPts val="0"/>
               </a:spcBef>
@@ -6550,18 +6723,19 @@
 </file>
 
 <file path=ppt/slideMasters/slideMaster1.xml><?xml version="1.0" encoding="utf-8"?>
-<p:sldMaster xmlns:a="http://schemas.openxmlformats.org/drawingml/2006/main" xmlns:r="http://schemas.openxmlformats.org/officeDocument/2006/relationships" xmlns:mc="http://schemas.openxmlformats.org/markup-compatibility/2006" xmlns:mv="urn:schemas-microsoft-com:mac:vml" xmlns:p="http://schemas.openxmlformats.org/presentationml/2006/main" xmlns:c="http://schemas.openxmlformats.org/drawingml/2006/chart" xmlns:dgm="http://schemas.openxmlformats.org/drawingml/2006/diagram" xmlns:o="urn:schemas-microsoft-com:office:office" xmlns:v="urn:schemas-microsoft-com:vml" xmlns:pvml="urn:schemas-microsoft-com:office:powerpoint" xmlns:com="http://schemas.openxmlformats.org/drawingml/2006/compatibility" xmlns:p14="http://schemas.microsoft.com/office/powerpoint/2010/main" xmlns:p15="http://schemas.microsoft.com/office/powerpoint/2012/main" xmlns:ahyp="http://schemas.microsoft.com/office/drawing/2018/hyperlinkcolor">
+<p:sldMaster xmlns:a="http://schemas.openxmlformats.org/drawingml/2006/main" xmlns:r="http://schemas.openxmlformats.org/officeDocument/2006/relationships" xmlns:p="http://schemas.openxmlformats.org/presentationml/2006/main">
   <p:cSld name="paradigm">
     <p:bg>
       <p:bgPr>
         <a:solidFill>
           <a:schemeClr val="lt1"/>
         </a:solidFill>
+        <a:effectLst/>
       </p:bgPr>
     </p:bg>
     <p:spTree>
       <p:nvGrpSpPr>
-        <p:cNvPr id="5" name="Shape 5"/>
+        <p:cNvPr id="1" name="Shape 5"/>
         <p:cNvGrpSpPr/>
         <p:nvPr/>
       </p:nvGrpSpPr>
@@ -6576,7 +6750,9 @@
       <p:sp>
         <p:nvSpPr>
           <p:cNvPr id="6" name="Google Shape;6;p1"/>
-          <p:cNvSpPr txBox="1"/>
+          <p:cNvSpPr txBox="1">
+            <a:spLocks noGrp="1"/>
+          </p:cNvSpPr>
           <p:nvPr>
             <p:ph type="title"/>
           </p:nvPr>
@@ -6595,7 +6771,7 @@
           </a:ln>
         </p:spPr>
         <p:txBody>
-          <a:bodyPr anchorCtr="0" anchor="t" bIns="91425" lIns="91425" spcFirstLastPara="1" rIns="91425" wrap="square" tIns="91425">
+          <a:bodyPr spcFirstLastPara="1" wrap="square" lIns="91425" tIns="91425" rIns="91425" bIns="91425" anchor="t" anchorCtr="0">
             <a:normAutofit/>
           </a:bodyPr>
           <a:lstStyle>
@@ -6807,15 +6983,19 @@
               </a:defRPr>
             </a:lvl9pPr>
           </a:lstStyle>
-          <a:p/>
+          <a:p>
+            <a:endParaRPr/>
+          </a:p>
         </p:txBody>
       </p:sp>
       <p:sp>
         <p:nvSpPr>
           <p:cNvPr id="7" name="Google Shape;7;p1"/>
-          <p:cNvSpPr txBox="1"/>
+          <p:cNvSpPr txBox="1">
+            <a:spLocks noGrp="1"/>
+          </p:cNvSpPr>
           <p:nvPr>
-            <p:ph idx="1" type="body"/>
+            <p:ph type="body" idx="1"/>
           </p:nvPr>
         </p:nvSpPr>
         <p:spPr>
@@ -6832,11 +7012,11 @@
           </a:ln>
         </p:spPr>
         <p:txBody>
-          <a:bodyPr anchorCtr="0" anchor="t" bIns="91425" lIns="91425" spcFirstLastPara="1" rIns="91425" wrap="square" tIns="91425">
+          <a:bodyPr spcFirstLastPara="1" wrap="square" lIns="91425" tIns="91425" rIns="91425" bIns="91425" anchor="t" anchorCtr="0">
             <a:normAutofit/>
           </a:bodyPr>
           <a:lstStyle>
-            <a:lvl1pPr indent="-311150" lvl="0" marL="457200">
+            <a:lvl1pPr marL="457200" lvl="0" indent="-311150">
               <a:lnSpc>
                 <a:spcPct val="115000"/>
               </a:lnSpc>
@@ -6862,7 +7042,7 @@
                 <a:sym typeface="Roboto"/>
               </a:defRPr>
             </a:lvl1pPr>
-            <a:lvl2pPr indent="-298450" lvl="1" marL="914400">
+            <a:lvl2pPr marL="914400" lvl="1" indent="-298450">
               <a:lnSpc>
                 <a:spcPct val="115000"/>
               </a:lnSpc>
@@ -6888,7 +7068,7 @@
                 <a:sym typeface="Roboto"/>
               </a:defRPr>
             </a:lvl2pPr>
-            <a:lvl3pPr indent="-298450" lvl="2" marL="1371600">
+            <a:lvl3pPr marL="1371600" lvl="2" indent="-298450">
               <a:lnSpc>
                 <a:spcPct val="115000"/>
               </a:lnSpc>
@@ -6914,7 +7094,7 @@
                 <a:sym typeface="Roboto"/>
               </a:defRPr>
             </a:lvl3pPr>
-            <a:lvl4pPr indent="-298450" lvl="3" marL="1828800">
+            <a:lvl4pPr marL="1828800" lvl="3" indent="-298450">
               <a:lnSpc>
                 <a:spcPct val="115000"/>
               </a:lnSpc>
@@ -6940,7 +7120,7 @@
                 <a:sym typeface="Roboto"/>
               </a:defRPr>
             </a:lvl4pPr>
-            <a:lvl5pPr indent="-298450" lvl="4" marL="2286000">
+            <a:lvl5pPr marL="2286000" lvl="4" indent="-298450">
               <a:lnSpc>
                 <a:spcPct val="115000"/>
               </a:lnSpc>
@@ -6966,7 +7146,7 @@
                 <a:sym typeface="Roboto"/>
               </a:defRPr>
             </a:lvl5pPr>
-            <a:lvl6pPr indent="-298450" lvl="5" marL="2743200">
+            <a:lvl6pPr marL="2743200" lvl="5" indent="-298450">
               <a:lnSpc>
                 <a:spcPct val="115000"/>
               </a:lnSpc>
@@ -6992,7 +7172,7 @@
                 <a:sym typeface="Roboto"/>
               </a:defRPr>
             </a:lvl6pPr>
-            <a:lvl7pPr indent="-298450" lvl="6" marL="3200400">
+            <a:lvl7pPr marL="3200400" lvl="6" indent="-298450">
               <a:lnSpc>
                 <a:spcPct val="115000"/>
               </a:lnSpc>
@@ -7018,7 +7198,7 @@
                 <a:sym typeface="Roboto"/>
               </a:defRPr>
             </a:lvl7pPr>
-            <a:lvl8pPr indent="-298450" lvl="7" marL="3657600">
+            <a:lvl8pPr marL="3657600" lvl="7" indent="-298450">
               <a:lnSpc>
                 <a:spcPct val="115000"/>
               </a:lnSpc>
@@ -7044,7 +7224,7 @@
                 <a:sym typeface="Roboto"/>
               </a:defRPr>
             </a:lvl8pPr>
-            <a:lvl9pPr indent="-298450" lvl="8" marL="4114800">
+            <a:lvl9pPr marL="4114800" lvl="8" indent="-298450">
               <a:lnSpc>
                 <a:spcPct val="115000"/>
               </a:lnSpc>
@@ -7071,15 +7251,19 @@
               </a:defRPr>
             </a:lvl9pPr>
           </a:lstStyle>
-          <a:p/>
+          <a:p>
+            <a:endParaRPr/>
+          </a:p>
         </p:txBody>
       </p:sp>
       <p:sp>
         <p:nvSpPr>
           <p:cNvPr id="8" name="Google Shape;8;p1"/>
-          <p:cNvSpPr txBox="1"/>
+          <p:cNvSpPr txBox="1">
+            <a:spLocks noGrp="1"/>
+          </p:cNvSpPr>
           <p:nvPr>
-            <p:ph idx="12" type="sldNum"/>
+            <p:ph type="sldNum" idx="12"/>
           </p:nvPr>
         </p:nvSpPr>
         <p:spPr>
@@ -7096,7 +7280,7 @@
           </a:ln>
         </p:spPr>
         <p:txBody>
-          <a:bodyPr anchorCtr="0" anchor="ctr" bIns="91425" lIns="91425" spcFirstLastPara="1" rIns="91425" wrap="square" tIns="91425">
+          <a:bodyPr spcFirstLastPara="1" wrap="square" lIns="91425" tIns="91425" rIns="91425" bIns="91425" anchor="ctr" anchorCtr="0">
             <a:normAutofit/>
           </a:bodyPr>
           <a:lstStyle>
@@ -7210,7 +7394,7 @@
             </a:lvl9pPr>
           </a:lstStyle>
           <a:p>
-            <a:pPr indent="0" lvl="0" marL="0" rtl="0" algn="r">
+            <a:pPr marL="0" lvl="0" indent="0" algn="r" rtl="0">
               <a:spcBef>
                 <a:spcPts val="0"/>
               </a:spcBef>
@@ -7229,7 +7413,7 @@
       </p:sp>
     </p:spTree>
   </p:cSld>
-  <p:clrMap accent1="accent1" accent2="accent2" accent3="accent3" accent4="accent4" accent5="accent5" accent6="accent6" bg1="lt1" bg2="dk2" tx1="dk1" tx2="lt2" folHlink="folHlink" hlink="hlink"/>
+  <p:clrMap bg1="lt1" tx1="dk1" bg2="dk2" tx2="lt2" accent1="accent1" accent2="accent2" accent3="accent3" accent4="accent4" accent5="accent5" accent6="accent6" hlink="hlink" folHlink="folHlink"/>
   <p:sldLayoutIdLst>
     <p:sldLayoutId id="2147483648" r:id="rId1"/>
     <p:sldLayoutId id="2147483649" r:id="rId2"/>
@@ -7243,10 +7427,10 @@
     <p:sldLayoutId id="2147483657" r:id="rId10"/>
     <p:sldLayoutId id="2147483658" r:id="rId11"/>
   </p:sldLayoutIdLst>
-  <p:hf dt="0" ftr="0" hdr="0" sldNum="0"/>
+  <p:hf sldNum="0" hdr="0" ftr="0" dt="0"/>
   <p:txStyles>
     <p:titleStyle>
-      <a:defPPr lvl="0" marR="0" rtl="0" algn="l">
+      <a:defPPr marR="0" lvl="0" algn="l" rtl="0">
         <a:lnSpc>
           <a:spcPct val="100000"/>
         </a:lnSpc>
@@ -7257,7 +7441,7 @@
           <a:spcPts val="0"/>
         </a:spcAft>
       </a:defPPr>
-      <a:lvl1pPr lvl="0" marR="0" rtl="0" algn="l">
+      <a:lvl1pPr marR="0" lvl="0" algn="l" rtl="0">
         <a:lnSpc>
           <a:spcPct val="100000"/>
         </a:lnSpc>
@@ -7271,7 +7455,7 @@
           <a:srgbClr val="000000"/>
         </a:buClr>
         <a:buFont typeface="Arial"/>
-        <a:defRPr b="0" i="0" sz="1400" u="none" cap="none" strike="noStrike">
+        <a:defRPr sz="1400" b="0" i="0" u="none" strike="noStrike" cap="none">
           <a:solidFill>
             <a:srgbClr val="000000"/>
           </a:solidFill>
@@ -7281,7 +7465,7 @@
           <a:sym typeface="Arial"/>
         </a:defRPr>
       </a:lvl1pPr>
-      <a:lvl2pPr lvl="1" marR="0" rtl="0" algn="l">
+      <a:lvl2pPr marR="0" lvl="1" algn="l" rtl="0">
         <a:lnSpc>
           <a:spcPct val="100000"/>
         </a:lnSpc>
@@ -7295,7 +7479,7 @@
           <a:srgbClr val="000000"/>
         </a:buClr>
         <a:buFont typeface="Arial"/>
-        <a:defRPr b="0" i="0" sz="1400" u="none" cap="none" strike="noStrike">
+        <a:defRPr sz="1400" b="0" i="0" u="none" strike="noStrike" cap="none">
           <a:solidFill>
             <a:srgbClr val="000000"/>
           </a:solidFill>
@@ -7305,7 +7489,7 @@
           <a:sym typeface="Arial"/>
         </a:defRPr>
       </a:lvl2pPr>
-      <a:lvl3pPr lvl="2" marR="0" rtl="0" algn="l">
+      <a:lvl3pPr marR="0" lvl="2" algn="l" rtl="0">
         <a:lnSpc>
           <a:spcPct val="100000"/>
         </a:lnSpc>
@@ -7319,7 +7503,7 @@
           <a:srgbClr val="000000"/>
         </a:buClr>
         <a:buFont typeface="Arial"/>
-        <a:defRPr b="0" i="0" sz="1400" u="none" cap="none" strike="noStrike">
+        <a:defRPr sz="1400" b="0" i="0" u="none" strike="noStrike" cap="none">
           <a:solidFill>
             <a:srgbClr val="000000"/>
           </a:solidFill>
@@ -7329,7 +7513,7 @@
           <a:sym typeface="Arial"/>
         </a:defRPr>
       </a:lvl3pPr>
-      <a:lvl4pPr lvl="3" marR="0" rtl="0" algn="l">
+      <a:lvl4pPr marR="0" lvl="3" algn="l" rtl="0">
         <a:lnSpc>
           <a:spcPct val="100000"/>
         </a:lnSpc>
@@ -7343,7 +7527,7 @@
           <a:srgbClr val="000000"/>
         </a:buClr>
         <a:buFont typeface="Arial"/>
-        <a:defRPr b="0" i="0" sz="1400" u="none" cap="none" strike="noStrike">
+        <a:defRPr sz="1400" b="0" i="0" u="none" strike="noStrike" cap="none">
           <a:solidFill>
             <a:srgbClr val="000000"/>
           </a:solidFill>
@@ -7353,7 +7537,7 @@
           <a:sym typeface="Arial"/>
         </a:defRPr>
       </a:lvl4pPr>
-      <a:lvl5pPr lvl="4" marR="0" rtl="0" algn="l">
+      <a:lvl5pPr marR="0" lvl="4" algn="l" rtl="0">
         <a:lnSpc>
           <a:spcPct val="100000"/>
         </a:lnSpc>
@@ -7367,7 +7551,7 @@
           <a:srgbClr val="000000"/>
         </a:buClr>
         <a:buFont typeface="Arial"/>
-        <a:defRPr b="0" i="0" sz="1400" u="none" cap="none" strike="noStrike">
+        <a:defRPr sz="1400" b="0" i="0" u="none" strike="noStrike" cap="none">
           <a:solidFill>
             <a:srgbClr val="000000"/>
           </a:solidFill>
@@ -7377,7 +7561,7 @@
           <a:sym typeface="Arial"/>
         </a:defRPr>
       </a:lvl5pPr>
-      <a:lvl6pPr lvl="5" marR="0" rtl="0" algn="l">
+      <a:lvl6pPr marR="0" lvl="5" algn="l" rtl="0">
         <a:lnSpc>
           <a:spcPct val="100000"/>
         </a:lnSpc>
@@ -7391,7 +7575,7 @@
           <a:srgbClr val="000000"/>
         </a:buClr>
         <a:buFont typeface="Arial"/>
-        <a:defRPr b="0" i="0" sz="1400" u="none" cap="none" strike="noStrike">
+        <a:defRPr sz="1400" b="0" i="0" u="none" strike="noStrike" cap="none">
           <a:solidFill>
             <a:srgbClr val="000000"/>
           </a:solidFill>
@@ -7401,7 +7585,7 @@
           <a:sym typeface="Arial"/>
         </a:defRPr>
       </a:lvl6pPr>
-      <a:lvl7pPr lvl="6" marR="0" rtl="0" algn="l">
+      <a:lvl7pPr marR="0" lvl="6" algn="l" rtl="0">
         <a:lnSpc>
           <a:spcPct val="100000"/>
         </a:lnSpc>
@@ -7415,7 +7599,7 @@
           <a:srgbClr val="000000"/>
         </a:buClr>
         <a:buFont typeface="Arial"/>
-        <a:defRPr b="0" i="0" sz="1400" u="none" cap="none" strike="noStrike">
+        <a:defRPr sz="1400" b="0" i="0" u="none" strike="noStrike" cap="none">
           <a:solidFill>
             <a:srgbClr val="000000"/>
           </a:solidFill>
@@ -7425,7 +7609,7 @@
           <a:sym typeface="Arial"/>
         </a:defRPr>
       </a:lvl7pPr>
-      <a:lvl8pPr lvl="7" marR="0" rtl="0" algn="l">
+      <a:lvl8pPr marR="0" lvl="7" algn="l" rtl="0">
         <a:lnSpc>
           <a:spcPct val="100000"/>
         </a:lnSpc>
@@ -7439,7 +7623,7 @@
           <a:srgbClr val="000000"/>
         </a:buClr>
         <a:buFont typeface="Arial"/>
-        <a:defRPr b="0" i="0" sz="1400" u="none" cap="none" strike="noStrike">
+        <a:defRPr sz="1400" b="0" i="0" u="none" strike="noStrike" cap="none">
           <a:solidFill>
             <a:srgbClr val="000000"/>
           </a:solidFill>
@@ -7449,7 +7633,7 @@
           <a:sym typeface="Arial"/>
         </a:defRPr>
       </a:lvl8pPr>
-      <a:lvl9pPr lvl="8" marR="0" rtl="0" algn="l">
+      <a:lvl9pPr marR="0" lvl="8" algn="l" rtl="0">
         <a:lnSpc>
           <a:spcPct val="100000"/>
         </a:lnSpc>
@@ -7463,7 +7647,7 @@
           <a:srgbClr val="000000"/>
         </a:buClr>
         <a:buFont typeface="Arial"/>
-        <a:defRPr b="0" i="0" sz="1400" u="none" cap="none" strike="noStrike">
+        <a:defRPr sz="1400" b="0" i="0" u="none" strike="noStrike" cap="none">
           <a:solidFill>
             <a:srgbClr val="000000"/>
           </a:solidFill>
@@ -7475,7 +7659,7 @@
       </a:lvl9pPr>
     </p:titleStyle>
     <p:bodyStyle>
-      <a:defPPr lvl="0" marR="0" rtl="0" algn="l">
+      <a:defPPr marR="0" lvl="0" algn="l" rtl="0">
         <a:lnSpc>
           <a:spcPct val="100000"/>
         </a:lnSpc>
@@ -7486,7 +7670,7 @@
           <a:spcPts val="0"/>
         </a:spcAft>
       </a:defPPr>
-      <a:lvl1pPr lvl="0" marR="0" rtl="0" algn="l">
+      <a:lvl1pPr marR="0" lvl="0" algn="l" rtl="0">
         <a:lnSpc>
           <a:spcPct val="100000"/>
         </a:lnSpc>
@@ -7500,7 +7684,7 @@
           <a:srgbClr val="000000"/>
         </a:buClr>
         <a:buFont typeface="Arial"/>
-        <a:defRPr b="0" i="0" sz="1400" u="none" cap="none" strike="noStrike">
+        <a:defRPr sz="1400" b="0" i="0" u="none" strike="noStrike" cap="none">
           <a:solidFill>
             <a:srgbClr val="000000"/>
           </a:solidFill>
@@ -7510,7 +7694,7 @@
           <a:sym typeface="Arial"/>
         </a:defRPr>
       </a:lvl1pPr>
-      <a:lvl2pPr lvl="1" marR="0" rtl="0" algn="l">
+      <a:lvl2pPr marR="0" lvl="1" algn="l" rtl="0">
         <a:lnSpc>
           <a:spcPct val="100000"/>
         </a:lnSpc>
@@ -7524,7 +7708,7 @@
           <a:srgbClr val="000000"/>
         </a:buClr>
         <a:buFont typeface="Arial"/>
-        <a:defRPr b="0" i="0" sz="1400" u="none" cap="none" strike="noStrike">
+        <a:defRPr sz="1400" b="0" i="0" u="none" strike="noStrike" cap="none">
           <a:solidFill>
             <a:srgbClr val="000000"/>
           </a:solidFill>
@@ -7534,7 +7718,7 @@
           <a:sym typeface="Arial"/>
         </a:defRPr>
       </a:lvl2pPr>
-      <a:lvl3pPr lvl="2" marR="0" rtl="0" algn="l">
+      <a:lvl3pPr marR="0" lvl="2" algn="l" rtl="0">
         <a:lnSpc>
           <a:spcPct val="100000"/>
         </a:lnSpc>
@@ -7548,7 +7732,7 @@
           <a:srgbClr val="000000"/>
         </a:buClr>
         <a:buFont typeface="Arial"/>
-        <a:defRPr b="0" i="0" sz="1400" u="none" cap="none" strike="noStrike">
+        <a:defRPr sz="1400" b="0" i="0" u="none" strike="noStrike" cap="none">
           <a:solidFill>
             <a:srgbClr val="000000"/>
           </a:solidFill>
@@ -7558,7 +7742,7 @@
           <a:sym typeface="Arial"/>
         </a:defRPr>
       </a:lvl3pPr>
-      <a:lvl4pPr lvl="3" marR="0" rtl="0" algn="l">
+      <a:lvl4pPr marR="0" lvl="3" algn="l" rtl="0">
         <a:lnSpc>
           <a:spcPct val="100000"/>
         </a:lnSpc>
@@ -7572,7 +7756,7 @@
           <a:srgbClr val="000000"/>
         </a:buClr>
         <a:buFont typeface="Arial"/>
-        <a:defRPr b="0" i="0" sz="1400" u="none" cap="none" strike="noStrike">
+        <a:defRPr sz="1400" b="0" i="0" u="none" strike="noStrike" cap="none">
           <a:solidFill>
             <a:srgbClr val="000000"/>
           </a:solidFill>
@@ -7582,7 +7766,7 @@
           <a:sym typeface="Arial"/>
         </a:defRPr>
       </a:lvl4pPr>
-      <a:lvl5pPr lvl="4" marR="0" rtl="0" algn="l">
+      <a:lvl5pPr marR="0" lvl="4" algn="l" rtl="0">
         <a:lnSpc>
           <a:spcPct val="100000"/>
         </a:lnSpc>
@@ -7596,7 +7780,7 @@
           <a:srgbClr val="000000"/>
         </a:buClr>
         <a:buFont typeface="Arial"/>
-        <a:defRPr b="0" i="0" sz="1400" u="none" cap="none" strike="noStrike">
+        <a:defRPr sz="1400" b="0" i="0" u="none" strike="noStrike" cap="none">
           <a:solidFill>
             <a:srgbClr val="000000"/>
           </a:solidFill>
@@ -7606,7 +7790,7 @@
           <a:sym typeface="Arial"/>
         </a:defRPr>
       </a:lvl5pPr>
-      <a:lvl6pPr lvl="5" marR="0" rtl="0" algn="l">
+      <a:lvl6pPr marR="0" lvl="5" algn="l" rtl="0">
         <a:lnSpc>
           <a:spcPct val="100000"/>
         </a:lnSpc>
@@ -7620,7 +7804,7 @@
           <a:srgbClr val="000000"/>
         </a:buClr>
         <a:buFont typeface="Arial"/>
-        <a:defRPr b="0" i="0" sz="1400" u="none" cap="none" strike="noStrike">
+        <a:defRPr sz="1400" b="0" i="0" u="none" strike="noStrike" cap="none">
           <a:solidFill>
             <a:srgbClr val="000000"/>
           </a:solidFill>
@@ -7630,7 +7814,7 @@
           <a:sym typeface="Arial"/>
         </a:defRPr>
       </a:lvl6pPr>
-      <a:lvl7pPr lvl="6" marR="0" rtl="0" algn="l">
+      <a:lvl7pPr marR="0" lvl="6" algn="l" rtl="0">
         <a:lnSpc>
           <a:spcPct val="100000"/>
         </a:lnSpc>
@@ -7644,7 +7828,7 @@
           <a:srgbClr val="000000"/>
         </a:buClr>
         <a:buFont typeface="Arial"/>
-        <a:defRPr b="0" i="0" sz="1400" u="none" cap="none" strike="noStrike">
+        <a:defRPr sz="1400" b="0" i="0" u="none" strike="noStrike" cap="none">
           <a:solidFill>
             <a:srgbClr val="000000"/>
           </a:solidFill>
@@ -7654,7 +7838,7 @@
           <a:sym typeface="Arial"/>
         </a:defRPr>
       </a:lvl7pPr>
-      <a:lvl8pPr lvl="7" marR="0" rtl="0" algn="l">
+      <a:lvl8pPr marR="0" lvl="7" algn="l" rtl="0">
         <a:lnSpc>
           <a:spcPct val="100000"/>
         </a:lnSpc>
@@ -7668,7 +7852,7 @@
           <a:srgbClr val="000000"/>
         </a:buClr>
         <a:buFont typeface="Arial"/>
-        <a:defRPr b="0" i="0" sz="1400" u="none" cap="none" strike="noStrike">
+        <a:defRPr sz="1400" b="0" i="0" u="none" strike="noStrike" cap="none">
           <a:solidFill>
             <a:srgbClr val="000000"/>
           </a:solidFill>
@@ -7678,7 +7862,7 @@
           <a:sym typeface="Arial"/>
         </a:defRPr>
       </a:lvl8pPr>
-      <a:lvl9pPr lvl="8" marR="0" rtl="0" algn="l">
+      <a:lvl9pPr marR="0" lvl="8" algn="l" rtl="0">
         <a:lnSpc>
           <a:spcPct val="100000"/>
         </a:lnSpc>
@@ -7692,7 +7876,7 @@
           <a:srgbClr val="000000"/>
         </a:buClr>
         <a:buFont typeface="Arial"/>
-        <a:defRPr b="0" i="0" sz="1400" u="none" cap="none" strike="noStrike">
+        <a:defRPr sz="1400" b="0" i="0" u="none" strike="noStrike" cap="none">
           <a:solidFill>
             <a:srgbClr val="000000"/>
           </a:solidFill>
@@ -7704,7 +7888,7 @@
       </a:lvl9pPr>
     </p:bodyStyle>
     <p:otherStyle>
-      <a:defPPr lvl="0" marR="0" rtl="0" algn="l">
+      <a:defPPr marR="0" lvl="0" algn="l" rtl="0">
         <a:lnSpc>
           <a:spcPct val="100000"/>
         </a:lnSpc>
@@ -7715,7 +7899,7 @@
           <a:spcPts val="0"/>
         </a:spcAft>
       </a:defPPr>
-      <a:lvl1pPr lvl="0" marR="0" rtl="0" algn="l">
+      <a:lvl1pPr marR="0" lvl="0" algn="l" rtl="0">
         <a:lnSpc>
           <a:spcPct val="100000"/>
         </a:lnSpc>
@@ -7729,7 +7913,7 @@
           <a:srgbClr val="000000"/>
         </a:buClr>
         <a:buFont typeface="Arial"/>
-        <a:defRPr b="0" i="0" sz="1400" u="none" cap="none" strike="noStrike">
+        <a:defRPr sz="1400" b="0" i="0" u="none" strike="noStrike" cap="none">
           <a:solidFill>
             <a:srgbClr val="000000"/>
           </a:solidFill>
@@ -7739,7 +7923,7 @@
           <a:sym typeface="Arial"/>
         </a:defRPr>
       </a:lvl1pPr>
-      <a:lvl2pPr lvl="1" marR="0" rtl="0" algn="l">
+      <a:lvl2pPr marR="0" lvl="1" algn="l" rtl="0">
         <a:lnSpc>
           <a:spcPct val="100000"/>
         </a:lnSpc>
@@ -7753,7 +7937,7 @@
           <a:srgbClr val="000000"/>
         </a:buClr>
         <a:buFont typeface="Arial"/>
-        <a:defRPr b="0" i="0" sz="1400" u="none" cap="none" strike="noStrike">
+        <a:defRPr sz="1400" b="0" i="0" u="none" strike="noStrike" cap="none">
           <a:solidFill>
             <a:srgbClr val="000000"/>
           </a:solidFill>
@@ -7763,7 +7947,7 @@
           <a:sym typeface="Arial"/>
         </a:defRPr>
       </a:lvl2pPr>
-      <a:lvl3pPr lvl="2" marR="0" rtl="0" algn="l">
+      <a:lvl3pPr marR="0" lvl="2" algn="l" rtl="0">
         <a:lnSpc>
           <a:spcPct val="100000"/>
         </a:lnSpc>
@@ -7777,7 +7961,7 @@
           <a:srgbClr val="000000"/>
         </a:buClr>
         <a:buFont typeface="Arial"/>
-        <a:defRPr b="0" i="0" sz="1400" u="none" cap="none" strike="noStrike">
+        <a:defRPr sz="1400" b="0" i="0" u="none" strike="noStrike" cap="none">
           <a:solidFill>
             <a:srgbClr val="000000"/>
           </a:solidFill>
@@ -7787,7 +7971,7 @@
           <a:sym typeface="Arial"/>
         </a:defRPr>
       </a:lvl3pPr>
-      <a:lvl4pPr lvl="3" marR="0" rtl="0" algn="l">
+      <a:lvl4pPr marR="0" lvl="3" algn="l" rtl="0">
         <a:lnSpc>
           <a:spcPct val="100000"/>
         </a:lnSpc>
@@ -7801,7 +7985,7 @@
           <a:srgbClr val="000000"/>
         </a:buClr>
         <a:buFont typeface="Arial"/>
-        <a:defRPr b="0" i="0" sz="1400" u="none" cap="none" strike="noStrike">
+        <a:defRPr sz="1400" b="0" i="0" u="none" strike="noStrike" cap="none">
           <a:solidFill>
             <a:srgbClr val="000000"/>
           </a:solidFill>
@@ -7811,7 +7995,7 @@
           <a:sym typeface="Arial"/>
         </a:defRPr>
       </a:lvl4pPr>
-      <a:lvl5pPr lvl="4" marR="0" rtl="0" algn="l">
+      <a:lvl5pPr marR="0" lvl="4" algn="l" rtl="0">
         <a:lnSpc>
           <a:spcPct val="100000"/>
         </a:lnSpc>
@@ -7825,7 +8009,7 @@
           <a:srgbClr val="000000"/>
         </a:buClr>
         <a:buFont typeface="Arial"/>
-        <a:defRPr b="0" i="0" sz="1400" u="none" cap="none" strike="noStrike">
+        <a:defRPr sz="1400" b="0" i="0" u="none" strike="noStrike" cap="none">
           <a:solidFill>
             <a:srgbClr val="000000"/>
           </a:solidFill>
@@ -7835,7 +8019,7 @@
           <a:sym typeface="Arial"/>
         </a:defRPr>
       </a:lvl5pPr>
-      <a:lvl6pPr lvl="5" marR="0" rtl="0" algn="l">
+      <a:lvl6pPr marR="0" lvl="5" algn="l" rtl="0">
         <a:lnSpc>
           <a:spcPct val="100000"/>
         </a:lnSpc>
@@ -7849,7 +8033,7 @@
           <a:srgbClr val="000000"/>
         </a:buClr>
         <a:buFont typeface="Arial"/>
-        <a:defRPr b="0" i="0" sz="1400" u="none" cap="none" strike="noStrike">
+        <a:defRPr sz="1400" b="0" i="0" u="none" strike="noStrike" cap="none">
           <a:solidFill>
             <a:srgbClr val="000000"/>
           </a:solidFill>
@@ -7859,7 +8043,7 @@
           <a:sym typeface="Arial"/>
         </a:defRPr>
       </a:lvl6pPr>
-      <a:lvl7pPr lvl="6" marR="0" rtl="0" algn="l">
+      <a:lvl7pPr marR="0" lvl="6" algn="l" rtl="0">
         <a:lnSpc>
           <a:spcPct val="100000"/>
         </a:lnSpc>
@@ -7873,7 +8057,7 @@
           <a:srgbClr val="000000"/>
         </a:buClr>
         <a:buFont typeface="Arial"/>
-        <a:defRPr b="0" i="0" sz="1400" u="none" cap="none" strike="noStrike">
+        <a:defRPr sz="1400" b="0" i="0" u="none" strike="noStrike" cap="none">
           <a:solidFill>
             <a:srgbClr val="000000"/>
           </a:solidFill>
@@ -7883,7 +8067,7 @@
           <a:sym typeface="Arial"/>
         </a:defRPr>
       </a:lvl7pPr>
-      <a:lvl8pPr lvl="7" marR="0" rtl="0" algn="l">
+      <a:lvl8pPr marR="0" lvl="7" algn="l" rtl="0">
         <a:lnSpc>
           <a:spcPct val="100000"/>
         </a:lnSpc>
@@ -7897,7 +8081,7 @@
           <a:srgbClr val="000000"/>
         </a:buClr>
         <a:buFont typeface="Arial"/>
-        <a:defRPr b="0" i="0" sz="1400" u="none" cap="none" strike="noStrike">
+        <a:defRPr sz="1400" b="0" i="0" u="none" strike="noStrike" cap="none">
           <a:solidFill>
             <a:srgbClr val="000000"/>
           </a:solidFill>
@@ -7907,7 +8091,7 @@
           <a:sym typeface="Arial"/>
         </a:defRPr>
       </a:lvl8pPr>
-      <a:lvl9pPr lvl="8" marR="0" rtl="0" algn="l">
+      <a:lvl9pPr marR="0" lvl="8" algn="l" rtl="0">
         <a:lnSpc>
           <a:spcPct val="100000"/>
         </a:lnSpc>
@@ -7921,7 +8105,7 @@
           <a:srgbClr val="000000"/>
         </a:buClr>
         <a:buFont typeface="Arial"/>
-        <a:defRPr b="0" i="0" sz="1400" u="none" cap="none" strike="noStrike">
+        <a:defRPr sz="1400" b="0" i="0" u="none" strike="noStrike" cap="none">
           <a:solidFill>
             <a:srgbClr val="000000"/>
           </a:solidFill>
@@ -7937,11 +8121,11 @@
 </file>
 
 <file path=ppt/slides/slide1.xml><?xml version="1.0" encoding="utf-8"?>
-<p:sld xmlns:a="http://schemas.openxmlformats.org/drawingml/2006/main" xmlns:r="http://schemas.openxmlformats.org/officeDocument/2006/relationships" xmlns:mc="http://schemas.openxmlformats.org/markup-compatibility/2006" xmlns:mv="urn:schemas-microsoft-com:mac:vml" xmlns:p="http://schemas.openxmlformats.org/presentationml/2006/main" xmlns:c="http://schemas.openxmlformats.org/drawingml/2006/chart" xmlns:dgm="http://schemas.openxmlformats.org/drawingml/2006/diagram" xmlns:o="urn:schemas-microsoft-com:office:office" xmlns:v="urn:schemas-microsoft-com:vml" xmlns:pvml="urn:schemas-microsoft-com:office:powerpoint" xmlns:com="http://schemas.openxmlformats.org/drawingml/2006/compatibility" xmlns:p14="http://schemas.microsoft.com/office/powerpoint/2010/main" xmlns:p15="http://schemas.microsoft.com/office/powerpoint/2012/main" xmlns:ahyp="http://schemas.microsoft.com/office/drawing/2018/hyperlinkcolor">
+<p:sld xmlns:a="http://schemas.openxmlformats.org/drawingml/2006/main" xmlns:r="http://schemas.openxmlformats.org/officeDocument/2006/relationships" xmlns:p="http://schemas.openxmlformats.org/presentationml/2006/main">
   <p:cSld>
     <p:spTree>
       <p:nvGrpSpPr>
-        <p:cNvPr id="63" name="Shape 63"/>
+        <p:cNvPr id="1" name="Shape 63"/>
         <p:cNvGrpSpPr/>
         <p:nvPr/>
       </p:nvGrpSpPr>
@@ -7956,7 +8140,9 @@
       <p:sp>
         <p:nvSpPr>
           <p:cNvPr id="64" name="Google Shape;64;p13"/>
-          <p:cNvSpPr txBox="1"/>
+          <p:cNvSpPr txBox="1">
+            <a:spLocks noGrp="1"/>
+          </p:cNvSpPr>
           <p:nvPr>
             <p:ph type="ctrTitle"/>
           </p:nvPr>
@@ -7971,12 +8157,12 @@
           </a:prstGeom>
         </p:spPr>
         <p:txBody>
-          <a:bodyPr anchorCtr="0" anchor="t" bIns="91425" lIns="91425" spcFirstLastPara="1" rIns="91425" wrap="square" tIns="91425">
+          <a:bodyPr spcFirstLastPara="1" wrap="square" lIns="91425" tIns="91425" rIns="91425" bIns="91425" anchor="t" anchorCtr="0">
             <a:normAutofit/>
           </a:bodyPr>
           <a:lstStyle/>
           <a:p>
-            <a:pPr indent="0" lvl="0" marL="0" rtl="0" algn="ctr">
+            <a:pPr marL="0" lvl="0" indent="0" algn="ctr" rtl="0">
               <a:lnSpc>
                 <a:spcPct val="115000"/>
               </a:lnSpc>
@@ -8007,9 +8193,11 @@
       <p:sp>
         <p:nvSpPr>
           <p:cNvPr id="65" name="Google Shape;65;p13"/>
-          <p:cNvSpPr txBox="1"/>
+          <p:cNvSpPr txBox="1">
+            <a:spLocks noGrp="1"/>
+          </p:cNvSpPr>
           <p:nvPr>
-            <p:ph idx="1" type="subTitle"/>
+            <p:ph type="subTitle" idx="1"/>
           </p:nvPr>
         </p:nvSpPr>
         <p:spPr>
@@ -8022,12 +8210,12 @@
           </a:prstGeom>
         </p:spPr>
         <p:txBody>
-          <a:bodyPr anchorCtr="0" anchor="t" bIns="91425" lIns="91425" spcFirstLastPara="1" rIns="91425" wrap="square" tIns="91425">
+          <a:bodyPr spcFirstLastPara="1" wrap="square" lIns="91425" tIns="91425" rIns="91425" bIns="91425" anchor="t" anchorCtr="0">
             <a:normAutofit/>
           </a:bodyPr>
           <a:lstStyle/>
           <a:p>
-            <a:pPr indent="0" lvl="0" marL="0" rtl="0" algn="ctr">
+            <a:pPr marL="0" lvl="0" indent="0" algn="ctr" rtl="0">
               <a:spcBef>
                 <a:spcPts val="0"/>
               </a:spcBef>
@@ -8053,11 +8241,11 @@
 </file>
 
 <file path=ppt/slides/slide10.xml><?xml version="1.0" encoding="utf-8"?>
-<p:sld xmlns:a="http://schemas.openxmlformats.org/drawingml/2006/main" xmlns:r="http://schemas.openxmlformats.org/officeDocument/2006/relationships" xmlns:mc="http://schemas.openxmlformats.org/markup-compatibility/2006" xmlns:mv="urn:schemas-microsoft-com:mac:vml" xmlns:p="http://schemas.openxmlformats.org/presentationml/2006/main" xmlns:c="http://schemas.openxmlformats.org/drawingml/2006/chart" xmlns:dgm="http://schemas.openxmlformats.org/drawingml/2006/diagram" xmlns:o="urn:schemas-microsoft-com:office:office" xmlns:v="urn:schemas-microsoft-com:vml" xmlns:pvml="urn:schemas-microsoft-com:office:powerpoint" xmlns:com="http://schemas.openxmlformats.org/drawingml/2006/compatibility" xmlns:p14="http://schemas.microsoft.com/office/powerpoint/2010/main" xmlns:p15="http://schemas.microsoft.com/office/powerpoint/2012/main" xmlns:ahyp="http://schemas.microsoft.com/office/drawing/2018/hyperlinkcolor">
+<p:sld xmlns:a="http://schemas.openxmlformats.org/drawingml/2006/main" xmlns:r="http://schemas.openxmlformats.org/officeDocument/2006/relationships" xmlns:p="http://schemas.openxmlformats.org/presentationml/2006/main">
   <p:cSld>
     <p:spTree>
       <p:nvGrpSpPr>
-        <p:cNvPr id="124" name="Shape 124"/>
+        <p:cNvPr id="1" name="Shape 124"/>
         <p:cNvGrpSpPr/>
         <p:nvPr/>
       </p:nvGrpSpPr>
@@ -8072,7 +8260,9 @@
       <p:sp>
         <p:nvSpPr>
           <p:cNvPr id="125" name="Google Shape;125;p22"/>
-          <p:cNvSpPr txBox="1"/>
+          <p:cNvSpPr txBox="1">
+            <a:spLocks noGrp="1"/>
+          </p:cNvSpPr>
           <p:nvPr>
             <p:ph type="title"/>
           </p:nvPr>
@@ -8087,12 +8277,12 @@
           </a:prstGeom>
         </p:spPr>
         <p:txBody>
-          <a:bodyPr anchorCtr="0" anchor="ctr" bIns="91425" lIns="91425" spcFirstLastPara="1" rIns="91425" wrap="square" tIns="91425">
+          <a:bodyPr spcFirstLastPara="1" wrap="square" lIns="91425" tIns="91425" rIns="91425" bIns="91425" anchor="ctr" anchorCtr="0">
             <a:normAutofit/>
           </a:bodyPr>
           <a:lstStyle/>
           <a:p>
-            <a:pPr indent="0" lvl="0" marL="0" rtl="0" algn="ctr">
+            <a:pPr marL="0" lvl="0" indent="0" algn="ctr" rtl="0">
               <a:spcBef>
                 <a:spcPts val="0"/>
               </a:spcBef>
@@ -8112,9 +8302,11 @@
       <p:sp>
         <p:nvSpPr>
           <p:cNvPr id="126" name="Google Shape;126;p22"/>
-          <p:cNvSpPr txBox="1"/>
+          <p:cNvSpPr txBox="1">
+            <a:spLocks noGrp="1"/>
+          </p:cNvSpPr>
           <p:nvPr>
-            <p:ph idx="1" type="body"/>
+            <p:ph type="body" idx="1"/>
           </p:nvPr>
         </p:nvSpPr>
         <p:spPr>
@@ -8127,12 +8319,12 @@
           </a:prstGeom>
         </p:spPr>
         <p:txBody>
-          <a:bodyPr anchorCtr="0" anchor="t" bIns="91425" lIns="91425" spcFirstLastPara="1" rIns="91425" wrap="square" tIns="91425">
+          <a:bodyPr spcFirstLastPara="1" wrap="square" lIns="91425" tIns="91425" rIns="91425" bIns="91425" anchor="t" anchorCtr="0">
             <a:normAutofit lnSpcReduction="10000"/>
           </a:bodyPr>
           <a:lstStyle/>
           <a:p>
-            <a:pPr indent="-317500" lvl="0" marL="457200" rtl="0" algn="l">
+            <a:pPr marL="457200" lvl="0" indent="-317500" algn="l" rtl="0">
               <a:spcBef>
                 <a:spcPts val="0"/>
               </a:spcBef>
@@ -8149,7 +8341,7 @@
             <a:endParaRPr sz="1400"/>
           </a:p>
           <a:p>
-            <a:pPr indent="0" lvl="0" marL="457200" rtl="0" algn="l">
+            <a:pPr marL="457200" lvl="0" indent="0" algn="l" rtl="0">
               <a:spcBef>
                 <a:spcPts val="1200"/>
               </a:spcBef>
@@ -8158,13 +8350,10 @@
               </a:spcAft>
               <a:buNone/>
             </a:pPr>
-            <a:r>
-              <a:t/>
-            </a:r>
             <a:endParaRPr sz="1400"/>
           </a:p>
           <a:p>
-            <a:pPr indent="-317500" lvl="0" marL="457200" rtl="0" algn="l">
+            <a:pPr marL="457200" lvl="0" indent="-317500" algn="l" rtl="0">
               <a:spcBef>
                 <a:spcPts val="1200"/>
               </a:spcBef>
@@ -8181,7 +8370,7 @@
             <a:endParaRPr sz="1400"/>
           </a:p>
           <a:p>
-            <a:pPr indent="0" lvl="0" marL="457200" rtl="0" algn="l">
+            <a:pPr marL="457200" lvl="0" indent="0" algn="l" rtl="0">
               <a:spcBef>
                 <a:spcPts val="1200"/>
               </a:spcBef>
@@ -8190,13 +8379,10 @@
               </a:spcAft>
               <a:buNone/>
             </a:pPr>
-            <a:r>
-              <a:t/>
-            </a:r>
             <a:endParaRPr sz="1400"/>
           </a:p>
           <a:p>
-            <a:pPr indent="-317500" lvl="0" marL="457200" rtl="0" algn="l">
+            <a:pPr marL="457200" lvl="0" indent="-317500" algn="l" rtl="0">
               <a:spcBef>
                 <a:spcPts val="1200"/>
               </a:spcBef>
@@ -8251,11 +8437,11 @@
 </file>
 
 <file path=ppt/slides/slide11.xml><?xml version="1.0" encoding="utf-8"?>
-<p:sld xmlns:a="http://schemas.openxmlformats.org/drawingml/2006/main" xmlns:r="http://schemas.openxmlformats.org/officeDocument/2006/relationships" xmlns:mc="http://schemas.openxmlformats.org/markup-compatibility/2006" xmlns:mv="urn:schemas-microsoft-com:mac:vml" xmlns:p="http://schemas.openxmlformats.org/presentationml/2006/main" xmlns:c="http://schemas.openxmlformats.org/drawingml/2006/chart" xmlns:dgm="http://schemas.openxmlformats.org/drawingml/2006/diagram" xmlns:o="urn:schemas-microsoft-com:office:office" xmlns:v="urn:schemas-microsoft-com:vml" xmlns:pvml="urn:schemas-microsoft-com:office:powerpoint" xmlns:com="http://schemas.openxmlformats.org/drawingml/2006/compatibility" xmlns:p14="http://schemas.microsoft.com/office/powerpoint/2010/main" xmlns:p15="http://schemas.microsoft.com/office/powerpoint/2012/main" xmlns:ahyp="http://schemas.microsoft.com/office/drawing/2018/hyperlinkcolor">
+<p:sld xmlns:a="http://schemas.openxmlformats.org/drawingml/2006/main" xmlns:r="http://schemas.openxmlformats.org/officeDocument/2006/relationships" xmlns:p="http://schemas.openxmlformats.org/presentationml/2006/main">
   <p:cSld>
     <p:spTree>
       <p:nvGrpSpPr>
-        <p:cNvPr id="131" name="Shape 131"/>
+        <p:cNvPr id="1" name="Shape 131"/>
         <p:cNvGrpSpPr/>
         <p:nvPr/>
       </p:nvGrpSpPr>
@@ -8270,7 +8456,9 @@
       <p:sp>
         <p:nvSpPr>
           <p:cNvPr id="132" name="Google Shape;132;p23"/>
-          <p:cNvSpPr txBox="1"/>
+          <p:cNvSpPr txBox="1">
+            <a:spLocks noGrp="1"/>
+          </p:cNvSpPr>
           <p:nvPr>
             <p:ph type="title"/>
           </p:nvPr>
@@ -8285,12 +8473,12 @@
           </a:prstGeom>
         </p:spPr>
         <p:txBody>
-          <a:bodyPr anchorCtr="0" anchor="t" bIns="91425" lIns="91425" spcFirstLastPara="1" rIns="91425" wrap="square" tIns="91425">
+          <a:bodyPr spcFirstLastPara="1" wrap="square" lIns="91425" tIns="91425" rIns="91425" bIns="91425" anchor="t" anchorCtr="0">
             <a:normAutofit/>
           </a:bodyPr>
           <a:lstStyle/>
           <a:p>
-            <a:pPr indent="0" lvl="0" marL="0" rtl="0" algn="ctr">
+            <a:pPr marL="0" lvl="0" indent="0" algn="ctr" rtl="0">
               <a:spcBef>
                 <a:spcPts val="0"/>
               </a:spcBef>
@@ -8301,11 +8489,7 @@
             </a:pPr>
             <a:r>
               <a:rPr lang="pl"/>
-              <a:t>SoS - </a:t>
-            </a:r>
-            <a:r>
-              <a:rPr lang="pl"/>
-              <a:t>Remote Execution</a:t>
+              <a:t>SoS - Remote Execution</a:t>
             </a:r>
             <a:endParaRPr/>
           </a:p>
@@ -8314,9 +8498,11 @@
       <p:sp>
         <p:nvSpPr>
           <p:cNvPr id="133" name="Google Shape;133;p23"/>
-          <p:cNvSpPr txBox="1"/>
+          <p:cNvSpPr txBox="1">
+            <a:spLocks noGrp="1"/>
+          </p:cNvSpPr>
           <p:nvPr>
-            <p:ph idx="1" type="body"/>
+            <p:ph type="body" idx="1"/>
           </p:nvPr>
         </p:nvSpPr>
         <p:spPr>
@@ -8329,12 +8515,12 @@
           </a:prstGeom>
         </p:spPr>
         <p:txBody>
-          <a:bodyPr anchorCtr="0" anchor="t" bIns="91425" lIns="91425" spcFirstLastPara="1" rIns="91425" wrap="square" tIns="91425">
+          <a:bodyPr spcFirstLastPara="1" wrap="square" lIns="91425" tIns="91425" rIns="91425" bIns="91425" anchor="t" anchorCtr="0">
             <a:noAutofit/>
           </a:bodyPr>
           <a:lstStyle/>
           <a:p>
-            <a:pPr indent="-317500" lvl="0" marL="457200" rtl="0" algn="l">
+            <a:pPr marL="457200" lvl="0" indent="-317500" algn="l" rtl="0">
               <a:spcBef>
                 <a:spcPts val="0"/>
               </a:spcBef>
@@ -8351,7 +8537,7 @@
             <a:endParaRPr sz="1400"/>
           </a:p>
           <a:p>
-            <a:pPr indent="-317500" lvl="0" marL="457200" rtl="0" algn="l">
+            <a:pPr marL="457200" lvl="0" indent="-317500" algn="l" rtl="0">
               <a:spcBef>
                 <a:spcPts val="0"/>
               </a:spcBef>
@@ -8368,7 +8554,7 @@
             <a:endParaRPr sz="1400"/>
           </a:p>
           <a:p>
-            <a:pPr indent="-317500" lvl="0" marL="457200" rtl="0" algn="l">
+            <a:pPr marL="457200" lvl="0" indent="-317500" algn="l" rtl="0">
               <a:spcBef>
                 <a:spcPts val="0"/>
               </a:spcBef>
@@ -8396,7 +8582,7 @@
           <a:blip r:embed="rId3">
             <a:alphaModFix/>
           </a:blip>
-          <a:srcRect b="0" l="3780" r="3789" t="0"/>
+          <a:srcRect l="3780" r="3789"/>
           <a:stretch/>
         </p:blipFill>
         <p:spPr>
@@ -8422,11 +8608,11 @@
 </file>
 
 <file path=ppt/slides/slide12.xml><?xml version="1.0" encoding="utf-8"?>
-<p:sld xmlns:a="http://schemas.openxmlformats.org/drawingml/2006/main" xmlns:r="http://schemas.openxmlformats.org/officeDocument/2006/relationships" xmlns:mc="http://schemas.openxmlformats.org/markup-compatibility/2006" xmlns:mv="urn:schemas-microsoft-com:mac:vml" xmlns:p="http://schemas.openxmlformats.org/presentationml/2006/main" xmlns:c="http://schemas.openxmlformats.org/drawingml/2006/chart" xmlns:dgm="http://schemas.openxmlformats.org/drawingml/2006/diagram" xmlns:o="urn:schemas-microsoft-com:office:office" xmlns:v="urn:schemas-microsoft-com:vml" xmlns:pvml="urn:schemas-microsoft-com:office:powerpoint" xmlns:com="http://schemas.openxmlformats.org/drawingml/2006/compatibility" xmlns:p14="http://schemas.microsoft.com/office/powerpoint/2010/main" xmlns:p15="http://schemas.microsoft.com/office/powerpoint/2012/main" xmlns:ahyp="http://schemas.microsoft.com/office/drawing/2018/hyperlinkcolor">
+<p:sld xmlns:a="http://schemas.openxmlformats.org/drawingml/2006/main" xmlns:r="http://schemas.openxmlformats.org/officeDocument/2006/relationships" xmlns:p="http://schemas.openxmlformats.org/presentationml/2006/main">
   <p:cSld>
     <p:spTree>
       <p:nvGrpSpPr>
-        <p:cNvPr id="138" name="Shape 138"/>
+        <p:cNvPr id="1" name="Shape 138"/>
         <p:cNvGrpSpPr/>
         <p:nvPr/>
       </p:nvGrpSpPr>
@@ -8441,7 +8627,9 @@
       <p:sp>
         <p:nvSpPr>
           <p:cNvPr id="139" name="Google Shape;139;p24"/>
-          <p:cNvSpPr txBox="1"/>
+          <p:cNvSpPr txBox="1">
+            <a:spLocks noGrp="1"/>
+          </p:cNvSpPr>
           <p:nvPr>
             <p:ph type="ctrTitle"/>
           </p:nvPr>
@@ -8456,12 +8644,12 @@
           </a:prstGeom>
         </p:spPr>
         <p:txBody>
-          <a:bodyPr anchorCtr="0" anchor="t" bIns="91425" lIns="91425" spcFirstLastPara="1" rIns="91425" wrap="square" tIns="91425">
+          <a:bodyPr spcFirstLastPara="1" wrap="square" lIns="91425" tIns="91425" rIns="91425" bIns="91425" anchor="t" anchorCtr="0">
             <a:normAutofit/>
           </a:bodyPr>
           <a:lstStyle/>
           <a:p>
-            <a:pPr indent="0" lvl="0" marL="0" rtl="0" algn="ctr">
+            <a:pPr marL="0" lvl="0" indent="0" algn="ctr" rtl="0">
               <a:lnSpc>
                 <a:spcPct val="115000"/>
               </a:lnSpc>
@@ -8492,9 +8680,11 @@
       <p:sp>
         <p:nvSpPr>
           <p:cNvPr id="140" name="Google Shape;140;p24"/>
-          <p:cNvSpPr txBox="1"/>
+          <p:cNvSpPr txBox="1">
+            <a:spLocks noGrp="1"/>
+          </p:cNvSpPr>
           <p:nvPr>
-            <p:ph idx="1" type="subTitle"/>
+            <p:ph type="subTitle" idx="1"/>
           </p:nvPr>
         </p:nvSpPr>
         <p:spPr>
@@ -8507,12 +8697,12 @@
           </a:prstGeom>
         </p:spPr>
         <p:txBody>
-          <a:bodyPr anchorCtr="0" anchor="t" bIns="91425" lIns="91425" spcFirstLastPara="1" rIns="91425" wrap="square" tIns="91425">
+          <a:bodyPr spcFirstLastPara="1" wrap="square" lIns="91425" tIns="91425" rIns="91425" bIns="91425" anchor="t" anchorCtr="0">
             <a:normAutofit/>
           </a:bodyPr>
           <a:lstStyle/>
           <a:p>
-            <a:pPr indent="0" lvl="0" marL="0" rtl="0" algn="ctr">
+            <a:pPr marL="0" lvl="0" indent="0" algn="ctr" rtl="0">
               <a:spcBef>
                 <a:spcPts val="0"/>
               </a:spcBef>
@@ -8538,11 +8728,11 @@
 </file>
 
 <file path=ppt/slides/slide2.xml><?xml version="1.0" encoding="utf-8"?>
-<p:sld xmlns:a="http://schemas.openxmlformats.org/drawingml/2006/main" xmlns:r="http://schemas.openxmlformats.org/officeDocument/2006/relationships" xmlns:mc="http://schemas.openxmlformats.org/markup-compatibility/2006" xmlns:mv="urn:schemas-microsoft-com:mac:vml" xmlns:p="http://schemas.openxmlformats.org/presentationml/2006/main" xmlns:c="http://schemas.openxmlformats.org/drawingml/2006/chart" xmlns:dgm="http://schemas.openxmlformats.org/drawingml/2006/diagram" xmlns:o="urn:schemas-microsoft-com:office:office" xmlns:v="urn:schemas-microsoft-com:vml" xmlns:pvml="urn:schemas-microsoft-com:office:powerpoint" xmlns:com="http://schemas.openxmlformats.org/drawingml/2006/compatibility" xmlns:p14="http://schemas.microsoft.com/office/powerpoint/2010/main" xmlns:p15="http://schemas.microsoft.com/office/powerpoint/2012/main" xmlns:ahyp="http://schemas.microsoft.com/office/drawing/2018/hyperlinkcolor">
+<p:sld xmlns:a="http://schemas.openxmlformats.org/drawingml/2006/main" xmlns:r="http://schemas.openxmlformats.org/officeDocument/2006/relationships" xmlns:p="http://schemas.openxmlformats.org/presentationml/2006/main">
   <p:cSld>
     <p:spTree>
       <p:nvGrpSpPr>
-        <p:cNvPr id="69" name="Shape 69"/>
+        <p:cNvPr id="1" name="Shape 69"/>
         <p:cNvGrpSpPr/>
         <p:nvPr/>
       </p:nvGrpSpPr>
@@ -8557,7 +8747,9 @@
       <p:sp>
         <p:nvSpPr>
           <p:cNvPr id="70" name="Google Shape;70;p14"/>
-          <p:cNvSpPr txBox="1"/>
+          <p:cNvSpPr txBox="1">
+            <a:spLocks noGrp="1"/>
+          </p:cNvSpPr>
           <p:nvPr>
             <p:ph type="title"/>
           </p:nvPr>
@@ -8572,12 +8764,12 @@
           </a:prstGeom>
         </p:spPr>
         <p:txBody>
-          <a:bodyPr anchorCtr="0" anchor="t" bIns="91425" lIns="91425" spcFirstLastPara="1" rIns="91425" wrap="square" tIns="91425">
+          <a:bodyPr spcFirstLastPara="1" wrap="square" lIns="91425" tIns="91425" rIns="91425" bIns="91425" anchor="t" anchorCtr="0">
             <a:normAutofit/>
           </a:bodyPr>
           <a:lstStyle/>
           <a:p>
-            <a:pPr indent="0" lvl="0" marL="0" rtl="0" algn="l">
+            <a:pPr marL="0" lvl="0" indent="0" algn="l" rtl="0">
               <a:spcBef>
                 <a:spcPts val="0"/>
               </a:spcBef>
@@ -8614,12 +8806,12 @@
           </a:ln>
         </p:spPr>
         <p:txBody>
-          <a:bodyPr anchorCtr="0" anchor="t" bIns="91425" lIns="91425" spcFirstLastPara="1" rIns="91425" wrap="square" tIns="91425">
+          <a:bodyPr spcFirstLastPara="1" wrap="square" lIns="91425" tIns="91425" rIns="91425" bIns="91425" anchor="t" anchorCtr="0">
             <a:spAutoFit/>
           </a:bodyPr>
           <a:lstStyle/>
           <a:p>
-            <a:pPr indent="0" lvl="0" marL="0" rtl="0" algn="l">
+            <a:pPr marL="0" lvl="0" indent="0" algn="l" rtl="0">
               <a:spcBef>
                 <a:spcPts val="0"/>
               </a:spcBef>
@@ -8672,12 +8864,12 @@
           </a:ln>
         </p:spPr>
         <p:txBody>
-          <a:bodyPr anchorCtr="0" anchor="t" bIns="91425" lIns="91425" spcFirstLastPara="1" rIns="91425" wrap="square" tIns="91425">
+          <a:bodyPr spcFirstLastPara="1" wrap="square" lIns="91425" tIns="91425" rIns="91425" bIns="91425" anchor="t" anchorCtr="0">
             <a:spAutoFit/>
           </a:bodyPr>
           <a:lstStyle/>
           <a:p>
-            <a:pPr indent="0" lvl="0" marL="0" rtl="0" algn="l">
+            <a:pPr marL="0" lvl="0" indent="0" algn="l" rtl="0">
               <a:spcBef>
                 <a:spcPts val="0"/>
               </a:spcBef>
@@ -8696,19 +8888,7 @@
                 <a:cs typeface="Roboto"/>
                 <a:sym typeface="Roboto"/>
               </a:rPr>
-              <a:t>Source of Scripts (</a:t>
-            </a:r>
-            <a:r>
-              <a:rPr lang="pl" sz="1500">
-                <a:solidFill>
-                  <a:schemeClr val="dk2"/>
-                </a:solidFill>
-                <a:latin typeface="Roboto"/>
-                <a:ea typeface="Roboto"/>
-                <a:cs typeface="Roboto"/>
-                <a:sym typeface="Roboto"/>
-              </a:rPr>
-              <a:t>SoS) - a computational environment that supports the development and execution of scripts in multiple languages within a single session.</a:t>
+              <a:t>Source of Scripts (SoS) - a computational environment that supports the development and execution of scripts in multiple languages within a single session.</a:t>
             </a:r>
             <a:endParaRPr sz="1300">
               <a:solidFill>
@@ -8787,11 +8967,11 @@
 </file>
 
 <file path=ppt/slides/slide3.xml><?xml version="1.0" encoding="utf-8"?>
-<p:sld xmlns:a="http://schemas.openxmlformats.org/drawingml/2006/main" xmlns:r="http://schemas.openxmlformats.org/officeDocument/2006/relationships" xmlns:mc="http://schemas.openxmlformats.org/markup-compatibility/2006" xmlns:mv="urn:schemas-microsoft-com:mac:vml" xmlns:p="http://schemas.openxmlformats.org/presentationml/2006/main" xmlns:c="http://schemas.openxmlformats.org/drawingml/2006/chart" xmlns:dgm="http://schemas.openxmlformats.org/drawingml/2006/diagram" xmlns:o="urn:schemas-microsoft-com:office:office" xmlns:v="urn:schemas-microsoft-com:vml" xmlns:pvml="urn:schemas-microsoft-com:office:powerpoint" xmlns:com="http://schemas.openxmlformats.org/drawingml/2006/compatibility" xmlns:p14="http://schemas.microsoft.com/office/powerpoint/2010/main" xmlns:p15="http://schemas.microsoft.com/office/powerpoint/2012/main" xmlns:ahyp="http://schemas.microsoft.com/office/drawing/2018/hyperlinkcolor">
+<p:sld xmlns:a="http://schemas.openxmlformats.org/drawingml/2006/main" xmlns:r="http://schemas.openxmlformats.org/officeDocument/2006/relationships" xmlns:p="http://schemas.openxmlformats.org/presentationml/2006/main">
   <p:cSld>
     <p:spTree>
       <p:nvGrpSpPr>
-        <p:cNvPr id="78" name="Shape 78"/>
+        <p:cNvPr id="1" name="Shape 78"/>
         <p:cNvGrpSpPr/>
         <p:nvPr/>
       </p:nvGrpSpPr>
@@ -8806,7 +8986,9 @@
       <p:sp>
         <p:nvSpPr>
           <p:cNvPr id="79" name="Google Shape;79;p15"/>
-          <p:cNvSpPr txBox="1"/>
+          <p:cNvSpPr txBox="1">
+            <a:spLocks noGrp="1"/>
+          </p:cNvSpPr>
           <p:nvPr>
             <p:ph type="title"/>
           </p:nvPr>
@@ -8821,12 +9003,12 @@
           </a:prstGeom>
         </p:spPr>
         <p:txBody>
-          <a:bodyPr anchorCtr="0" anchor="t" bIns="91425" lIns="91425" spcFirstLastPara="1" rIns="91425" wrap="square" tIns="91425">
+          <a:bodyPr spcFirstLastPara="1" wrap="square" lIns="91425" tIns="91425" rIns="91425" bIns="91425" anchor="t" anchorCtr="0">
             <a:normAutofit/>
           </a:bodyPr>
           <a:lstStyle/>
           <a:p>
-            <a:pPr indent="0" lvl="0" marL="0" rtl="0" algn="l">
+            <a:pPr marL="0" lvl="0" indent="0" algn="l" rtl="0">
               <a:spcBef>
                 <a:spcPts val="0"/>
               </a:spcBef>
@@ -8837,11 +9019,7 @@
             </a:pPr>
             <a:r>
               <a:rPr lang="pl"/>
-              <a:t>Apptainer - </a:t>
-            </a:r>
-            <a:r>
-              <a:rPr lang="pl"/>
-              <a:t>Singularity container</a:t>
+              <a:t>Apptainer - Singularity container</a:t>
             </a:r>
             <a:endParaRPr/>
           </a:p>
@@ -8867,12 +9045,12 @@
           </a:ln>
         </p:spPr>
         <p:txBody>
-          <a:bodyPr anchorCtr="0" anchor="t" bIns="91425" lIns="91425" spcFirstLastPara="1" rIns="91425" wrap="square" tIns="91425">
+          <a:bodyPr spcFirstLastPara="1" wrap="square" lIns="91425" tIns="91425" rIns="91425" bIns="91425" anchor="t" anchorCtr="0">
             <a:spAutoFit/>
           </a:bodyPr>
           <a:lstStyle/>
           <a:p>
-            <a:pPr indent="-323850" lvl="0" marL="457200" rtl="0" algn="l">
+            <a:pPr marL="457200" lvl="0" indent="-323850" algn="l" rtl="0">
               <a:spcBef>
                 <a:spcPts val="0"/>
               </a:spcBef>
@@ -8909,7 +9087,7 @@
             </a:endParaRPr>
           </a:p>
           <a:p>
-            <a:pPr indent="0" lvl="0" marL="457200" rtl="0" algn="l">
+            <a:pPr marL="457200" lvl="0" indent="0" algn="l" rtl="0">
               <a:spcBef>
                 <a:spcPts val="0"/>
               </a:spcBef>
@@ -8918,9 +9096,6 @@
               </a:spcAft>
               <a:buNone/>
             </a:pPr>
-            <a:r>
-              <a:t/>
-            </a:r>
             <a:endParaRPr sz="1500">
               <a:solidFill>
                 <a:schemeClr val="dk2"/>
@@ -8932,7 +9107,7 @@
             </a:endParaRPr>
           </a:p>
           <a:p>
-            <a:pPr indent="-323850" lvl="0" marL="457200" rtl="0" algn="l">
+            <a:pPr marL="457200" lvl="0" indent="-323850" algn="l" rtl="0">
               <a:spcBef>
                 <a:spcPts val="0"/>
               </a:spcBef>
@@ -8969,7 +9144,7 @@
             </a:endParaRPr>
           </a:p>
           <a:p>
-            <a:pPr indent="0" lvl="0" marL="457200" rtl="0" algn="l">
+            <a:pPr marL="457200" lvl="0" indent="0" algn="l" rtl="0">
               <a:spcBef>
                 <a:spcPts val="0"/>
               </a:spcBef>
@@ -8978,9 +9153,6 @@
               </a:spcAft>
               <a:buNone/>
             </a:pPr>
-            <a:r>
-              <a:t/>
-            </a:r>
             <a:endParaRPr sz="1500">
               <a:solidFill>
                 <a:schemeClr val="dk2"/>
@@ -8992,7 +9164,7 @@
             </a:endParaRPr>
           </a:p>
           <a:p>
-            <a:pPr indent="-323850" lvl="0" marL="457200" rtl="0" algn="l">
+            <a:pPr marL="457200" lvl="0" indent="-323850" algn="l" rtl="0">
               <a:spcBef>
                 <a:spcPts val="0"/>
               </a:spcBef>
@@ -9040,7 +9212,7 @@
             </a:endParaRPr>
           </a:p>
           <a:p>
-            <a:pPr indent="-323850" lvl="0" marL="457200" rtl="0" algn="l">
+            <a:pPr marL="457200" lvl="0" indent="-323850" algn="l" rtl="0">
               <a:spcBef>
                 <a:spcPts val="0"/>
               </a:spcBef>
@@ -9088,7 +9260,7 @@
             </a:endParaRPr>
           </a:p>
           <a:p>
-            <a:pPr indent="-323850" lvl="0" marL="457200" rtl="0" algn="l">
+            <a:pPr marL="457200" lvl="0" indent="-323850" algn="l" rtl="0">
               <a:spcBef>
                 <a:spcPts val="0"/>
               </a:spcBef>
@@ -9146,12 +9318,12 @@
           </a:ln>
         </p:spPr>
         <p:txBody>
-          <a:bodyPr anchorCtr="0" anchor="t" bIns="91425" lIns="91425" spcFirstLastPara="1" rIns="91425" wrap="square" tIns="91425">
+          <a:bodyPr spcFirstLastPara="1" wrap="square" lIns="91425" tIns="91425" rIns="91425" bIns="91425" anchor="t" anchorCtr="0">
             <a:spAutoFit/>
           </a:bodyPr>
           <a:lstStyle/>
           <a:p>
-            <a:pPr indent="0" lvl="0" marL="0" rtl="0" algn="l">
+            <a:pPr marL="0" lvl="0" indent="0" algn="l" rtl="0">
               <a:spcBef>
                 <a:spcPts val="0"/>
               </a:spcBef>
@@ -9204,12 +9376,12 @@
           </a:ln>
         </p:spPr>
         <p:txBody>
-          <a:bodyPr anchorCtr="0" anchor="t" bIns="91425" lIns="91425" spcFirstLastPara="1" rIns="91425" wrap="square" tIns="91425">
+          <a:bodyPr spcFirstLastPara="1" wrap="square" lIns="91425" tIns="91425" rIns="91425" bIns="91425" anchor="t" anchorCtr="0">
             <a:spAutoFit/>
           </a:bodyPr>
           <a:lstStyle/>
           <a:p>
-            <a:pPr indent="0" lvl="0" marL="0" rtl="0" algn="ctr">
+            <a:pPr marL="0" lvl="0" indent="0" algn="ctr" rtl="0">
               <a:spcBef>
                 <a:spcPts val="0"/>
               </a:spcBef>
@@ -9251,11 +9423,11 @@
 </file>
 
 <file path=ppt/slides/slide4.xml><?xml version="1.0" encoding="utf-8"?>
-<p:sld xmlns:a="http://schemas.openxmlformats.org/drawingml/2006/main" xmlns:r="http://schemas.openxmlformats.org/officeDocument/2006/relationships" xmlns:mc="http://schemas.openxmlformats.org/markup-compatibility/2006" xmlns:mv="urn:schemas-microsoft-com:mac:vml" xmlns:p="http://schemas.openxmlformats.org/presentationml/2006/main" xmlns:c="http://schemas.openxmlformats.org/drawingml/2006/chart" xmlns:dgm="http://schemas.openxmlformats.org/drawingml/2006/diagram" xmlns:o="urn:schemas-microsoft-com:office:office" xmlns:v="urn:schemas-microsoft-com:vml" xmlns:pvml="urn:schemas-microsoft-com:office:powerpoint" xmlns:com="http://schemas.openxmlformats.org/drawingml/2006/compatibility" xmlns:p14="http://schemas.microsoft.com/office/powerpoint/2010/main" xmlns:p15="http://schemas.microsoft.com/office/powerpoint/2012/main" xmlns:ahyp="http://schemas.microsoft.com/office/drawing/2018/hyperlinkcolor">
+<p:sld xmlns:a="http://schemas.openxmlformats.org/drawingml/2006/main" xmlns:r="http://schemas.openxmlformats.org/officeDocument/2006/relationships" xmlns:p="http://schemas.openxmlformats.org/presentationml/2006/main">
   <p:cSld>
     <p:spTree>
       <p:nvGrpSpPr>
-        <p:cNvPr id="86" name="Shape 86"/>
+        <p:cNvPr id="1" name="Shape 86"/>
         <p:cNvGrpSpPr/>
         <p:nvPr/>
       </p:nvGrpSpPr>
@@ -9270,7 +9442,9 @@
       <p:sp>
         <p:nvSpPr>
           <p:cNvPr id="87" name="Google Shape;87;p16"/>
-          <p:cNvSpPr txBox="1"/>
+          <p:cNvSpPr txBox="1">
+            <a:spLocks noGrp="1"/>
+          </p:cNvSpPr>
           <p:nvPr>
             <p:ph type="title"/>
           </p:nvPr>
@@ -9285,12 +9459,12 @@
           </a:prstGeom>
         </p:spPr>
         <p:txBody>
-          <a:bodyPr anchorCtr="0" anchor="t" bIns="91425" lIns="91425" spcFirstLastPara="1" rIns="91425" wrap="square" tIns="91425">
+          <a:bodyPr spcFirstLastPara="1" wrap="square" lIns="91425" tIns="91425" rIns="91425" bIns="91425" anchor="t" anchorCtr="0">
             <a:normAutofit/>
           </a:bodyPr>
           <a:lstStyle/>
           <a:p>
-            <a:pPr indent="0" lvl="0" marL="0" rtl="0" algn="ctr">
+            <a:pPr marL="0" lvl="0" indent="0" algn="ctr" rtl="0">
               <a:spcBef>
                 <a:spcPts val="0"/>
               </a:spcBef>
@@ -9344,11 +9518,11 @@
 </file>
 
 <file path=ppt/slides/slide5.xml><?xml version="1.0" encoding="utf-8"?>
-<p:sld xmlns:a="http://schemas.openxmlformats.org/drawingml/2006/main" xmlns:r="http://schemas.openxmlformats.org/officeDocument/2006/relationships" xmlns:mc="http://schemas.openxmlformats.org/markup-compatibility/2006" xmlns:mv="urn:schemas-microsoft-com:mac:vml" xmlns:p="http://schemas.openxmlformats.org/presentationml/2006/main" xmlns:c="http://schemas.openxmlformats.org/drawingml/2006/chart" xmlns:dgm="http://schemas.openxmlformats.org/drawingml/2006/diagram" xmlns:o="urn:schemas-microsoft-com:office:office" xmlns:v="urn:schemas-microsoft-com:vml" xmlns:pvml="urn:schemas-microsoft-com:office:powerpoint" xmlns:com="http://schemas.openxmlformats.org/drawingml/2006/compatibility" xmlns:p14="http://schemas.microsoft.com/office/powerpoint/2010/main" xmlns:p15="http://schemas.microsoft.com/office/powerpoint/2012/main" xmlns:ahyp="http://schemas.microsoft.com/office/drawing/2018/hyperlinkcolor">
+<p:sld xmlns:a="http://schemas.openxmlformats.org/drawingml/2006/main" xmlns:r="http://schemas.openxmlformats.org/officeDocument/2006/relationships" xmlns:p="http://schemas.openxmlformats.org/presentationml/2006/main">
   <p:cSld>
     <p:spTree>
       <p:nvGrpSpPr>
-        <p:cNvPr id="92" name="Shape 92"/>
+        <p:cNvPr id="1" name="Shape 92"/>
         <p:cNvGrpSpPr/>
         <p:nvPr/>
       </p:nvGrpSpPr>
@@ -9363,7 +9537,9 @@
       <p:sp>
         <p:nvSpPr>
           <p:cNvPr id="93" name="Google Shape;93;p17"/>
-          <p:cNvSpPr txBox="1"/>
+          <p:cNvSpPr txBox="1">
+            <a:spLocks noGrp="1"/>
+          </p:cNvSpPr>
           <p:nvPr>
             <p:ph type="title"/>
           </p:nvPr>
@@ -9378,12 +9554,12 @@
           </a:prstGeom>
         </p:spPr>
         <p:txBody>
-          <a:bodyPr anchorCtr="0" anchor="t" bIns="91425" lIns="91425" spcFirstLastPara="1" rIns="91425" wrap="square" tIns="91425">
+          <a:bodyPr spcFirstLastPara="1" wrap="square" lIns="91425" tIns="91425" rIns="91425" bIns="91425" anchor="t" anchorCtr="0">
             <a:normAutofit/>
           </a:bodyPr>
           <a:lstStyle/>
           <a:p>
-            <a:pPr indent="0" lvl="0" marL="0" rtl="0" algn="l">
+            <a:pPr marL="0" lvl="0" indent="0" algn="l" rtl="0">
               <a:spcBef>
                 <a:spcPts val="0"/>
               </a:spcBef>
@@ -9420,12 +9596,12 @@
           </a:ln>
         </p:spPr>
         <p:txBody>
-          <a:bodyPr anchorCtr="0" anchor="t" bIns="91425" lIns="91425" spcFirstLastPara="1" rIns="91425" wrap="square" tIns="91425">
+          <a:bodyPr spcFirstLastPara="1" wrap="square" lIns="91425" tIns="91425" rIns="91425" bIns="91425" anchor="t" anchorCtr="0">
             <a:spAutoFit/>
           </a:bodyPr>
           <a:lstStyle/>
           <a:p>
-            <a:pPr indent="0" lvl="0" marL="0" rtl="0" algn="l">
+            <a:pPr marL="0" lvl="0" indent="0" algn="l" rtl="0">
               <a:spcBef>
                 <a:spcPts val="0"/>
               </a:spcBef>
@@ -9435,7 +9611,7 @@
               <a:buNone/>
             </a:pPr>
             <a:r>
-              <a:rPr b="1" lang="pl" sz="1500">
+              <a:rPr lang="pl" sz="1500" b="1">
                 <a:solidFill>
                   <a:schemeClr val="dk2"/>
                 </a:solidFill>
@@ -9469,7 +9645,7 @@
             </a:endParaRPr>
           </a:p>
           <a:p>
-            <a:pPr indent="0" lvl="0" marL="0" rtl="0" algn="l">
+            <a:pPr marL="0" lvl="0" indent="0" algn="l" rtl="0">
               <a:spcBef>
                 <a:spcPts val="0"/>
               </a:spcBef>
@@ -9479,7 +9655,7 @@
               <a:buNone/>
             </a:pPr>
             <a:r>
-              <a:rPr b="1" lang="pl" sz="1500">
+              <a:rPr lang="pl" sz="1500" b="1">
                 <a:solidFill>
                   <a:schemeClr val="dk2"/>
                 </a:solidFill>
@@ -9513,7 +9689,7 @@
             </a:endParaRPr>
           </a:p>
           <a:p>
-            <a:pPr indent="0" lvl="0" marL="0" rtl="0" algn="l">
+            <a:pPr marL="0" lvl="0" indent="0" algn="l" rtl="0">
               <a:spcBef>
                 <a:spcPts val="0"/>
               </a:spcBef>
@@ -9523,7 +9699,7 @@
               <a:buNone/>
             </a:pPr>
             <a:r>
-              <a:rPr b="1" lang="pl" sz="1500">
+              <a:rPr lang="pl" sz="1500" b="1">
                 <a:solidFill>
                   <a:schemeClr val="dk2"/>
                 </a:solidFill>
@@ -9557,7 +9733,7 @@
             </a:endParaRPr>
           </a:p>
           <a:p>
-            <a:pPr indent="0" lvl="0" marL="0" rtl="0" algn="l">
+            <a:pPr marL="0" lvl="0" indent="0" algn="l" rtl="0">
               <a:spcBef>
                 <a:spcPts val="0"/>
               </a:spcBef>
@@ -9566,9 +9742,6 @@
               </a:spcAft>
               <a:buNone/>
             </a:pPr>
-            <a:r>
-              <a:t/>
-            </a:r>
             <a:endParaRPr sz="1500">
               <a:solidFill>
                 <a:schemeClr val="dk2"/>
@@ -9580,7 +9753,7 @@
             </a:endParaRPr>
           </a:p>
           <a:p>
-            <a:pPr indent="0" lvl="0" marL="0" rtl="0" algn="l">
+            <a:pPr marL="0" lvl="0" indent="0" algn="l" rtl="0">
               <a:spcBef>
                 <a:spcPts val="0"/>
               </a:spcBef>
@@ -9590,7 +9763,7 @@
               <a:buNone/>
             </a:pPr>
             <a:r>
-              <a:rPr b="1" lang="pl" sz="1500">
+              <a:rPr lang="pl" sz="1500" b="1">
                 <a:solidFill>
                   <a:schemeClr val="dk2"/>
                 </a:solidFill>
@@ -9624,7 +9797,7 @@
             </a:endParaRPr>
           </a:p>
           <a:p>
-            <a:pPr indent="0" lvl="0" marL="0" rtl="0" algn="l">
+            <a:pPr marL="0" lvl="0" indent="0" algn="l" rtl="0">
               <a:spcBef>
                 <a:spcPts val="0"/>
               </a:spcBef>
@@ -9634,7 +9807,7 @@
               <a:buNone/>
             </a:pPr>
             <a:r>
-              <a:rPr b="1" lang="pl" sz="1500">
+              <a:rPr lang="pl" sz="1500" b="1">
                 <a:solidFill>
                   <a:schemeClr val="dk2"/>
                 </a:solidFill>
@@ -9668,7 +9841,7 @@
             </a:endParaRPr>
           </a:p>
           <a:p>
-            <a:pPr indent="0" lvl="0" marL="0" rtl="0" algn="l">
+            <a:pPr marL="0" lvl="0" indent="0" algn="l" rtl="0">
               <a:spcBef>
                 <a:spcPts val="0"/>
               </a:spcBef>
@@ -9678,7 +9851,7 @@
               <a:buNone/>
             </a:pPr>
             <a:r>
-              <a:rPr b="1" lang="pl" sz="1500">
+              <a:rPr lang="pl" sz="1500" b="1">
                 <a:solidFill>
                   <a:schemeClr val="dk2"/>
                 </a:solidFill>
@@ -9712,7 +9885,7 @@
             </a:endParaRPr>
           </a:p>
           <a:p>
-            <a:pPr indent="0" lvl="0" marL="0" rtl="0" algn="l">
+            <a:pPr marL="0" lvl="0" indent="0" algn="l" rtl="0">
               <a:spcBef>
                 <a:spcPts val="0"/>
               </a:spcBef>
@@ -9722,7 +9895,7 @@
               <a:buNone/>
             </a:pPr>
             <a:r>
-              <a:rPr b="1" lang="pl" sz="1500">
+              <a:rPr lang="pl" sz="1500" b="1">
                 <a:solidFill>
                   <a:schemeClr val="dk2"/>
                 </a:solidFill>
@@ -9756,7 +9929,7 @@
             </a:endParaRPr>
           </a:p>
           <a:p>
-            <a:pPr indent="0" lvl="0" marL="0" rtl="0" algn="l">
+            <a:pPr marL="0" lvl="0" indent="0" algn="l" rtl="0">
               <a:spcBef>
                 <a:spcPts val="0"/>
               </a:spcBef>
@@ -9766,7 +9939,7 @@
               <a:buNone/>
             </a:pPr>
             <a:r>
-              <a:rPr b="1" lang="pl" sz="1500">
+              <a:rPr lang="pl" sz="1500" b="1">
                 <a:solidFill>
                   <a:schemeClr val="dk2"/>
                 </a:solidFill>
@@ -9800,7 +9973,7 @@
             </a:endParaRPr>
           </a:p>
           <a:p>
-            <a:pPr indent="0" lvl="0" marL="0" rtl="0" algn="l">
+            <a:pPr marL="0" lvl="0" indent="0" algn="l" rtl="0">
               <a:spcBef>
                 <a:spcPts val="0"/>
               </a:spcBef>
@@ -9809,9 +9982,6 @@
               </a:spcAft>
               <a:buNone/>
             </a:pPr>
-            <a:r>
-              <a:t/>
-            </a:r>
             <a:endParaRPr sz="1500">
               <a:solidFill>
                 <a:schemeClr val="dk2"/>
@@ -9823,7 +9993,7 @@
             </a:endParaRPr>
           </a:p>
           <a:p>
-            <a:pPr indent="0" lvl="0" marL="0" rtl="0" algn="l">
+            <a:pPr marL="0" lvl="0" indent="0" algn="l" rtl="0">
               <a:spcBef>
                 <a:spcPts val="0"/>
               </a:spcBef>
@@ -9833,7 +10003,7 @@
               <a:buNone/>
             </a:pPr>
             <a:r>
-              <a:rPr b="1" lang="pl" sz="1500">
+              <a:rPr lang="pl" sz="1500" b="1">
                 <a:solidFill>
                   <a:schemeClr val="dk2"/>
                 </a:solidFill>
@@ -9867,7 +10037,7 @@
             </a:endParaRPr>
           </a:p>
           <a:p>
-            <a:pPr indent="0" lvl="0" marL="0" rtl="0" algn="l">
+            <a:pPr marL="0" lvl="0" indent="0" algn="l" rtl="0">
               <a:spcBef>
                 <a:spcPts val="0"/>
               </a:spcBef>
@@ -9877,7 +10047,7 @@
               <a:buNone/>
             </a:pPr>
             <a:r>
-              <a:rPr b="1" lang="pl" sz="1500">
+              <a:rPr lang="pl" sz="1500" b="1">
                 <a:solidFill>
                   <a:schemeClr val="dk2"/>
                 </a:solidFill>
@@ -9911,7 +10081,7 @@
             </a:endParaRPr>
           </a:p>
           <a:p>
-            <a:pPr indent="0" lvl="0" marL="0" rtl="0" algn="l">
+            <a:pPr marL="0" lvl="0" indent="0" algn="l" rtl="0">
               <a:spcBef>
                 <a:spcPts val="0"/>
               </a:spcBef>
@@ -9921,7 +10091,7 @@
               <a:buNone/>
             </a:pPr>
             <a:r>
-              <a:rPr b="1" lang="pl" sz="1500">
+              <a:rPr lang="pl" sz="1500" b="1">
                 <a:solidFill>
                   <a:schemeClr val="dk2"/>
                 </a:solidFill>
@@ -9955,7 +10125,7 @@
             </a:endParaRPr>
           </a:p>
           <a:p>
-            <a:pPr indent="0" lvl="0" marL="0" rtl="0" algn="l">
+            <a:pPr marL="0" lvl="0" indent="0" algn="l" rtl="0">
               <a:spcBef>
                 <a:spcPts val="0"/>
               </a:spcBef>
@@ -9965,7 +10135,7 @@
               <a:buNone/>
             </a:pPr>
             <a:r>
-              <a:rPr b="1" lang="pl" sz="1500">
+              <a:rPr lang="pl" sz="1500" b="1">
                 <a:solidFill>
                   <a:schemeClr val="dk2"/>
                 </a:solidFill>
@@ -9999,7 +10169,7 @@
             </a:endParaRPr>
           </a:p>
           <a:p>
-            <a:pPr indent="0" lvl="0" marL="0" rtl="0" algn="l">
+            <a:pPr marL="0" lvl="0" indent="0" algn="l" rtl="0">
               <a:spcBef>
                 <a:spcPts val="0"/>
               </a:spcBef>
@@ -10009,7 +10179,7 @@
               <a:buNone/>
             </a:pPr>
             <a:r>
-              <a:rPr b="1" lang="pl" sz="1500">
+              <a:rPr lang="pl" sz="1500" b="1">
                 <a:solidFill>
                   <a:schemeClr val="dk2"/>
                 </a:solidFill>
@@ -10053,11 +10223,11 @@
 </file>
 
 <file path=ppt/slides/slide6.xml><?xml version="1.0" encoding="utf-8"?>
-<p:sld xmlns:a="http://schemas.openxmlformats.org/drawingml/2006/main" xmlns:r="http://schemas.openxmlformats.org/officeDocument/2006/relationships" xmlns:mc="http://schemas.openxmlformats.org/markup-compatibility/2006" xmlns:mv="urn:schemas-microsoft-com:mac:vml" xmlns:p="http://schemas.openxmlformats.org/presentationml/2006/main" xmlns:c="http://schemas.openxmlformats.org/drawingml/2006/chart" xmlns:dgm="http://schemas.openxmlformats.org/drawingml/2006/diagram" xmlns:o="urn:schemas-microsoft-com:office:office" xmlns:v="urn:schemas-microsoft-com:vml" xmlns:pvml="urn:schemas-microsoft-com:office:powerpoint" xmlns:com="http://schemas.openxmlformats.org/drawingml/2006/compatibility" xmlns:p14="http://schemas.microsoft.com/office/powerpoint/2010/main" xmlns:p15="http://schemas.microsoft.com/office/powerpoint/2012/main" xmlns:ahyp="http://schemas.microsoft.com/office/drawing/2018/hyperlinkcolor">
+<p:sld xmlns:a="http://schemas.openxmlformats.org/drawingml/2006/main" xmlns:r="http://schemas.openxmlformats.org/officeDocument/2006/relationships" xmlns:p="http://schemas.openxmlformats.org/presentationml/2006/main">
   <p:cSld>
     <p:spTree>
       <p:nvGrpSpPr>
-        <p:cNvPr id="98" name="Shape 98"/>
+        <p:cNvPr id="1" name="Shape 98"/>
         <p:cNvGrpSpPr/>
         <p:nvPr/>
       </p:nvGrpSpPr>
@@ -10072,7 +10242,9 @@
       <p:sp>
         <p:nvSpPr>
           <p:cNvPr id="99" name="Google Shape;99;p18"/>
-          <p:cNvSpPr txBox="1"/>
+          <p:cNvSpPr txBox="1">
+            <a:spLocks noGrp="1"/>
+          </p:cNvSpPr>
           <p:nvPr>
             <p:ph type="title"/>
           </p:nvPr>
@@ -10087,12 +10259,12 @@
           </a:prstGeom>
         </p:spPr>
         <p:txBody>
-          <a:bodyPr anchorCtr="0" anchor="t" bIns="91425" lIns="91425" spcFirstLastPara="1" rIns="91425" wrap="square" tIns="91425">
+          <a:bodyPr spcFirstLastPara="1" wrap="square" lIns="91425" tIns="91425" rIns="91425" bIns="91425" anchor="t" anchorCtr="0">
             <a:normAutofit/>
           </a:bodyPr>
           <a:lstStyle/>
           <a:p>
-            <a:pPr indent="0" lvl="0" marL="0" rtl="0" algn="l">
+            <a:pPr marL="0" lvl="0" indent="0" algn="l" rtl="0">
               <a:spcBef>
                 <a:spcPts val="0"/>
               </a:spcBef>
@@ -10146,11 +10318,11 @@
 </file>
 
 <file path=ppt/slides/slide7.xml><?xml version="1.0" encoding="utf-8"?>
-<p:sld xmlns:a="http://schemas.openxmlformats.org/drawingml/2006/main" xmlns:r="http://schemas.openxmlformats.org/officeDocument/2006/relationships" xmlns:mc="http://schemas.openxmlformats.org/markup-compatibility/2006" xmlns:mv="urn:schemas-microsoft-com:mac:vml" xmlns:p="http://schemas.openxmlformats.org/presentationml/2006/main" xmlns:c="http://schemas.openxmlformats.org/drawingml/2006/chart" xmlns:dgm="http://schemas.openxmlformats.org/drawingml/2006/diagram" xmlns:o="urn:schemas-microsoft-com:office:office" xmlns:v="urn:schemas-microsoft-com:vml" xmlns:pvml="urn:schemas-microsoft-com:office:powerpoint" xmlns:com="http://schemas.openxmlformats.org/drawingml/2006/compatibility" xmlns:p14="http://schemas.microsoft.com/office/powerpoint/2010/main" xmlns:p15="http://schemas.microsoft.com/office/powerpoint/2012/main" xmlns:ahyp="http://schemas.microsoft.com/office/drawing/2018/hyperlinkcolor">
+<p:sld xmlns:a="http://schemas.openxmlformats.org/drawingml/2006/main" xmlns:r="http://schemas.openxmlformats.org/officeDocument/2006/relationships" xmlns:p="http://schemas.openxmlformats.org/presentationml/2006/main">
   <p:cSld>
     <p:spTree>
       <p:nvGrpSpPr>
-        <p:cNvPr id="104" name="Shape 104"/>
+        <p:cNvPr id="1" name="Shape 104"/>
         <p:cNvGrpSpPr/>
         <p:nvPr/>
       </p:nvGrpSpPr>
@@ -10165,7 +10337,9 @@
       <p:sp>
         <p:nvSpPr>
           <p:cNvPr id="105" name="Google Shape;105;p19"/>
-          <p:cNvSpPr txBox="1"/>
+          <p:cNvSpPr txBox="1">
+            <a:spLocks noGrp="1"/>
+          </p:cNvSpPr>
           <p:nvPr>
             <p:ph type="title"/>
           </p:nvPr>
@@ -10180,12 +10354,12 @@
           </a:prstGeom>
         </p:spPr>
         <p:txBody>
-          <a:bodyPr anchorCtr="0" anchor="t" bIns="91425" lIns="91425" spcFirstLastPara="1" rIns="91425" wrap="square" tIns="91425">
+          <a:bodyPr spcFirstLastPara="1" wrap="square" lIns="91425" tIns="91425" rIns="91425" bIns="91425" anchor="t" anchorCtr="0">
             <a:normAutofit/>
           </a:bodyPr>
           <a:lstStyle/>
           <a:p>
-            <a:pPr indent="0" lvl="0" marL="0" rtl="0" algn="ctr">
+            <a:pPr marL="0" lvl="0" indent="0" algn="ctr" rtl="0">
               <a:spcBef>
                 <a:spcPts val="0"/>
               </a:spcBef>
@@ -10196,9 +10370,13 @@
             </a:pPr>
             <a:r>
               <a:rPr lang="pl"/>
-              <a:t>Source of Scripts </a:t>
+              <a:t>Script </a:t>
             </a:r>
-            <a:endParaRPr/>
+            <a:r>
+              <a:rPr lang="pl" dirty="0"/>
+              <a:t>of Scripts </a:t>
+            </a:r>
+            <a:endParaRPr dirty="0"/>
           </a:p>
         </p:txBody>
       </p:sp>
@@ -10239,11 +10417,11 @@
 </file>
 
 <file path=ppt/slides/slide8.xml><?xml version="1.0" encoding="utf-8"?>
-<p:sld xmlns:a="http://schemas.openxmlformats.org/drawingml/2006/main" xmlns:r="http://schemas.openxmlformats.org/officeDocument/2006/relationships" xmlns:mc="http://schemas.openxmlformats.org/markup-compatibility/2006" xmlns:mv="urn:schemas-microsoft-com:mac:vml" xmlns:p="http://schemas.openxmlformats.org/presentationml/2006/main" xmlns:c="http://schemas.openxmlformats.org/drawingml/2006/chart" xmlns:dgm="http://schemas.openxmlformats.org/drawingml/2006/diagram" xmlns:o="urn:schemas-microsoft-com:office:office" xmlns:v="urn:schemas-microsoft-com:vml" xmlns:pvml="urn:schemas-microsoft-com:office:powerpoint" xmlns:com="http://schemas.openxmlformats.org/drawingml/2006/compatibility" xmlns:p14="http://schemas.microsoft.com/office/powerpoint/2010/main" xmlns:p15="http://schemas.microsoft.com/office/powerpoint/2012/main" xmlns:ahyp="http://schemas.microsoft.com/office/drawing/2018/hyperlinkcolor">
+<p:sld xmlns:a="http://schemas.openxmlformats.org/drawingml/2006/main" xmlns:r="http://schemas.openxmlformats.org/officeDocument/2006/relationships" xmlns:p="http://schemas.openxmlformats.org/presentationml/2006/main">
   <p:cSld>
     <p:spTree>
       <p:nvGrpSpPr>
-        <p:cNvPr id="110" name="Shape 110"/>
+        <p:cNvPr id="1" name="Shape 110"/>
         <p:cNvGrpSpPr/>
         <p:nvPr/>
       </p:nvGrpSpPr>
@@ -10258,7 +10436,9 @@
       <p:sp>
         <p:nvSpPr>
           <p:cNvPr id="111" name="Google Shape;111;p20"/>
-          <p:cNvSpPr txBox="1"/>
+          <p:cNvSpPr txBox="1">
+            <a:spLocks noGrp="1"/>
+          </p:cNvSpPr>
           <p:nvPr>
             <p:ph type="title"/>
           </p:nvPr>
@@ -10273,12 +10453,12 @@
           </a:prstGeom>
         </p:spPr>
         <p:txBody>
-          <a:bodyPr anchorCtr="0" anchor="t" bIns="91425" lIns="91425" spcFirstLastPara="1" rIns="91425" wrap="square" tIns="91425">
+          <a:bodyPr spcFirstLastPara="1" wrap="square" lIns="91425" tIns="91425" rIns="91425" bIns="91425" anchor="t" anchorCtr="0">
             <a:normAutofit/>
           </a:bodyPr>
           <a:lstStyle/>
           <a:p>
-            <a:pPr indent="0" lvl="0" marL="0" rtl="0" algn="l">
+            <a:pPr marL="0" lvl="0" indent="0" algn="l" rtl="0">
               <a:spcBef>
                 <a:spcPts val="0"/>
               </a:spcBef>
@@ -10289,11 +10469,7 @@
             </a:pPr>
             <a:r>
               <a:rPr lang="pl"/>
-              <a:t>SoS - </a:t>
-            </a:r>
-            <a:r>
-              <a:rPr lang="pl"/>
-              <a:t>supported languages</a:t>
+              <a:t>SoS - supported languages</a:t>
             </a:r>
             <a:endParaRPr/>
           </a:p>
@@ -10364,11 +10540,11 @@
 </file>
 
 <file path=ppt/slides/slide9.xml><?xml version="1.0" encoding="utf-8"?>
-<p:sld xmlns:a="http://schemas.openxmlformats.org/drawingml/2006/main" xmlns:r="http://schemas.openxmlformats.org/officeDocument/2006/relationships" xmlns:mc="http://schemas.openxmlformats.org/markup-compatibility/2006" xmlns:mv="urn:schemas-microsoft-com:mac:vml" xmlns:p="http://schemas.openxmlformats.org/presentationml/2006/main" xmlns:c="http://schemas.openxmlformats.org/drawingml/2006/chart" xmlns:dgm="http://schemas.openxmlformats.org/drawingml/2006/diagram" xmlns:o="urn:schemas-microsoft-com:office:office" xmlns:v="urn:schemas-microsoft-com:vml" xmlns:pvml="urn:schemas-microsoft-com:office:powerpoint" xmlns:com="http://schemas.openxmlformats.org/drawingml/2006/compatibility" xmlns:p14="http://schemas.microsoft.com/office/powerpoint/2010/main" xmlns:p15="http://schemas.microsoft.com/office/powerpoint/2012/main" xmlns:ahyp="http://schemas.microsoft.com/office/drawing/2018/hyperlinkcolor">
+<p:sld xmlns:a="http://schemas.openxmlformats.org/drawingml/2006/main" xmlns:r="http://schemas.openxmlformats.org/officeDocument/2006/relationships" xmlns:p="http://schemas.openxmlformats.org/presentationml/2006/main">
   <p:cSld>
     <p:spTree>
       <p:nvGrpSpPr>
-        <p:cNvPr id="117" name="Shape 117"/>
+        <p:cNvPr id="1" name="Shape 117"/>
         <p:cNvGrpSpPr/>
         <p:nvPr/>
       </p:nvGrpSpPr>
@@ -10383,7 +10559,9 @@
       <p:sp>
         <p:nvSpPr>
           <p:cNvPr id="118" name="Google Shape;118;p21"/>
-          <p:cNvSpPr txBox="1"/>
+          <p:cNvSpPr txBox="1">
+            <a:spLocks noGrp="1"/>
+          </p:cNvSpPr>
           <p:nvPr>
             <p:ph type="title"/>
           </p:nvPr>
@@ -10398,12 +10576,12 @@
           </a:prstGeom>
         </p:spPr>
         <p:txBody>
-          <a:bodyPr anchorCtr="0" anchor="ctr" bIns="91425" lIns="91425" spcFirstLastPara="1" rIns="91425" wrap="square" tIns="91425">
+          <a:bodyPr spcFirstLastPara="1" wrap="square" lIns="91425" tIns="91425" rIns="91425" bIns="91425" anchor="ctr" anchorCtr="0">
             <a:normAutofit/>
           </a:bodyPr>
           <a:lstStyle/>
           <a:p>
-            <a:pPr indent="0" lvl="0" marL="0" rtl="0" algn="ctr">
+            <a:pPr marL="0" lvl="0" indent="0" algn="ctr" rtl="0">
               <a:spcBef>
                 <a:spcPts val="0"/>
               </a:spcBef>
@@ -10423,9 +10601,11 @@
       <p:sp>
         <p:nvSpPr>
           <p:cNvPr id="119" name="Google Shape;119;p21"/>
-          <p:cNvSpPr txBox="1"/>
+          <p:cNvSpPr txBox="1">
+            <a:spLocks noGrp="1"/>
+          </p:cNvSpPr>
           <p:nvPr>
-            <p:ph idx="1" type="body"/>
+            <p:ph type="body" idx="1"/>
           </p:nvPr>
         </p:nvSpPr>
         <p:spPr>
@@ -10438,12 +10618,12 @@
           </a:prstGeom>
         </p:spPr>
         <p:txBody>
-          <a:bodyPr anchorCtr="0" anchor="t" bIns="91425" lIns="91425" spcFirstLastPara="1" rIns="91425" wrap="square" tIns="91425">
+          <a:bodyPr spcFirstLastPara="1" wrap="square" lIns="91425" tIns="91425" rIns="91425" bIns="91425" anchor="t" anchorCtr="0">
             <a:normAutofit/>
           </a:bodyPr>
           <a:lstStyle/>
           <a:p>
-            <a:pPr indent="-317500" lvl="0" marL="457200" rtl="0" algn="l">
+            <a:pPr marL="457200" lvl="0" indent="-317500" algn="l" rtl="0">
               <a:spcBef>
                 <a:spcPts val="0"/>
               </a:spcBef>
@@ -10460,7 +10640,7 @@
             <a:endParaRPr sz="1400"/>
           </a:p>
           <a:p>
-            <a:pPr indent="0" lvl="0" marL="457200" rtl="0" algn="l">
+            <a:pPr marL="457200" lvl="0" indent="0" algn="l" rtl="0">
               <a:spcBef>
                 <a:spcPts val="1200"/>
               </a:spcBef>
@@ -10469,13 +10649,10 @@
               </a:spcAft>
               <a:buNone/>
             </a:pPr>
-            <a:r>
-              <a:t/>
-            </a:r>
             <a:endParaRPr sz="1400"/>
           </a:p>
           <a:p>
-            <a:pPr indent="-317500" lvl="0" marL="457200" rtl="0" algn="l">
+            <a:pPr marL="457200" lvl="0" indent="-317500" algn="l" rtl="0">
               <a:spcBef>
                 <a:spcPts val="1200"/>
               </a:spcBef>
@@ -10530,7 +10707,7 @@
 </file>
 
 <file path=ppt/theme/theme1.xml><?xml version="1.0" encoding="utf-8"?>
-<a:theme xmlns:a="http://schemas.openxmlformats.org/drawingml/2006/main" xmlns:r="http://schemas.openxmlformats.org/officeDocument/2006/relationships" name="Paradigm">
+<a:theme xmlns:a="http://schemas.openxmlformats.org/drawingml/2006/main" name="Paradigm">
   <a:themeElements>
     <a:clrScheme name="Paradigm">
       <a:dk1>
@@ -10805,11 +10982,13 @@
       </a:bgFillStyleLst>
     </a:fmtScheme>
   </a:themeElements>
+  <a:objectDefaults/>
+  <a:extraClrSchemeLst/>
 </a:theme>
 </file>
 
 <file path=ppt/theme/theme2.xml><?xml version="1.0" encoding="utf-8"?>
-<a:theme xmlns:a="http://schemas.openxmlformats.org/drawingml/2006/main" xmlns:r="http://schemas.openxmlformats.org/officeDocument/2006/relationships">
+<a:theme xmlns:a="http://schemas.openxmlformats.org/drawingml/2006/main">
   <a:themeElements>
     <a:clrScheme name="Default">
       <a:dk1>
@@ -11084,5 +11263,7 @@
       </a:bgFillStyleLst>
     </a:fmtScheme>
   </a:themeElements>
+  <a:objectDefaults/>
+  <a:extraClrSchemeLst/>
 </a:theme>
 </file>